--- a/Proyectomodulo2_LopezM_PadillaA_OrozcoJ..pptx
+++ b/Proyectomodulo2_LopezM_PadillaA_OrozcoJ..pptx
@@ -111,6 +111,3689 @@
     </a:lvl9pPr>
   </p:defaultTextStyle>
 </p:presentation>
+</file>
+
+<file path=ppt/diagrams/colors1.xml><?xml version="1.0" encoding="utf-8"?>
+<dgm:colorsDef xmlns:dgm="http://schemas.openxmlformats.org/drawingml/2006/diagram" xmlns:a="http://schemas.openxmlformats.org/drawingml/2006/main" uniqueId="urn:microsoft.com/office/officeart/2005/8/colors/accent1_2">
+  <dgm:title val=""/>
+  <dgm:desc val=""/>
+  <dgm:catLst>
+    <dgm:cat type="accent1" pri="11200"/>
+  </dgm:catLst>
+  <dgm:styleLbl name="node0">
+    <dgm:fillClrLst meth="repeat">
+      <a:schemeClr val="accent1"/>
+    </dgm:fillClrLst>
+    <dgm:linClrLst meth="repeat">
+      <a:schemeClr val="lt1"/>
+    </dgm:linClrLst>
+    <dgm:effectClrLst/>
+    <dgm:txLinClrLst/>
+    <dgm:txFillClrLst/>
+    <dgm:txEffectClrLst/>
+  </dgm:styleLbl>
+  <dgm:styleLbl name="alignNode1">
+    <dgm:fillClrLst meth="repeat">
+      <a:schemeClr val="accent1"/>
+    </dgm:fillClrLst>
+    <dgm:linClrLst meth="repeat">
+      <a:schemeClr val="accent1"/>
+    </dgm:linClrLst>
+    <dgm:effectClrLst/>
+    <dgm:txLinClrLst/>
+    <dgm:txFillClrLst/>
+    <dgm:txEffectClrLst/>
+  </dgm:styleLbl>
+  <dgm:styleLbl name="node1">
+    <dgm:fillClrLst meth="repeat">
+      <a:schemeClr val="accent1"/>
+    </dgm:fillClrLst>
+    <dgm:linClrLst meth="repeat">
+      <a:schemeClr val="lt1"/>
+    </dgm:linClrLst>
+    <dgm:effectClrLst/>
+    <dgm:txLinClrLst/>
+    <dgm:txFillClrLst/>
+    <dgm:txEffectClrLst/>
+  </dgm:styleLbl>
+  <dgm:styleLbl name="lnNode1">
+    <dgm:fillClrLst meth="repeat">
+      <a:schemeClr val="accent1"/>
+    </dgm:fillClrLst>
+    <dgm:linClrLst meth="repeat">
+      <a:schemeClr val="lt1"/>
+    </dgm:linClrLst>
+    <dgm:effectClrLst/>
+    <dgm:txLinClrLst/>
+    <dgm:txFillClrLst/>
+    <dgm:txEffectClrLst/>
+  </dgm:styleLbl>
+  <dgm:styleLbl name="vennNode1">
+    <dgm:fillClrLst meth="repeat">
+      <a:schemeClr val="accent1">
+        <a:alpha val="50000"/>
+      </a:schemeClr>
+    </dgm:fillClrLst>
+    <dgm:linClrLst meth="repeat">
+      <a:schemeClr val="lt1"/>
+    </dgm:linClrLst>
+    <dgm:effectClrLst/>
+    <dgm:txLinClrLst/>
+    <dgm:txFillClrLst/>
+    <dgm:txEffectClrLst/>
+  </dgm:styleLbl>
+  <dgm:styleLbl name="node2">
+    <dgm:fillClrLst meth="repeat">
+      <a:schemeClr val="accent1"/>
+    </dgm:fillClrLst>
+    <dgm:linClrLst meth="repeat">
+      <a:schemeClr val="lt1"/>
+    </dgm:linClrLst>
+    <dgm:effectClrLst/>
+    <dgm:txLinClrLst/>
+    <dgm:txFillClrLst/>
+    <dgm:txEffectClrLst/>
+  </dgm:styleLbl>
+  <dgm:styleLbl name="node3">
+    <dgm:fillClrLst meth="repeat">
+      <a:schemeClr val="accent1"/>
+    </dgm:fillClrLst>
+    <dgm:linClrLst meth="repeat">
+      <a:schemeClr val="lt1"/>
+    </dgm:linClrLst>
+    <dgm:effectClrLst/>
+    <dgm:txLinClrLst/>
+    <dgm:txFillClrLst/>
+    <dgm:txEffectClrLst/>
+  </dgm:styleLbl>
+  <dgm:styleLbl name="node4">
+    <dgm:fillClrLst meth="repeat">
+      <a:schemeClr val="accent1"/>
+    </dgm:fillClrLst>
+    <dgm:linClrLst meth="repeat">
+      <a:schemeClr val="lt1"/>
+    </dgm:linClrLst>
+    <dgm:effectClrLst/>
+    <dgm:txLinClrLst/>
+    <dgm:txFillClrLst/>
+    <dgm:txEffectClrLst/>
+  </dgm:styleLbl>
+  <dgm:styleLbl name="fgImgPlace1">
+    <dgm:fillClrLst meth="repeat">
+      <a:schemeClr val="accent1">
+        <a:tint val="50000"/>
+      </a:schemeClr>
+    </dgm:fillClrLst>
+    <dgm:linClrLst meth="repeat">
+      <a:schemeClr val="lt1"/>
+    </dgm:linClrLst>
+    <dgm:effectClrLst/>
+    <dgm:txLinClrLst/>
+    <dgm:txFillClrLst meth="repeat">
+      <a:schemeClr val="lt1"/>
+    </dgm:txFillClrLst>
+    <dgm:txEffectClrLst/>
+  </dgm:styleLbl>
+  <dgm:styleLbl name="alignImgPlace1">
+    <dgm:fillClrLst meth="repeat">
+      <a:schemeClr val="accent1">
+        <a:tint val="50000"/>
+      </a:schemeClr>
+    </dgm:fillClrLst>
+    <dgm:linClrLst meth="repeat">
+      <a:schemeClr val="lt1"/>
+    </dgm:linClrLst>
+    <dgm:effectClrLst/>
+    <dgm:txLinClrLst/>
+    <dgm:txFillClrLst meth="repeat">
+      <a:schemeClr val="lt1"/>
+    </dgm:txFillClrLst>
+    <dgm:txEffectClrLst/>
+  </dgm:styleLbl>
+  <dgm:styleLbl name="bgImgPlace1">
+    <dgm:fillClrLst meth="repeat">
+      <a:schemeClr val="accent1">
+        <a:tint val="50000"/>
+      </a:schemeClr>
+    </dgm:fillClrLst>
+    <dgm:linClrLst meth="repeat">
+      <a:schemeClr val="lt1"/>
+    </dgm:linClrLst>
+    <dgm:effectClrLst/>
+    <dgm:txLinClrLst/>
+    <dgm:txFillClrLst meth="repeat">
+      <a:schemeClr val="lt1"/>
+    </dgm:txFillClrLst>
+    <dgm:txEffectClrLst/>
+  </dgm:styleLbl>
+  <dgm:styleLbl name="sibTrans2D1">
+    <dgm:fillClrLst meth="repeat">
+      <a:schemeClr val="accent1">
+        <a:tint val="60000"/>
+      </a:schemeClr>
+    </dgm:fillClrLst>
+    <dgm:linClrLst meth="repeat">
+      <a:schemeClr val="accent1">
+        <a:tint val="60000"/>
+      </a:schemeClr>
+    </dgm:linClrLst>
+    <dgm:effectClrLst/>
+    <dgm:txLinClrLst/>
+    <dgm:txFillClrLst/>
+    <dgm:txEffectClrLst/>
+  </dgm:styleLbl>
+  <dgm:styleLbl name="fgSibTrans2D1">
+    <dgm:fillClrLst meth="repeat">
+      <a:schemeClr val="accent1">
+        <a:tint val="60000"/>
+      </a:schemeClr>
+    </dgm:fillClrLst>
+    <dgm:linClrLst meth="repeat">
+      <a:schemeClr val="accent1">
+        <a:tint val="60000"/>
+      </a:schemeClr>
+    </dgm:linClrLst>
+    <dgm:effectClrLst/>
+    <dgm:txLinClrLst/>
+    <dgm:txFillClrLst/>
+    <dgm:txEffectClrLst/>
+  </dgm:styleLbl>
+  <dgm:styleLbl name="bgSibTrans2D1">
+    <dgm:fillClrLst meth="repeat">
+      <a:schemeClr val="accent1">
+        <a:tint val="60000"/>
+      </a:schemeClr>
+    </dgm:fillClrLst>
+    <dgm:linClrLst meth="repeat">
+      <a:schemeClr val="accent1">
+        <a:tint val="60000"/>
+      </a:schemeClr>
+    </dgm:linClrLst>
+    <dgm:effectClrLst/>
+    <dgm:txLinClrLst/>
+    <dgm:txFillClrLst/>
+    <dgm:txEffectClrLst/>
+  </dgm:styleLbl>
+  <dgm:styleLbl name="sibTrans1D1">
+    <dgm:fillClrLst meth="repeat">
+      <a:schemeClr val="accent1"/>
+    </dgm:fillClrLst>
+    <dgm:linClrLst meth="repeat">
+      <a:schemeClr val="accent1"/>
+    </dgm:linClrLst>
+    <dgm:effectClrLst/>
+    <dgm:txLinClrLst/>
+    <dgm:txFillClrLst meth="repeat">
+      <a:schemeClr val="tx1"/>
+    </dgm:txFillClrLst>
+    <dgm:txEffectClrLst/>
+  </dgm:styleLbl>
+  <dgm:styleLbl name="callout">
+    <dgm:fillClrLst meth="repeat">
+      <a:schemeClr val="accent1"/>
+    </dgm:fillClrLst>
+    <dgm:linClrLst meth="repeat">
+      <a:schemeClr val="accent1">
+        <a:tint val="50000"/>
+      </a:schemeClr>
+    </dgm:linClrLst>
+    <dgm:effectClrLst/>
+    <dgm:txLinClrLst/>
+    <dgm:txFillClrLst meth="repeat">
+      <a:schemeClr val="tx1"/>
+    </dgm:txFillClrLst>
+    <dgm:txEffectClrLst/>
+  </dgm:styleLbl>
+  <dgm:styleLbl name="asst0">
+    <dgm:fillClrLst meth="repeat">
+      <a:schemeClr val="accent1"/>
+    </dgm:fillClrLst>
+    <dgm:linClrLst meth="repeat">
+      <a:schemeClr val="lt1"/>
+    </dgm:linClrLst>
+    <dgm:effectClrLst/>
+    <dgm:txLinClrLst/>
+    <dgm:txFillClrLst/>
+    <dgm:txEffectClrLst/>
+  </dgm:styleLbl>
+  <dgm:styleLbl name="asst1">
+    <dgm:fillClrLst meth="repeat">
+      <a:schemeClr val="accent1"/>
+    </dgm:fillClrLst>
+    <dgm:linClrLst meth="repeat">
+      <a:schemeClr val="lt1"/>
+    </dgm:linClrLst>
+    <dgm:effectClrLst/>
+    <dgm:txLinClrLst/>
+    <dgm:txFillClrLst/>
+    <dgm:txEffectClrLst/>
+  </dgm:styleLbl>
+  <dgm:styleLbl name="asst2">
+    <dgm:fillClrLst meth="repeat">
+      <a:schemeClr val="accent1"/>
+    </dgm:fillClrLst>
+    <dgm:linClrLst meth="repeat">
+      <a:schemeClr val="lt1"/>
+    </dgm:linClrLst>
+    <dgm:effectClrLst/>
+    <dgm:txLinClrLst/>
+    <dgm:txFillClrLst/>
+    <dgm:txEffectClrLst/>
+  </dgm:styleLbl>
+  <dgm:styleLbl name="asst3">
+    <dgm:fillClrLst meth="repeat">
+      <a:schemeClr val="accent1"/>
+    </dgm:fillClrLst>
+    <dgm:linClrLst meth="repeat">
+      <a:schemeClr val="lt1"/>
+    </dgm:linClrLst>
+    <dgm:effectClrLst/>
+    <dgm:txLinClrLst/>
+    <dgm:txFillClrLst/>
+    <dgm:txEffectClrLst/>
+  </dgm:styleLbl>
+  <dgm:styleLbl name="asst4">
+    <dgm:fillClrLst meth="repeat">
+      <a:schemeClr val="accent1"/>
+    </dgm:fillClrLst>
+    <dgm:linClrLst meth="repeat">
+      <a:schemeClr val="lt1"/>
+    </dgm:linClrLst>
+    <dgm:effectClrLst/>
+    <dgm:txLinClrLst/>
+    <dgm:txFillClrLst/>
+    <dgm:txEffectClrLst/>
+  </dgm:styleLbl>
+  <dgm:styleLbl name="parChTrans2D1">
+    <dgm:fillClrLst meth="repeat">
+      <a:schemeClr val="accent1">
+        <a:tint val="60000"/>
+      </a:schemeClr>
+    </dgm:fillClrLst>
+    <dgm:linClrLst meth="repeat">
+      <a:schemeClr val="accent1">
+        <a:tint val="60000"/>
+      </a:schemeClr>
+    </dgm:linClrLst>
+    <dgm:effectClrLst/>
+    <dgm:txLinClrLst/>
+    <dgm:txFillClrLst meth="repeat">
+      <a:schemeClr val="lt1"/>
+    </dgm:txFillClrLst>
+    <dgm:txEffectClrLst/>
+  </dgm:styleLbl>
+  <dgm:styleLbl name="parChTrans2D2">
+    <dgm:fillClrLst meth="repeat">
+      <a:schemeClr val="accent1"/>
+    </dgm:fillClrLst>
+    <dgm:linClrLst meth="repeat">
+      <a:schemeClr val="accent1"/>
+    </dgm:linClrLst>
+    <dgm:effectClrLst/>
+    <dgm:txLinClrLst/>
+    <dgm:txFillClrLst meth="repeat">
+      <a:schemeClr val="lt1"/>
+    </dgm:txFillClrLst>
+    <dgm:txEffectClrLst/>
+  </dgm:styleLbl>
+  <dgm:styleLbl name="parChTrans2D3">
+    <dgm:fillClrLst meth="repeat">
+      <a:schemeClr val="accent1"/>
+    </dgm:fillClrLst>
+    <dgm:linClrLst meth="repeat">
+      <a:schemeClr val="accent1"/>
+    </dgm:linClrLst>
+    <dgm:effectClrLst/>
+    <dgm:txLinClrLst/>
+    <dgm:txFillClrLst meth="repeat">
+      <a:schemeClr val="lt1"/>
+    </dgm:txFillClrLst>
+    <dgm:txEffectClrLst/>
+  </dgm:styleLbl>
+  <dgm:styleLbl name="parChTrans2D4">
+    <dgm:fillClrLst meth="repeat">
+      <a:schemeClr val="accent1"/>
+    </dgm:fillClrLst>
+    <dgm:linClrLst meth="repeat">
+      <a:schemeClr val="accent1"/>
+    </dgm:linClrLst>
+    <dgm:effectClrLst/>
+    <dgm:txLinClrLst/>
+    <dgm:txFillClrLst meth="repeat">
+      <a:schemeClr val="lt1"/>
+    </dgm:txFillClrLst>
+    <dgm:txEffectClrLst/>
+  </dgm:styleLbl>
+  <dgm:styleLbl name="parChTrans1D1">
+    <dgm:fillClrLst meth="repeat">
+      <a:schemeClr val="accent1"/>
+    </dgm:fillClrLst>
+    <dgm:linClrLst meth="repeat">
+      <a:schemeClr val="accent1">
+        <a:shade val="60000"/>
+      </a:schemeClr>
+    </dgm:linClrLst>
+    <dgm:effectClrLst/>
+    <dgm:txLinClrLst/>
+    <dgm:txFillClrLst meth="repeat">
+      <a:schemeClr val="tx1"/>
+    </dgm:txFillClrLst>
+    <dgm:txEffectClrLst/>
+  </dgm:styleLbl>
+  <dgm:styleLbl name="parChTrans1D2">
+    <dgm:fillClrLst meth="repeat">
+      <a:schemeClr val="accent1"/>
+    </dgm:fillClrLst>
+    <dgm:linClrLst meth="repeat">
+      <a:schemeClr val="accent1">
+        <a:shade val="60000"/>
+      </a:schemeClr>
+    </dgm:linClrLst>
+    <dgm:effectClrLst/>
+    <dgm:txLinClrLst/>
+    <dgm:txFillClrLst meth="repeat">
+      <a:schemeClr val="tx1"/>
+    </dgm:txFillClrLst>
+    <dgm:txEffectClrLst/>
+  </dgm:styleLbl>
+  <dgm:styleLbl name="parChTrans1D3">
+    <dgm:fillClrLst meth="repeat">
+      <a:schemeClr val="accent1"/>
+    </dgm:fillClrLst>
+    <dgm:linClrLst meth="repeat">
+      <a:schemeClr val="accent1">
+        <a:shade val="80000"/>
+      </a:schemeClr>
+    </dgm:linClrLst>
+    <dgm:effectClrLst/>
+    <dgm:txLinClrLst/>
+    <dgm:txFillClrLst meth="repeat">
+      <a:schemeClr val="tx1"/>
+    </dgm:txFillClrLst>
+    <dgm:txEffectClrLst/>
+  </dgm:styleLbl>
+  <dgm:styleLbl name="parChTrans1D4">
+    <dgm:fillClrLst meth="repeat">
+      <a:schemeClr val="accent1"/>
+    </dgm:fillClrLst>
+    <dgm:linClrLst meth="repeat">
+      <a:schemeClr val="accent1">
+        <a:shade val="80000"/>
+      </a:schemeClr>
+    </dgm:linClrLst>
+    <dgm:effectClrLst/>
+    <dgm:txLinClrLst/>
+    <dgm:txFillClrLst meth="repeat">
+      <a:schemeClr val="tx1"/>
+    </dgm:txFillClrLst>
+    <dgm:txEffectClrLst/>
+  </dgm:styleLbl>
+  <dgm:styleLbl name="fgAcc1">
+    <dgm:fillClrLst meth="repeat">
+      <a:schemeClr val="lt1">
+        <a:alpha val="90000"/>
+      </a:schemeClr>
+    </dgm:fillClrLst>
+    <dgm:linClrLst meth="repeat">
+      <a:schemeClr val="accent1"/>
+    </dgm:linClrLst>
+    <dgm:effectClrLst/>
+    <dgm:txLinClrLst/>
+    <dgm:txFillClrLst meth="repeat">
+      <a:schemeClr val="dk1"/>
+    </dgm:txFillClrLst>
+    <dgm:txEffectClrLst/>
+  </dgm:styleLbl>
+  <dgm:styleLbl name="conFgAcc1">
+    <dgm:fillClrLst meth="repeat">
+      <a:schemeClr val="lt1">
+        <a:alpha val="90000"/>
+      </a:schemeClr>
+    </dgm:fillClrLst>
+    <dgm:linClrLst meth="repeat">
+      <a:schemeClr val="accent1"/>
+    </dgm:linClrLst>
+    <dgm:effectClrLst/>
+    <dgm:txLinClrLst/>
+    <dgm:txFillClrLst meth="repeat">
+      <a:schemeClr val="dk1"/>
+    </dgm:txFillClrLst>
+    <dgm:txEffectClrLst/>
+  </dgm:styleLbl>
+  <dgm:styleLbl name="alignAcc1">
+    <dgm:fillClrLst meth="repeat">
+      <a:schemeClr val="lt1">
+        <a:alpha val="90000"/>
+      </a:schemeClr>
+    </dgm:fillClrLst>
+    <dgm:linClrLst meth="repeat">
+      <a:schemeClr val="accent1"/>
+    </dgm:linClrLst>
+    <dgm:effectClrLst/>
+    <dgm:txLinClrLst/>
+    <dgm:txFillClrLst meth="repeat">
+      <a:schemeClr val="dk1"/>
+    </dgm:txFillClrLst>
+    <dgm:txEffectClrLst/>
+  </dgm:styleLbl>
+  <dgm:styleLbl name="trAlignAcc1">
+    <dgm:fillClrLst meth="repeat">
+      <a:schemeClr val="lt1">
+        <a:alpha val="40000"/>
+      </a:schemeClr>
+    </dgm:fillClrLst>
+    <dgm:linClrLst meth="repeat">
+      <a:schemeClr val="accent1"/>
+    </dgm:linClrLst>
+    <dgm:effectClrLst/>
+    <dgm:txLinClrLst/>
+    <dgm:txFillClrLst meth="repeat">
+      <a:schemeClr val="dk1"/>
+    </dgm:txFillClrLst>
+    <dgm:txEffectClrLst/>
+  </dgm:styleLbl>
+  <dgm:styleLbl name="bgAcc1">
+    <dgm:fillClrLst meth="repeat">
+      <a:schemeClr val="lt1">
+        <a:alpha val="90000"/>
+      </a:schemeClr>
+    </dgm:fillClrLst>
+    <dgm:linClrLst meth="repeat">
+      <a:schemeClr val="accent1"/>
+    </dgm:linClrLst>
+    <dgm:effectClrLst/>
+    <dgm:txLinClrLst/>
+    <dgm:txFillClrLst meth="repeat">
+      <a:schemeClr val="dk1"/>
+    </dgm:txFillClrLst>
+    <dgm:txEffectClrLst/>
+  </dgm:styleLbl>
+  <dgm:styleLbl name="solidFgAcc1">
+    <dgm:fillClrLst meth="repeat">
+      <a:schemeClr val="lt1"/>
+    </dgm:fillClrLst>
+    <dgm:linClrLst meth="repeat">
+      <a:schemeClr val="accent1"/>
+    </dgm:linClrLst>
+    <dgm:effectClrLst/>
+    <dgm:txLinClrLst/>
+    <dgm:txFillClrLst meth="repeat">
+      <a:schemeClr val="dk1"/>
+    </dgm:txFillClrLst>
+    <dgm:txEffectClrLst/>
+  </dgm:styleLbl>
+  <dgm:styleLbl name="solidAlignAcc1">
+    <dgm:fillClrLst meth="repeat">
+      <a:schemeClr val="lt1"/>
+    </dgm:fillClrLst>
+    <dgm:linClrLst meth="repeat">
+      <a:schemeClr val="accent1"/>
+    </dgm:linClrLst>
+    <dgm:effectClrLst/>
+    <dgm:txLinClrLst/>
+    <dgm:txFillClrLst meth="repeat">
+      <a:schemeClr val="dk1"/>
+    </dgm:txFillClrLst>
+    <dgm:txEffectClrLst/>
+  </dgm:styleLbl>
+  <dgm:styleLbl name="solidBgAcc1">
+    <dgm:fillClrLst meth="repeat">
+      <a:schemeClr val="lt1"/>
+    </dgm:fillClrLst>
+    <dgm:linClrLst meth="repeat">
+      <a:schemeClr val="accent1"/>
+    </dgm:linClrLst>
+    <dgm:effectClrLst/>
+    <dgm:txLinClrLst/>
+    <dgm:txFillClrLst meth="repeat">
+      <a:schemeClr val="dk1"/>
+    </dgm:txFillClrLst>
+    <dgm:txEffectClrLst/>
+  </dgm:styleLbl>
+  <dgm:styleLbl name="fgAccFollowNode1">
+    <dgm:fillClrLst meth="repeat">
+      <a:schemeClr val="accent1">
+        <a:alpha val="90000"/>
+        <a:tint val="40000"/>
+      </a:schemeClr>
+    </dgm:fillClrLst>
+    <dgm:linClrLst meth="repeat">
+      <a:schemeClr val="accent1">
+        <a:alpha val="90000"/>
+        <a:tint val="40000"/>
+      </a:schemeClr>
+    </dgm:linClrLst>
+    <dgm:effectClrLst/>
+    <dgm:txLinClrLst/>
+    <dgm:txFillClrLst meth="repeat">
+      <a:schemeClr val="dk1"/>
+    </dgm:txFillClrLst>
+    <dgm:txEffectClrLst/>
+  </dgm:styleLbl>
+  <dgm:styleLbl name="alignAccFollowNode1">
+    <dgm:fillClrLst meth="repeat">
+      <a:schemeClr val="accent1">
+        <a:alpha val="90000"/>
+        <a:tint val="40000"/>
+      </a:schemeClr>
+    </dgm:fillClrLst>
+    <dgm:linClrLst meth="repeat">
+      <a:schemeClr val="accent1">
+        <a:alpha val="90000"/>
+        <a:tint val="40000"/>
+      </a:schemeClr>
+    </dgm:linClrLst>
+    <dgm:effectClrLst/>
+    <dgm:txLinClrLst/>
+    <dgm:txFillClrLst meth="repeat">
+      <a:schemeClr val="dk1"/>
+    </dgm:txFillClrLst>
+    <dgm:txEffectClrLst/>
+  </dgm:styleLbl>
+  <dgm:styleLbl name="bgAccFollowNode1">
+    <dgm:fillClrLst meth="repeat">
+      <a:schemeClr val="accent1">
+        <a:alpha val="90000"/>
+        <a:tint val="40000"/>
+      </a:schemeClr>
+    </dgm:fillClrLst>
+    <dgm:linClrLst meth="repeat">
+      <a:schemeClr val="accent1">
+        <a:alpha val="90000"/>
+        <a:tint val="40000"/>
+      </a:schemeClr>
+    </dgm:linClrLst>
+    <dgm:effectClrLst/>
+    <dgm:txLinClrLst/>
+    <dgm:txFillClrLst meth="repeat">
+      <a:schemeClr val="dk1"/>
+    </dgm:txFillClrLst>
+    <dgm:txEffectClrLst/>
+  </dgm:styleLbl>
+  <dgm:styleLbl name="fgAcc0">
+    <dgm:fillClrLst meth="repeat">
+      <a:schemeClr val="lt1">
+        <a:alpha val="90000"/>
+      </a:schemeClr>
+    </dgm:fillClrLst>
+    <dgm:linClrLst meth="repeat">
+      <a:schemeClr val="accent1"/>
+    </dgm:linClrLst>
+    <dgm:effectClrLst/>
+    <dgm:txLinClrLst/>
+    <dgm:txFillClrLst meth="repeat">
+      <a:schemeClr val="dk1"/>
+    </dgm:txFillClrLst>
+    <dgm:txEffectClrLst/>
+  </dgm:styleLbl>
+  <dgm:styleLbl name="fgAcc2">
+    <dgm:fillClrLst meth="repeat">
+      <a:schemeClr val="lt1">
+        <a:alpha val="90000"/>
+      </a:schemeClr>
+    </dgm:fillClrLst>
+    <dgm:linClrLst meth="repeat">
+      <a:schemeClr val="accent1"/>
+    </dgm:linClrLst>
+    <dgm:effectClrLst/>
+    <dgm:txLinClrLst/>
+    <dgm:txFillClrLst meth="repeat">
+      <a:schemeClr val="dk1"/>
+    </dgm:txFillClrLst>
+    <dgm:txEffectClrLst/>
+  </dgm:styleLbl>
+  <dgm:styleLbl name="fgAcc3">
+    <dgm:fillClrLst meth="repeat">
+      <a:schemeClr val="lt1">
+        <a:alpha val="90000"/>
+      </a:schemeClr>
+    </dgm:fillClrLst>
+    <dgm:linClrLst meth="repeat">
+      <a:schemeClr val="accent1"/>
+    </dgm:linClrLst>
+    <dgm:effectClrLst/>
+    <dgm:txLinClrLst/>
+    <dgm:txFillClrLst meth="repeat">
+      <a:schemeClr val="dk1"/>
+    </dgm:txFillClrLst>
+    <dgm:txEffectClrLst/>
+  </dgm:styleLbl>
+  <dgm:styleLbl name="fgAcc4">
+    <dgm:fillClrLst meth="repeat">
+      <a:schemeClr val="lt1">
+        <a:alpha val="90000"/>
+      </a:schemeClr>
+    </dgm:fillClrLst>
+    <dgm:linClrLst meth="repeat">
+      <a:schemeClr val="accent1"/>
+    </dgm:linClrLst>
+    <dgm:effectClrLst/>
+    <dgm:txLinClrLst/>
+    <dgm:txFillClrLst meth="repeat">
+      <a:schemeClr val="dk1"/>
+    </dgm:txFillClrLst>
+    <dgm:txEffectClrLst/>
+  </dgm:styleLbl>
+  <dgm:styleLbl name="bgShp">
+    <dgm:fillClrLst meth="repeat">
+      <a:schemeClr val="accent1">
+        <a:tint val="40000"/>
+      </a:schemeClr>
+    </dgm:fillClrLst>
+    <dgm:linClrLst meth="repeat">
+      <a:schemeClr val="accent1"/>
+    </dgm:linClrLst>
+    <dgm:effectClrLst/>
+    <dgm:txLinClrLst/>
+    <dgm:txFillClrLst meth="repeat">
+      <a:schemeClr val="dk1"/>
+    </dgm:txFillClrLst>
+    <dgm:txEffectClrLst/>
+  </dgm:styleLbl>
+  <dgm:styleLbl name="dkBgShp">
+    <dgm:fillClrLst meth="repeat">
+      <a:schemeClr val="accent1">
+        <a:shade val="80000"/>
+      </a:schemeClr>
+    </dgm:fillClrLst>
+    <dgm:linClrLst meth="repeat">
+      <a:schemeClr val="accent1"/>
+    </dgm:linClrLst>
+    <dgm:effectClrLst/>
+    <dgm:txLinClrLst/>
+    <dgm:txFillClrLst meth="repeat">
+      <a:schemeClr val="lt1"/>
+    </dgm:txFillClrLst>
+    <dgm:txEffectClrLst/>
+  </dgm:styleLbl>
+  <dgm:styleLbl name="trBgShp">
+    <dgm:fillClrLst meth="repeat">
+      <a:schemeClr val="accent1">
+        <a:tint val="50000"/>
+        <a:alpha val="40000"/>
+      </a:schemeClr>
+    </dgm:fillClrLst>
+    <dgm:linClrLst meth="repeat">
+      <a:schemeClr val="accent1"/>
+    </dgm:linClrLst>
+    <dgm:effectClrLst/>
+    <dgm:txLinClrLst/>
+    <dgm:txFillClrLst meth="repeat">
+      <a:schemeClr val="lt1"/>
+    </dgm:txFillClrLst>
+    <dgm:txEffectClrLst/>
+  </dgm:styleLbl>
+  <dgm:styleLbl name="fgShp">
+    <dgm:fillClrLst meth="repeat">
+      <a:schemeClr val="accent1">
+        <a:tint val="60000"/>
+      </a:schemeClr>
+    </dgm:fillClrLst>
+    <dgm:linClrLst meth="repeat">
+      <a:schemeClr val="lt1"/>
+    </dgm:linClrLst>
+    <dgm:effectClrLst/>
+    <dgm:txLinClrLst/>
+    <dgm:txFillClrLst meth="repeat">
+      <a:schemeClr val="dk1"/>
+    </dgm:txFillClrLst>
+    <dgm:txEffectClrLst/>
+  </dgm:styleLbl>
+  <dgm:styleLbl name="revTx">
+    <dgm:fillClrLst meth="repeat">
+      <a:schemeClr val="lt1">
+        <a:alpha val="0"/>
+      </a:schemeClr>
+    </dgm:fillClrLst>
+    <dgm:linClrLst meth="repeat">
+      <a:schemeClr val="dk1">
+        <a:alpha val="0"/>
+      </a:schemeClr>
+    </dgm:linClrLst>
+    <dgm:effectClrLst/>
+    <dgm:txLinClrLst/>
+    <dgm:txFillClrLst meth="repeat">
+      <a:schemeClr val="tx1"/>
+    </dgm:txFillClrLst>
+    <dgm:txEffectClrLst/>
+  </dgm:styleLbl>
+</dgm:colorsDef>
+</file>
+
+<file path=ppt/diagrams/data1.xml><?xml version="1.0" encoding="utf-8"?>
+<dgm:dataModel xmlns:dgm="http://schemas.openxmlformats.org/drawingml/2006/diagram" xmlns:a="http://schemas.openxmlformats.org/drawingml/2006/main">
+  <dgm:ptLst>
+    <dgm:pt modelId="{5DF91D45-81DB-4E9A-8DAA-D5873623CD75}" type="doc">
+      <dgm:prSet loTypeId="urn:microsoft.com/office/officeart/2008/layout/LinedList" loCatId="list" qsTypeId="urn:microsoft.com/office/officeart/2005/8/quickstyle/simple1" qsCatId="simple" csTypeId="urn:microsoft.com/office/officeart/2005/8/colors/accent1_2" csCatId="accent1" phldr="1"/>
+      <dgm:spPr/>
+      <dgm:t>
+        <a:bodyPr/>
+        <a:lstStyle/>
+        <a:p>
+          <a:endParaRPr lang="en-US"/>
+        </a:p>
+      </dgm:t>
+    </dgm:pt>
+    <dgm:pt modelId="{2BA9F556-2B5D-497B-925D-CBF3EF35FC0A}">
+      <dgm:prSet/>
+      <dgm:spPr/>
+      <dgm:t>
+        <a:bodyPr/>
+        <a:lstStyle/>
+        <a:p>
+          <a:r>
+            <a:rPr lang="en-US" b="1" dirty="0" err="1"/>
+            <a:t>Longitud</a:t>
+          </a:r>
+          <a:r>
+            <a:rPr lang="en-US" b="1" dirty="0"/>
+            <a:t> total</a:t>
+          </a:r>
+          <a:endParaRPr lang="en-US" dirty="0"/>
+        </a:p>
+      </dgm:t>
+    </dgm:pt>
+    <dgm:pt modelId="{44D684EC-555C-42AA-99EB-19A56D1B687F}" type="parTrans" cxnId="{7517D42A-BDB9-4374-A200-DAC799566D00}">
+      <dgm:prSet/>
+      <dgm:spPr/>
+      <dgm:t>
+        <a:bodyPr/>
+        <a:lstStyle/>
+        <a:p>
+          <a:endParaRPr lang="en-US"/>
+        </a:p>
+      </dgm:t>
+    </dgm:pt>
+    <dgm:pt modelId="{E67D5B6F-8165-495A-8B7F-09F997587F21}" type="sibTrans" cxnId="{7517D42A-BDB9-4374-A200-DAC799566D00}">
+      <dgm:prSet/>
+      <dgm:spPr/>
+      <dgm:t>
+        <a:bodyPr/>
+        <a:lstStyle/>
+        <a:p>
+          <a:endParaRPr lang="en-US"/>
+        </a:p>
+      </dgm:t>
+    </dgm:pt>
+    <dgm:pt modelId="{C427CD00-0B04-45C9-A758-7200C9FCBD36}">
+      <dgm:prSet/>
+      <dgm:spPr/>
+      <dgm:t>
+        <a:bodyPr/>
+        <a:lstStyle/>
+        <a:p>
+          <a:r>
+            <a:rPr lang="en-US" dirty="0"/>
+            <a:t>500 metros</a:t>
+          </a:r>
+        </a:p>
+      </dgm:t>
+    </dgm:pt>
+    <dgm:pt modelId="{7E27DABC-8EDB-4235-A953-D3525EC23DDB}" type="parTrans" cxnId="{CE560EF1-1419-4849-9A94-E1BF922CE256}">
+      <dgm:prSet/>
+      <dgm:spPr/>
+      <dgm:t>
+        <a:bodyPr/>
+        <a:lstStyle/>
+        <a:p>
+          <a:endParaRPr lang="en-US"/>
+        </a:p>
+      </dgm:t>
+    </dgm:pt>
+    <dgm:pt modelId="{E084DC3F-E842-483E-AD4F-86A09D23030B}" type="sibTrans" cxnId="{CE560EF1-1419-4849-9A94-E1BF922CE256}">
+      <dgm:prSet/>
+      <dgm:spPr/>
+      <dgm:t>
+        <a:bodyPr/>
+        <a:lstStyle/>
+        <a:p>
+          <a:endParaRPr lang="en-US"/>
+        </a:p>
+      </dgm:t>
+    </dgm:pt>
+    <dgm:pt modelId="{01A4917D-543A-45F6-B423-B71E0C32A462}">
+      <dgm:prSet/>
+      <dgm:spPr/>
+      <dgm:t>
+        <a:bodyPr/>
+        <a:lstStyle/>
+        <a:p>
+          <a:r>
+            <a:rPr lang="en-US" b="1" dirty="0"/>
+            <a:t>Ancho </a:t>
+          </a:r>
+          <a:endParaRPr lang="en-US" dirty="0"/>
+        </a:p>
+      </dgm:t>
+    </dgm:pt>
+    <dgm:pt modelId="{8D17CB0C-DD56-48ED-9E45-DD38B9D268E4}" type="parTrans" cxnId="{B0FD6AFA-55A4-4C47-AF54-BFE21A0C0980}">
+      <dgm:prSet/>
+      <dgm:spPr/>
+      <dgm:t>
+        <a:bodyPr/>
+        <a:lstStyle/>
+        <a:p>
+          <a:endParaRPr lang="en-US"/>
+        </a:p>
+      </dgm:t>
+    </dgm:pt>
+    <dgm:pt modelId="{4E1101A5-F2D1-40CB-BB79-B5AD144F5ED6}" type="sibTrans" cxnId="{B0FD6AFA-55A4-4C47-AF54-BFE21A0C0980}">
+      <dgm:prSet/>
+      <dgm:spPr/>
+      <dgm:t>
+        <a:bodyPr/>
+        <a:lstStyle/>
+        <a:p>
+          <a:endParaRPr lang="en-US"/>
+        </a:p>
+      </dgm:t>
+    </dgm:pt>
+    <dgm:pt modelId="{C467C879-E112-40B8-8E68-1CDCF1F0F2F4}">
+      <dgm:prSet/>
+      <dgm:spPr/>
+      <dgm:t>
+        <a:bodyPr/>
+        <a:lstStyle/>
+        <a:p>
+          <a:r>
+            <a:rPr lang="en-US" dirty="0"/>
+            <a:t>3.5 metros                 </a:t>
+          </a:r>
+        </a:p>
+      </dgm:t>
+    </dgm:pt>
+    <dgm:pt modelId="{FD8D3290-4517-476B-A8CA-60399E04E959}" type="parTrans" cxnId="{0731A061-1345-4FC7-A344-B2B8CA89944A}">
+      <dgm:prSet/>
+      <dgm:spPr/>
+      <dgm:t>
+        <a:bodyPr/>
+        <a:lstStyle/>
+        <a:p>
+          <a:endParaRPr lang="en-US"/>
+        </a:p>
+      </dgm:t>
+    </dgm:pt>
+    <dgm:pt modelId="{CB193E40-4664-4700-9077-3366F139CD87}" type="sibTrans" cxnId="{0731A061-1345-4FC7-A344-B2B8CA89944A}">
+      <dgm:prSet/>
+      <dgm:spPr/>
+      <dgm:t>
+        <a:bodyPr/>
+        <a:lstStyle/>
+        <a:p>
+          <a:endParaRPr lang="en-US"/>
+        </a:p>
+      </dgm:t>
+    </dgm:pt>
+    <dgm:pt modelId="{CE289E73-BE18-4D54-B174-C715931F5662}">
+      <dgm:prSet/>
+      <dgm:spPr/>
+      <dgm:t>
+        <a:bodyPr/>
+        <a:lstStyle/>
+        <a:p>
+          <a:r>
+            <a:rPr lang="en-US" b="1" dirty="0" err="1"/>
+            <a:t>Espesor</a:t>
+          </a:r>
+          <a:r>
+            <a:rPr lang="en-US" b="1" dirty="0"/>
+            <a:t> </a:t>
+          </a:r>
+          <a:endParaRPr lang="en-US" dirty="0"/>
+        </a:p>
+      </dgm:t>
+    </dgm:pt>
+    <dgm:pt modelId="{20FE69B9-BF4E-4AF0-A972-279F1B95A01E}" type="parTrans" cxnId="{94A58F53-1E52-466F-8CE8-5D39C05FE3DA}">
+      <dgm:prSet/>
+      <dgm:spPr/>
+      <dgm:t>
+        <a:bodyPr/>
+        <a:lstStyle/>
+        <a:p>
+          <a:endParaRPr lang="en-US"/>
+        </a:p>
+      </dgm:t>
+    </dgm:pt>
+    <dgm:pt modelId="{9A45246E-2B32-4A74-8D2E-FD1468111CF1}" type="sibTrans" cxnId="{94A58F53-1E52-466F-8CE8-5D39C05FE3DA}">
+      <dgm:prSet/>
+      <dgm:spPr/>
+      <dgm:t>
+        <a:bodyPr/>
+        <a:lstStyle/>
+        <a:p>
+          <a:endParaRPr lang="en-US"/>
+        </a:p>
+      </dgm:t>
+    </dgm:pt>
+    <dgm:pt modelId="{10D6EEC5-49BC-4B57-956C-4FC2BD2729A4}">
+      <dgm:prSet/>
+      <dgm:spPr/>
+      <dgm:t>
+        <a:bodyPr/>
+        <a:lstStyle/>
+        <a:p>
+          <a:r>
+            <a:rPr lang="en-US" dirty="0"/>
+            <a:t>0.30 m </a:t>
+          </a:r>
+          <a:r>
+            <a:rPr lang="en-US" dirty="0" err="1"/>
+            <a:t>Concreto</a:t>
+          </a:r>
+          <a:endParaRPr lang="en-US" dirty="0"/>
+        </a:p>
+      </dgm:t>
+    </dgm:pt>
+    <dgm:pt modelId="{F479D2E0-7052-4D5A-87F8-E8A2E9B68DB2}" type="parTrans" cxnId="{07F1BB68-BF52-4BBA-A1B1-5FBEC2E2C854}">
+      <dgm:prSet/>
+      <dgm:spPr/>
+      <dgm:t>
+        <a:bodyPr/>
+        <a:lstStyle/>
+        <a:p>
+          <a:endParaRPr lang="en-US"/>
+        </a:p>
+      </dgm:t>
+    </dgm:pt>
+    <dgm:pt modelId="{B0DBDB0A-9C6D-4387-8395-F58319ABB6B0}" type="sibTrans" cxnId="{07F1BB68-BF52-4BBA-A1B1-5FBEC2E2C854}">
+      <dgm:prSet/>
+      <dgm:spPr/>
+      <dgm:t>
+        <a:bodyPr/>
+        <a:lstStyle/>
+        <a:p>
+          <a:endParaRPr lang="en-US"/>
+        </a:p>
+      </dgm:t>
+    </dgm:pt>
+    <dgm:pt modelId="{A51D371B-CD3A-41BD-A3B4-E48BD3AEF29B}">
+      <dgm:prSet/>
+      <dgm:spPr/>
+      <dgm:t>
+        <a:bodyPr/>
+        <a:lstStyle/>
+        <a:p>
+          <a:r>
+            <a:rPr lang="en-US" dirty="0"/>
+            <a:t>0.50 m </a:t>
+          </a:r>
+          <a:r>
+            <a:rPr lang="en-US" dirty="0" err="1"/>
+            <a:t>grava</a:t>
+          </a:r>
+          <a:endParaRPr lang="en-US" dirty="0"/>
+        </a:p>
+      </dgm:t>
+    </dgm:pt>
+    <dgm:pt modelId="{9AB460FA-D60D-4BD0-B65B-0CBD1C9072CB}" type="parTrans" cxnId="{931D3193-F212-41F2-874F-53E9DD316EC6}">
+      <dgm:prSet/>
+      <dgm:spPr/>
+      <dgm:t>
+        <a:bodyPr/>
+        <a:lstStyle/>
+        <a:p>
+          <a:endParaRPr lang="en-US"/>
+        </a:p>
+      </dgm:t>
+    </dgm:pt>
+    <dgm:pt modelId="{9F475E66-AE57-45EA-8FE5-4B1BD3CB45A0}" type="sibTrans" cxnId="{931D3193-F212-41F2-874F-53E9DD316EC6}">
+      <dgm:prSet/>
+      <dgm:spPr/>
+      <dgm:t>
+        <a:bodyPr/>
+        <a:lstStyle/>
+        <a:p>
+          <a:endParaRPr lang="en-US"/>
+        </a:p>
+      </dgm:t>
+    </dgm:pt>
+    <dgm:pt modelId="{E40EA3E5-BCA6-4395-9ADF-A94767D4ADC5}">
+      <dgm:prSet/>
+      <dgm:spPr/>
+      <dgm:t>
+        <a:bodyPr/>
+        <a:lstStyle/>
+        <a:p>
+          <a:r>
+            <a:rPr lang="en-US" dirty="0"/>
+            <a:t>1.0 m arena</a:t>
+          </a:r>
+        </a:p>
+      </dgm:t>
+    </dgm:pt>
+    <dgm:pt modelId="{6D753B6A-7673-4C4C-8A29-64E9D75E4E49}" type="parTrans" cxnId="{411C4B76-7D0F-4FA5-B578-99DC65FCB61C}">
+      <dgm:prSet/>
+      <dgm:spPr/>
+      <dgm:t>
+        <a:bodyPr/>
+        <a:lstStyle/>
+        <a:p>
+          <a:endParaRPr lang="en-US"/>
+        </a:p>
+      </dgm:t>
+    </dgm:pt>
+    <dgm:pt modelId="{1EAA76E3-69BF-432E-8FC9-F0CBE51B90BD}" type="sibTrans" cxnId="{411C4B76-7D0F-4FA5-B578-99DC65FCB61C}">
+      <dgm:prSet/>
+      <dgm:spPr/>
+      <dgm:t>
+        <a:bodyPr/>
+        <a:lstStyle/>
+        <a:p>
+          <a:endParaRPr lang="en-US"/>
+        </a:p>
+      </dgm:t>
+    </dgm:pt>
+    <dgm:pt modelId="{5CFB740C-6960-4FA5-A5CA-01E44F9B6482}" type="pres">
+      <dgm:prSet presAssocID="{5DF91D45-81DB-4E9A-8DAA-D5873623CD75}" presName="vert0" presStyleCnt="0">
+        <dgm:presLayoutVars>
+          <dgm:dir/>
+          <dgm:animOne val="branch"/>
+          <dgm:animLvl val="lvl"/>
+        </dgm:presLayoutVars>
+      </dgm:prSet>
+      <dgm:spPr/>
+    </dgm:pt>
+    <dgm:pt modelId="{3D4461D9-7F48-4185-A5A6-894561F59E1C}" type="pres">
+      <dgm:prSet presAssocID="{2BA9F556-2B5D-497B-925D-CBF3EF35FC0A}" presName="thickLine" presStyleLbl="alignNode1" presStyleIdx="0" presStyleCnt="8"/>
+      <dgm:spPr/>
+    </dgm:pt>
+    <dgm:pt modelId="{4DFA160A-8344-40EA-8ACE-8E987614482C}" type="pres">
+      <dgm:prSet presAssocID="{2BA9F556-2B5D-497B-925D-CBF3EF35FC0A}" presName="horz1" presStyleCnt="0"/>
+      <dgm:spPr/>
+    </dgm:pt>
+    <dgm:pt modelId="{5D7FF7D7-F168-422F-948A-D3F96A3E95D5}" type="pres">
+      <dgm:prSet presAssocID="{2BA9F556-2B5D-497B-925D-CBF3EF35FC0A}" presName="tx1" presStyleLbl="revTx" presStyleIdx="0" presStyleCnt="8"/>
+      <dgm:spPr/>
+    </dgm:pt>
+    <dgm:pt modelId="{A33C768E-B9F2-401D-8A9C-864100661D5F}" type="pres">
+      <dgm:prSet presAssocID="{2BA9F556-2B5D-497B-925D-CBF3EF35FC0A}" presName="vert1" presStyleCnt="0"/>
+      <dgm:spPr/>
+    </dgm:pt>
+    <dgm:pt modelId="{7D4BE22F-9B3D-45EF-9E40-97AF9D0BE942}" type="pres">
+      <dgm:prSet presAssocID="{C427CD00-0B04-45C9-A758-7200C9FCBD36}" presName="thickLine" presStyleLbl="alignNode1" presStyleIdx="1" presStyleCnt="8"/>
+      <dgm:spPr/>
+    </dgm:pt>
+    <dgm:pt modelId="{93EDCA9D-1645-4563-8D16-D3C5C2E69E16}" type="pres">
+      <dgm:prSet presAssocID="{C427CD00-0B04-45C9-A758-7200C9FCBD36}" presName="horz1" presStyleCnt="0"/>
+      <dgm:spPr/>
+    </dgm:pt>
+    <dgm:pt modelId="{F7F9C20F-EF14-4C61-842F-30B1B0912E1A}" type="pres">
+      <dgm:prSet presAssocID="{C427CD00-0B04-45C9-A758-7200C9FCBD36}" presName="tx1" presStyleLbl="revTx" presStyleIdx="1" presStyleCnt="8"/>
+      <dgm:spPr/>
+    </dgm:pt>
+    <dgm:pt modelId="{0959731F-6344-4660-9F22-3999907317EA}" type="pres">
+      <dgm:prSet presAssocID="{C427CD00-0B04-45C9-A758-7200C9FCBD36}" presName="vert1" presStyleCnt="0"/>
+      <dgm:spPr/>
+    </dgm:pt>
+    <dgm:pt modelId="{EFF698FF-95B3-4E1A-8197-A99ABDA167BD}" type="pres">
+      <dgm:prSet presAssocID="{01A4917D-543A-45F6-B423-B71E0C32A462}" presName="thickLine" presStyleLbl="alignNode1" presStyleIdx="2" presStyleCnt="8"/>
+      <dgm:spPr/>
+    </dgm:pt>
+    <dgm:pt modelId="{6C7A1DED-5C56-4766-8E5D-1406650C147F}" type="pres">
+      <dgm:prSet presAssocID="{01A4917D-543A-45F6-B423-B71E0C32A462}" presName="horz1" presStyleCnt="0"/>
+      <dgm:spPr/>
+    </dgm:pt>
+    <dgm:pt modelId="{F4FC736E-3C8D-4F4F-8366-221EE446F285}" type="pres">
+      <dgm:prSet presAssocID="{01A4917D-543A-45F6-B423-B71E0C32A462}" presName="tx1" presStyleLbl="revTx" presStyleIdx="2" presStyleCnt="8"/>
+      <dgm:spPr/>
+    </dgm:pt>
+    <dgm:pt modelId="{5D3D2199-4DF1-4E32-BDEC-D7829DF12D27}" type="pres">
+      <dgm:prSet presAssocID="{01A4917D-543A-45F6-B423-B71E0C32A462}" presName="vert1" presStyleCnt="0"/>
+      <dgm:spPr/>
+    </dgm:pt>
+    <dgm:pt modelId="{5A1A7F3C-64D2-44BA-A00B-83B262E1CC2D}" type="pres">
+      <dgm:prSet presAssocID="{C467C879-E112-40B8-8E68-1CDCF1F0F2F4}" presName="thickLine" presStyleLbl="alignNode1" presStyleIdx="3" presStyleCnt="8"/>
+      <dgm:spPr/>
+    </dgm:pt>
+    <dgm:pt modelId="{CB1555DE-E757-4A0E-A082-E41C1449F6C4}" type="pres">
+      <dgm:prSet presAssocID="{C467C879-E112-40B8-8E68-1CDCF1F0F2F4}" presName="horz1" presStyleCnt="0"/>
+      <dgm:spPr/>
+    </dgm:pt>
+    <dgm:pt modelId="{C5D7FEED-4566-4A4C-815B-7C55A0816671}" type="pres">
+      <dgm:prSet presAssocID="{C467C879-E112-40B8-8E68-1CDCF1F0F2F4}" presName="tx1" presStyleLbl="revTx" presStyleIdx="3" presStyleCnt="8"/>
+      <dgm:spPr/>
+    </dgm:pt>
+    <dgm:pt modelId="{7605D869-777A-46B1-8909-BFECFA1433CD}" type="pres">
+      <dgm:prSet presAssocID="{C467C879-E112-40B8-8E68-1CDCF1F0F2F4}" presName="vert1" presStyleCnt="0"/>
+      <dgm:spPr/>
+    </dgm:pt>
+    <dgm:pt modelId="{4533F495-7A64-486F-A799-BE675CB67B02}" type="pres">
+      <dgm:prSet presAssocID="{CE289E73-BE18-4D54-B174-C715931F5662}" presName="thickLine" presStyleLbl="alignNode1" presStyleIdx="4" presStyleCnt="8"/>
+      <dgm:spPr/>
+    </dgm:pt>
+    <dgm:pt modelId="{4E86331F-B45A-4813-B9E4-020AC0FA2CEF}" type="pres">
+      <dgm:prSet presAssocID="{CE289E73-BE18-4D54-B174-C715931F5662}" presName="horz1" presStyleCnt="0"/>
+      <dgm:spPr/>
+    </dgm:pt>
+    <dgm:pt modelId="{BBB50A01-9204-40C7-99F3-0145D4FB7741}" type="pres">
+      <dgm:prSet presAssocID="{CE289E73-BE18-4D54-B174-C715931F5662}" presName="tx1" presStyleLbl="revTx" presStyleIdx="4" presStyleCnt="8"/>
+      <dgm:spPr/>
+    </dgm:pt>
+    <dgm:pt modelId="{C47ABD32-1994-42FC-B501-AD40CDB93E6C}" type="pres">
+      <dgm:prSet presAssocID="{CE289E73-BE18-4D54-B174-C715931F5662}" presName="vert1" presStyleCnt="0"/>
+      <dgm:spPr/>
+    </dgm:pt>
+    <dgm:pt modelId="{69933195-7230-403D-9946-AD001C031504}" type="pres">
+      <dgm:prSet presAssocID="{10D6EEC5-49BC-4B57-956C-4FC2BD2729A4}" presName="thickLine" presStyleLbl="alignNode1" presStyleIdx="5" presStyleCnt="8"/>
+      <dgm:spPr/>
+    </dgm:pt>
+    <dgm:pt modelId="{DE90C876-2E7E-4A80-89FD-5DFB99349989}" type="pres">
+      <dgm:prSet presAssocID="{10D6EEC5-49BC-4B57-956C-4FC2BD2729A4}" presName="horz1" presStyleCnt="0"/>
+      <dgm:spPr/>
+    </dgm:pt>
+    <dgm:pt modelId="{85171D2F-7190-46BC-AF89-5748BC30C941}" type="pres">
+      <dgm:prSet presAssocID="{10D6EEC5-49BC-4B57-956C-4FC2BD2729A4}" presName="tx1" presStyleLbl="revTx" presStyleIdx="5" presStyleCnt="8"/>
+      <dgm:spPr/>
+    </dgm:pt>
+    <dgm:pt modelId="{5EF5B8DD-360F-45BC-AF3C-FAE25C3D930A}" type="pres">
+      <dgm:prSet presAssocID="{10D6EEC5-49BC-4B57-956C-4FC2BD2729A4}" presName="vert1" presStyleCnt="0"/>
+      <dgm:spPr/>
+    </dgm:pt>
+    <dgm:pt modelId="{43010B26-A3B3-40D1-A6D1-5EA473FA76BE}" type="pres">
+      <dgm:prSet presAssocID="{A51D371B-CD3A-41BD-A3B4-E48BD3AEF29B}" presName="thickLine" presStyleLbl="alignNode1" presStyleIdx="6" presStyleCnt="8"/>
+      <dgm:spPr/>
+    </dgm:pt>
+    <dgm:pt modelId="{3FB45F90-458A-4B13-8CC5-DA6D12FA34F5}" type="pres">
+      <dgm:prSet presAssocID="{A51D371B-CD3A-41BD-A3B4-E48BD3AEF29B}" presName="horz1" presStyleCnt="0"/>
+      <dgm:spPr/>
+    </dgm:pt>
+    <dgm:pt modelId="{7C6BD765-76FB-49CC-8120-EC4462AE34AC}" type="pres">
+      <dgm:prSet presAssocID="{A51D371B-CD3A-41BD-A3B4-E48BD3AEF29B}" presName="tx1" presStyleLbl="revTx" presStyleIdx="6" presStyleCnt="8"/>
+      <dgm:spPr/>
+    </dgm:pt>
+    <dgm:pt modelId="{54DB956F-7E5B-480A-B521-A24A3266F9F2}" type="pres">
+      <dgm:prSet presAssocID="{A51D371B-CD3A-41BD-A3B4-E48BD3AEF29B}" presName="vert1" presStyleCnt="0"/>
+      <dgm:spPr/>
+    </dgm:pt>
+    <dgm:pt modelId="{98109E10-544A-4C53-8F9F-9D19C0DB1B2F}" type="pres">
+      <dgm:prSet presAssocID="{E40EA3E5-BCA6-4395-9ADF-A94767D4ADC5}" presName="thickLine" presStyleLbl="alignNode1" presStyleIdx="7" presStyleCnt="8"/>
+      <dgm:spPr/>
+    </dgm:pt>
+    <dgm:pt modelId="{91CBE667-C3E4-4B14-A00C-1DDBD00CF54F}" type="pres">
+      <dgm:prSet presAssocID="{E40EA3E5-BCA6-4395-9ADF-A94767D4ADC5}" presName="horz1" presStyleCnt="0"/>
+      <dgm:spPr/>
+    </dgm:pt>
+    <dgm:pt modelId="{115547D8-C184-41D7-B4F4-F7B938340F3E}" type="pres">
+      <dgm:prSet presAssocID="{E40EA3E5-BCA6-4395-9ADF-A94767D4ADC5}" presName="tx1" presStyleLbl="revTx" presStyleIdx="7" presStyleCnt="8"/>
+      <dgm:spPr/>
+    </dgm:pt>
+    <dgm:pt modelId="{465EBB0C-59B5-4122-B357-FEB8841DC3E6}" type="pres">
+      <dgm:prSet presAssocID="{E40EA3E5-BCA6-4395-9ADF-A94767D4ADC5}" presName="vert1" presStyleCnt="0"/>
+      <dgm:spPr/>
+    </dgm:pt>
+  </dgm:ptLst>
+  <dgm:cxnLst>
+    <dgm:cxn modelId="{B7858629-5D8F-41EF-BCBC-BA9C12AFBE3F}" type="presOf" srcId="{5DF91D45-81DB-4E9A-8DAA-D5873623CD75}" destId="{5CFB740C-6960-4FA5-A5CA-01E44F9B6482}" srcOrd="0" destOrd="0" presId="urn:microsoft.com/office/officeart/2008/layout/LinedList"/>
+    <dgm:cxn modelId="{7517D42A-BDB9-4374-A200-DAC799566D00}" srcId="{5DF91D45-81DB-4E9A-8DAA-D5873623CD75}" destId="{2BA9F556-2B5D-497B-925D-CBF3EF35FC0A}" srcOrd="0" destOrd="0" parTransId="{44D684EC-555C-42AA-99EB-19A56D1B687F}" sibTransId="{E67D5B6F-8165-495A-8B7F-09F997587F21}"/>
+    <dgm:cxn modelId="{452A363A-56FB-4A96-B55E-F2FC47F8FAF8}" type="presOf" srcId="{A51D371B-CD3A-41BD-A3B4-E48BD3AEF29B}" destId="{7C6BD765-76FB-49CC-8120-EC4462AE34AC}" srcOrd="0" destOrd="0" presId="urn:microsoft.com/office/officeart/2008/layout/LinedList"/>
+    <dgm:cxn modelId="{4F6A0C5D-072E-48F5-926C-0624A63E2523}" type="presOf" srcId="{10D6EEC5-49BC-4B57-956C-4FC2BD2729A4}" destId="{85171D2F-7190-46BC-AF89-5748BC30C941}" srcOrd="0" destOrd="0" presId="urn:microsoft.com/office/officeart/2008/layout/LinedList"/>
+    <dgm:cxn modelId="{0731A061-1345-4FC7-A344-B2B8CA89944A}" srcId="{5DF91D45-81DB-4E9A-8DAA-D5873623CD75}" destId="{C467C879-E112-40B8-8E68-1CDCF1F0F2F4}" srcOrd="3" destOrd="0" parTransId="{FD8D3290-4517-476B-A8CA-60399E04E959}" sibTransId="{CB193E40-4664-4700-9077-3366F139CD87}"/>
+    <dgm:cxn modelId="{762D6765-DA96-4B17-AFD9-BE6E51567B80}" type="presOf" srcId="{C427CD00-0B04-45C9-A758-7200C9FCBD36}" destId="{F7F9C20F-EF14-4C61-842F-30B1B0912E1A}" srcOrd="0" destOrd="0" presId="urn:microsoft.com/office/officeart/2008/layout/LinedList"/>
+    <dgm:cxn modelId="{17040D68-BB83-4E1A-B8C1-93D5CF739E49}" type="presOf" srcId="{E40EA3E5-BCA6-4395-9ADF-A94767D4ADC5}" destId="{115547D8-C184-41D7-B4F4-F7B938340F3E}" srcOrd="0" destOrd="0" presId="urn:microsoft.com/office/officeart/2008/layout/LinedList"/>
+    <dgm:cxn modelId="{07F1BB68-BF52-4BBA-A1B1-5FBEC2E2C854}" srcId="{5DF91D45-81DB-4E9A-8DAA-D5873623CD75}" destId="{10D6EEC5-49BC-4B57-956C-4FC2BD2729A4}" srcOrd="5" destOrd="0" parTransId="{F479D2E0-7052-4D5A-87F8-E8A2E9B68DB2}" sibTransId="{B0DBDB0A-9C6D-4387-8395-F58319ABB6B0}"/>
+    <dgm:cxn modelId="{C9C4226D-800E-4F10-90B8-925F5E9EABAA}" type="presOf" srcId="{01A4917D-543A-45F6-B423-B71E0C32A462}" destId="{F4FC736E-3C8D-4F4F-8366-221EE446F285}" srcOrd="0" destOrd="0" presId="urn:microsoft.com/office/officeart/2008/layout/LinedList"/>
+    <dgm:cxn modelId="{5CF20553-1E7F-42F0-9BA0-BBBACCB1AC22}" type="presOf" srcId="{C467C879-E112-40B8-8E68-1CDCF1F0F2F4}" destId="{C5D7FEED-4566-4A4C-815B-7C55A0816671}" srcOrd="0" destOrd="0" presId="urn:microsoft.com/office/officeart/2008/layout/LinedList"/>
+    <dgm:cxn modelId="{94A58F53-1E52-466F-8CE8-5D39C05FE3DA}" srcId="{5DF91D45-81DB-4E9A-8DAA-D5873623CD75}" destId="{CE289E73-BE18-4D54-B174-C715931F5662}" srcOrd="4" destOrd="0" parTransId="{20FE69B9-BF4E-4AF0-A972-279F1B95A01E}" sibTransId="{9A45246E-2B32-4A74-8D2E-FD1468111CF1}"/>
+    <dgm:cxn modelId="{411C4B76-7D0F-4FA5-B578-99DC65FCB61C}" srcId="{5DF91D45-81DB-4E9A-8DAA-D5873623CD75}" destId="{E40EA3E5-BCA6-4395-9ADF-A94767D4ADC5}" srcOrd="7" destOrd="0" parTransId="{6D753B6A-7673-4C4C-8A29-64E9D75E4E49}" sibTransId="{1EAA76E3-69BF-432E-8FC9-F0CBE51B90BD}"/>
+    <dgm:cxn modelId="{931D3193-F212-41F2-874F-53E9DD316EC6}" srcId="{5DF91D45-81DB-4E9A-8DAA-D5873623CD75}" destId="{A51D371B-CD3A-41BD-A3B4-E48BD3AEF29B}" srcOrd="6" destOrd="0" parTransId="{9AB460FA-D60D-4BD0-B65B-0CBD1C9072CB}" sibTransId="{9F475E66-AE57-45EA-8FE5-4B1BD3CB45A0}"/>
+    <dgm:cxn modelId="{D8A37CBD-46DE-48EF-8095-5E98980EEC28}" type="presOf" srcId="{CE289E73-BE18-4D54-B174-C715931F5662}" destId="{BBB50A01-9204-40C7-99F3-0145D4FB7741}" srcOrd="0" destOrd="0" presId="urn:microsoft.com/office/officeart/2008/layout/LinedList"/>
+    <dgm:cxn modelId="{B54F40E8-AC77-4DF2-B404-3A3680BAE599}" type="presOf" srcId="{2BA9F556-2B5D-497B-925D-CBF3EF35FC0A}" destId="{5D7FF7D7-F168-422F-948A-D3F96A3E95D5}" srcOrd="0" destOrd="0" presId="urn:microsoft.com/office/officeart/2008/layout/LinedList"/>
+    <dgm:cxn modelId="{CE560EF1-1419-4849-9A94-E1BF922CE256}" srcId="{5DF91D45-81DB-4E9A-8DAA-D5873623CD75}" destId="{C427CD00-0B04-45C9-A758-7200C9FCBD36}" srcOrd="1" destOrd="0" parTransId="{7E27DABC-8EDB-4235-A953-D3525EC23DDB}" sibTransId="{E084DC3F-E842-483E-AD4F-86A09D23030B}"/>
+    <dgm:cxn modelId="{B0FD6AFA-55A4-4C47-AF54-BFE21A0C0980}" srcId="{5DF91D45-81DB-4E9A-8DAA-D5873623CD75}" destId="{01A4917D-543A-45F6-B423-B71E0C32A462}" srcOrd="2" destOrd="0" parTransId="{8D17CB0C-DD56-48ED-9E45-DD38B9D268E4}" sibTransId="{4E1101A5-F2D1-40CB-BB79-B5AD144F5ED6}"/>
+    <dgm:cxn modelId="{05F0774B-C975-4B66-B380-D7F9E1351E47}" type="presParOf" srcId="{5CFB740C-6960-4FA5-A5CA-01E44F9B6482}" destId="{3D4461D9-7F48-4185-A5A6-894561F59E1C}" srcOrd="0" destOrd="0" presId="urn:microsoft.com/office/officeart/2008/layout/LinedList"/>
+    <dgm:cxn modelId="{4032BF47-E405-451D-96CA-C75C7BF48F76}" type="presParOf" srcId="{5CFB740C-6960-4FA5-A5CA-01E44F9B6482}" destId="{4DFA160A-8344-40EA-8ACE-8E987614482C}" srcOrd="1" destOrd="0" presId="urn:microsoft.com/office/officeart/2008/layout/LinedList"/>
+    <dgm:cxn modelId="{2A7C2423-0FAA-4742-A055-11543F53A879}" type="presParOf" srcId="{4DFA160A-8344-40EA-8ACE-8E987614482C}" destId="{5D7FF7D7-F168-422F-948A-D3F96A3E95D5}" srcOrd="0" destOrd="0" presId="urn:microsoft.com/office/officeart/2008/layout/LinedList"/>
+    <dgm:cxn modelId="{BC393ED7-9893-4D78-BC85-8F8C2740E69C}" type="presParOf" srcId="{4DFA160A-8344-40EA-8ACE-8E987614482C}" destId="{A33C768E-B9F2-401D-8A9C-864100661D5F}" srcOrd="1" destOrd="0" presId="urn:microsoft.com/office/officeart/2008/layout/LinedList"/>
+    <dgm:cxn modelId="{2E07498F-FEA5-41C3-AEBD-E0D8F9F73671}" type="presParOf" srcId="{5CFB740C-6960-4FA5-A5CA-01E44F9B6482}" destId="{7D4BE22F-9B3D-45EF-9E40-97AF9D0BE942}" srcOrd="2" destOrd="0" presId="urn:microsoft.com/office/officeart/2008/layout/LinedList"/>
+    <dgm:cxn modelId="{EB9272DB-D0FA-4334-A5F0-2D14DF0A5F08}" type="presParOf" srcId="{5CFB740C-6960-4FA5-A5CA-01E44F9B6482}" destId="{93EDCA9D-1645-4563-8D16-D3C5C2E69E16}" srcOrd="3" destOrd="0" presId="urn:microsoft.com/office/officeart/2008/layout/LinedList"/>
+    <dgm:cxn modelId="{A438728F-B326-4941-A00E-CFE6132EB80D}" type="presParOf" srcId="{93EDCA9D-1645-4563-8D16-D3C5C2E69E16}" destId="{F7F9C20F-EF14-4C61-842F-30B1B0912E1A}" srcOrd="0" destOrd="0" presId="urn:microsoft.com/office/officeart/2008/layout/LinedList"/>
+    <dgm:cxn modelId="{8CB37577-5B91-4AD0-8313-17A9BBF0D68E}" type="presParOf" srcId="{93EDCA9D-1645-4563-8D16-D3C5C2E69E16}" destId="{0959731F-6344-4660-9F22-3999907317EA}" srcOrd="1" destOrd="0" presId="urn:microsoft.com/office/officeart/2008/layout/LinedList"/>
+    <dgm:cxn modelId="{A789AA00-3103-427F-93E1-39454F9475C2}" type="presParOf" srcId="{5CFB740C-6960-4FA5-A5CA-01E44F9B6482}" destId="{EFF698FF-95B3-4E1A-8197-A99ABDA167BD}" srcOrd="4" destOrd="0" presId="urn:microsoft.com/office/officeart/2008/layout/LinedList"/>
+    <dgm:cxn modelId="{1E5F2D81-B5E6-4EB2-AEAA-78FA5F9A7078}" type="presParOf" srcId="{5CFB740C-6960-4FA5-A5CA-01E44F9B6482}" destId="{6C7A1DED-5C56-4766-8E5D-1406650C147F}" srcOrd="5" destOrd="0" presId="urn:microsoft.com/office/officeart/2008/layout/LinedList"/>
+    <dgm:cxn modelId="{94F3AE08-248E-4203-906A-0AB44B9223D5}" type="presParOf" srcId="{6C7A1DED-5C56-4766-8E5D-1406650C147F}" destId="{F4FC736E-3C8D-4F4F-8366-221EE446F285}" srcOrd="0" destOrd="0" presId="urn:microsoft.com/office/officeart/2008/layout/LinedList"/>
+    <dgm:cxn modelId="{9538FACA-6740-4298-8894-87C7DC5B3083}" type="presParOf" srcId="{6C7A1DED-5C56-4766-8E5D-1406650C147F}" destId="{5D3D2199-4DF1-4E32-BDEC-D7829DF12D27}" srcOrd="1" destOrd="0" presId="urn:microsoft.com/office/officeart/2008/layout/LinedList"/>
+    <dgm:cxn modelId="{EE7EFF81-497D-4ECB-821A-75D66E5CD686}" type="presParOf" srcId="{5CFB740C-6960-4FA5-A5CA-01E44F9B6482}" destId="{5A1A7F3C-64D2-44BA-A00B-83B262E1CC2D}" srcOrd="6" destOrd="0" presId="urn:microsoft.com/office/officeart/2008/layout/LinedList"/>
+    <dgm:cxn modelId="{2839B49C-FE7B-4F9D-9340-A30940FE8548}" type="presParOf" srcId="{5CFB740C-6960-4FA5-A5CA-01E44F9B6482}" destId="{CB1555DE-E757-4A0E-A082-E41C1449F6C4}" srcOrd="7" destOrd="0" presId="urn:microsoft.com/office/officeart/2008/layout/LinedList"/>
+    <dgm:cxn modelId="{4D4F7EB5-E041-4827-BC1C-B70163FBFA6A}" type="presParOf" srcId="{CB1555DE-E757-4A0E-A082-E41C1449F6C4}" destId="{C5D7FEED-4566-4A4C-815B-7C55A0816671}" srcOrd="0" destOrd="0" presId="urn:microsoft.com/office/officeart/2008/layout/LinedList"/>
+    <dgm:cxn modelId="{F17C62E6-974D-49A3-A1CE-3324B33FC01B}" type="presParOf" srcId="{CB1555DE-E757-4A0E-A082-E41C1449F6C4}" destId="{7605D869-777A-46B1-8909-BFECFA1433CD}" srcOrd="1" destOrd="0" presId="urn:microsoft.com/office/officeart/2008/layout/LinedList"/>
+    <dgm:cxn modelId="{BC2BBAE3-6A47-4C15-8CFA-F719E1FCBF73}" type="presParOf" srcId="{5CFB740C-6960-4FA5-A5CA-01E44F9B6482}" destId="{4533F495-7A64-486F-A799-BE675CB67B02}" srcOrd="8" destOrd="0" presId="urn:microsoft.com/office/officeart/2008/layout/LinedList"/>
+    <dgm:cxn modelId="{2461C614-29A8-4BEA-8947-BC4FFDEA88E9}" type="presParOf" srcId="{5CFB740C-6960-4FA5-A5CA-01E44F9B6482}" destId="{4E86331F-B45A-4813-B9E4-020AC0FA2CEF}" srcOrd="9" destOrd="0" presId="urn:microsoft.com/office/officeart/2008/layout/LinedList"/>
+    <dgm:cxn modelId="{C2C46F07-B9ED-44AF-B605-41ABC835F4F9}" type="presParOf" srcId="{4E86331F-B45A-4813-B9E4-020AC0FA2CEF}" destId="{BBB50A01-9204-40C7-99F3-0145D4FB7741}" srcOrd="0" destOrd="0" presId="urn:microsoft.com/office/officeart/2008/layout/LinedList"/>
+    <dgm:cxn modelId="{7337B037-B9FA-4DEC-80BC-5FEA521ED93A}" type="presParOf" srcId="{4E86331F-B45A-4813-B9E4-020AC0FA2CEF}" destId="{C47ABD32-1994-42FC-B501-AD40CDB93E6C}" srcOrd="1" destOrd="0" presId="urn:microsoft.com/office/officeart/2008/layout/LinedList"/>
+    <dgm:cxn modelId="{23722DF7-DD92-49A0-A923-1F345A87D803}" type="presParOf" srcId="{5CFB740C-6960-4FA5-A5CA-01E44F9B6482}" destId="{69933195-7230-403D-9946-AD001C031504}" srcOrd="10" destOrd="0" presId="urn:microsoft.com/office/officeart/2008/layout/LinedList"/>
+    <dgm:cxn modelId="{7E9B5471-51A7-4D97-AD88-2366D2D70404}" type="presParOf" srcId="{5CFB740C-6960-4FA5-A5CA-01E44F9B6482}" destId="{DE90C876-2E7E-4A80-89FD-5DFB99349989}" srcOrd="11" destOrd="0" presId="urn:microsoft.com/office/officeart/2008/layout/LinedList"/>
+    <dgm:cxn modelId="{AA3D48CF-051C-42F3-A684-0455AB1CD08D}" type="presParOf" srcId="{DE90C876-2E7E-4A80-89FD-5DFB99349989}" destId="{85171D2F-7190-46BC-AF89-5748BC30C941}" srcOrd="0" destOrd="0" presId="urn:microsoft.com/office/officeart/2008/layout/LinedList"/>
+    <dgm:cxn modelId="{B43834BE-B5F9-4512-B3A2-EDC13458A5EA}" type="presParOf" srcId="{DE90C876-2E7E-4A80-89FD-5DFB99349989}" destId="{5EF5B8DD-360F-45BC-AF3C-FAE25C3D930A}" srcOrd="1" destOrd="0" presId="urn:microsoft.com/office/officeart/2008/layout/LinedList"/>
+    <dgm:cxn modelId="{6B4C6811-4B94-4298-87FD-3D0CED2A75C8}" type="presParOf" srcId="{5CFB740C-6960-4FA5-A5CA-01E44F9B6482}" destId="{43010B26-A3B3-40D1-A6D1-5EA473FA76BE}" srcOrd="12" destOrd="0" presId="urn:microsoft.com/office/officeart/2008/layout/LinedList"/>
+    <dgm:cxn modelId="{A57EE8AE-8603-4B09-AC14-02D43EDBB70E}" type="presParOf" srcId="{5CFB740C-6960-4FA5-A5CA-01E44F9B6482}" destId="{3FB45F90-458A-4B13-8CC5-DA6D12FA34F5}" srcOrd="13" destOrd="0" presId="urn:microsoft.com/office/officeart/2008/layout/LinedList"/>
+    <dgm:cxn modelId="{2E41CF9C-F667-4B63-A390-1711607ABA80}" type="presParOf" srcId="{3FB45F90-458A-4B13-8CC5-DA6D12FA34F5}" destId="{7C6BD765-76FB-49CC-8120-EC4462AE34AC}" srcOrd="0" destOrd="0" presId="urn:microsoft.com/office/officeart/2008/layout/LinedList"/>
+    <dgm:cxn modelId="{96DD3CCE-7EA9-4101-B9DC-06DDA375E62E}" type="presParOf" srcId="{3FB45F90-458A-4B13-8CC5-DA6D12FA34F5}" destId="{54DB956F-7E5B-480A-B521-A24A3266F9F2}" srcOrd="1" destOrd="0" presId="urn:microsoft.com/office/officeart/2008/layout/LinedList"/>
+    <dgm:cxn modelId="{269D6F02-3FCB-451B-BC3F-DE5A73BAEFFF}" type="presParOf" srcId="{5CFB740C-6960-4FA5-A5CA-01E44F9B6482}" destId="{98109E10-544A-4C53-8F9F-9D19C0DB1B2F}" srcOrd="14" destOrd="0" presId="urn:microsoft.com/office/officeart/2008/layout/LinedList"/>
+    <dgm:cxn modelId="{0399235B-19AB-4E13-80FE-C7101C75DC4A}" type="presParOf" srcId="{5CFB740C-6960-4FA5-A5CA-01E44F9B6482}" destId="{91CBE667-C3E4-4B14-A00C-1DDBD00CF54F}" srcOrd="15" destOrd="0" presId="urn:microsoft.com/office/officeart/2008/layout/LinedList"/>
+    <dgm:cxn modelId="{04B3A361-19C0-47BE-B32E-A883833ECCA5}" type="presParOf" srcId="{91CBE667-C3E4-4B14-A00C-1DDBD00CF54F}" destId="{115547D8-C184-41D7-B4F4-F7B938340F3E}" srcOrd="0" destOrd="0" presId="urn:microsoft.com/office/officeart/2008/layout/LinedList"/>
+    <dgm:cxn modelId="{6E79DA34-D3DE-4C86-B5A7-CD837805CAE5}" type="presParOf" srcId="{91CBE667-C3E4-4B14-A00C-1DDBD00CF54F}" destId="{465EBB0C-59B5-4122-B357-FEB8841DC3E6}" srcOrd="1" destOrd="0" presId="urn:microsoft.com/office/officeart/2008/layout/LinedList"/>
+  </dgm:cxnLst>
+  <dgm:bg/>
+  <dgm:whole/>
+  <dgm:extLst>
+    <a:ext uri="http://schemas.microsoft.com/office/drawing/2008/diagram">
+      <dsp:dataModelExt xmlns:dsp="http://schemas.microsoft.com/office/drawing/2008/diagram" relId="rId6" minVer="http://schemas.openxmlformats.org/drawingml/2006/diagram"/>
+    </a:ext>
+  </dgm:extLst>
+</dgm:dataModel>
+</file>
+
+<file path=ppt/diagrams/drawing1.xml><?xml version="1.0" encoding="utf-8"?>
+<dsp:drawing xmlns:dgm="http://schemas.openxmlformats.org/drawingml/2006/diagram" xmlns:dsp="http://schemas.microsoft.com/office/drawing/2008/diagram" xmlns:a="http://schemas.openxmlformats.org/drawingml/2006/main">
+  <dsp:spTree>
+    <dsp:nvGrpSpPr>
+      <dsp:cNvPr id="0" name=""/>
+      <dsp:cNvGrpSpPr/>
+    </dsp:nvGrpSpPr>
+    <dsp:grpSpPr/>
+    <dsp:sp modelId="{3D4461D9-7F48-4185-A5A6-894561F59E1C}">
+      <dsp:nvSpPr>
+        <dsp:cNvPr id="0" name=""/>
+        <dsp:cNvSpPr/>
+      </dsp:nvSpPr>
+      <dsp:spPr>
+        <a:xfrm>
+          <a:off x="0" y="0"/>
+          <a:ext cx="5361338" cy="0"/>
+        </a:xfrm>
+        <a:prstGeom prst="line">
+          <a:avLst/>
+        </a:prstGeom>
+        <a:solidFill>
+          <a:schemeClr val="accent1">
+            <a:hueOff val="0"/>
+            <a:satOff val="0"/>
+            <a:lumOff val="0"/>
+            <a:alphaOff val="0"/>
+          </a:schemeClr>
+        </a:solidFill>
+        <a:ln w="19050" cap="flat" cmpd="sng" algn="ctr">
+          <a:solidFill>
+            <a:schemeClr val="accent1">
+              <a:hueOff val="0"/>
+              <a:satOff val="0"/>
+              <a:lumOff val="0"/>
+              <a:alphaOff val="0"/>
+            </a:schemeClr>
+          </a:solidFill>
+          <a:prstDash val="solid"/>
+          <a:miter lim="800000"/>
+        </a:ln>
+        <a:effectLst/>
+      </dsp:spPr>
+      <dsp:style>
+        <a:lnRef idx="2">
+          <a:scrgbClr r="0" g="0" b="0"/>
+        </a:lnRef>
+        <a:fillRef idx="1">
+          <a:scrgbClr r="0" g="0" b="0"/>
+        </a:fillRef>
+        <a:effectRef idx="0">
+          <a:scrgbClr r="0" g="0" b="0"/>
+        </a:effectRef>
+        <a:fontRef idx="minor">
+          <a:schemeClr val="lt1"/>
+        </a:fontRef>
+      </dsp:style>
+    </dsp:sp>
+    <dsp:sp modelId="{5D7FF7D7-F168-422F-948A-D3F96A3E95D5}">
+      <dsp:nvSpPr>
+        <dsp:cNvPr id="0" name=""/>
+        <dsp:cNvSpPr/>
+      </dsp:nvSpPr>
+      <dsp:spPr>
+        <a:xfrm>
+          <a:off x="0" y="0"/>
+          <a:ext cx="5361338" cy="532953"/>
+        </a:xfrm>
+        <a:prstGeom prst="rect">
+          <a:avLst/>
+        </a:prstGeom>
+        <a:noFill/>
+        <a:ln>
+          <a:noFill/>
+        </a:ln>
+        <a:effectLst/>
+      </dsp:spPr>
+      <dsp:style>
+        <a:lnRef idx="0">
+          <a:scrgbClr r="0" g="0" b="0"/>
+        </a:lnRef>
+        <a:fillRef idx="0">
+          <a:scrgbClr r="0" g="0" b="0"/>
+        </a:fillRef>
+        <a:effectRef idx="0">
+          <a:scrgbClr r="0" g="0" b="0"/>
+        </a:effectRef>
+        <a:fontRef idx="minor"/>
+      </dsp:style>
+      <dsp:txBody>
+        <a:bodyPr spcFirstLastPara="0" vert="horz" wrap="square" lIns="91440" tIns="91440" rIns="91440" bIns="91440" numCol="1" spcCol="1270" anchor="t" anchorCtr="0">
+          <a:noAutofit/>
+        </a:bodyPr>
+        <a:lstStyle/>
+        <a:p>
+          <a:pPr marL="0" lvl="0" indent="0" algn="l" defTabSz="1066800">
+            <a:lnSpc>
+              <a:spcPct val="90000"/>
+            </a:lnSpc>
+            <a:spcBef>
+              <a:spcPct val="0"/>
+            </a:spcBef>
+            <a:spcAft>
+              <a:spcPct val="35000"/>
+            </a:spcAft>
+            <a:buNone/>
+          </a:pPr>
+          <a:r>
+            <a:rPr lang="en-US" sz="2400" b="1" kern="1200" dirty="0" err="1"/>
+            <a:t>Longitud</a:t>
+          </a:r>
+          <a:r>
+            <a:rPr lang="en-US" sz="2400" b="1" kern="1200" dirty="0"/>
+            <a:t> total</a:t>
+          </a:r>
+          <a:endParaRPr lang="en-US" sz="2400" kern="1200" dirty="0"/>
+        </a:p>
+      </dsp:txBody>
+      <dsp:txXfrm>
+        <a:off x="0" y="0"/>
+        <a:ext cx="5361338" cy="532953"/>
+      </dsp:txXfrm>
+    </dsp:sp>
+    <dsp:sp modelId="{7D4BE22F-9B3D-45EF-9E40-97AF9D0BE942}">
+      <dsp:nvSpPr>
+        <dsp:cNvPr id="0" name=""/>
+        <dsp:cNvSpPr/>
+      </dsp:nvSpPr>
+      <dsp:spPr>
+        <a:xfrm>
+          <a:off x="0" y="532953"/>
+          <a:ext cx="5361338" cy="0"/>
+        </a:xfrm>
+        <a:prstGeom prst="line">
+          <a:avLst/>
+        </a:prstGeom>
+        <a:solidFill>
+          <a:schemeClr val="accent1">
+            <a:hueOff val="0"/>
+            <a:satOff val="0"/>
+            <a:lumOff val="0"/>
+            <a:alphaOff val="0"/>
+          </a:schemeClr>
+        </a:solidFill>
+        <a:ln w="19050" cap="flat" cmpd="sng" algn="ctr">
+          <a:solidFill>
+            <a:schemeClr val="accent1">
+              <a:hueOff val="0"/>
+              <a:satOff val="0"/>
+              <a:lumOff val="0"/>
+              <a:alphaOff val="0"/>
+            </a:schemeClr>
+          </a:solidFill>
+          <a:prstDash val="solid"/>
+          <a:miter lim="800000"/>
+        </a:ln>
+        <a:effectLst/>
+      </dsp:spPr>
+      <dsp:style>
+        <a:lnRef idx="2">
+          <a:scrgbClr r="0" g="0" b="0"/>
+        </a:lnRef>
+        <a:fillRef idx="1">
+          <a:scrgbClr r="0" g="0" b="0"/>
+        </a:fillRef>
+        <a:effectRef idx="0">
+          <a:scrgbClr r="0" g="0" b="0"/>
+        </a:effectRef>
+        <a:fontRef idx="minor">
+          <a:schemeClr val="lt1"/>
+        </a:fontRef>
+      </dsp:style>
+    </dsp:sp>
+    <dsp:sp modelId="{F7F9C20F-EF14-4C61-842F-30B1B0912E1A}">
+      <dsp:nvSpPr>
+        <dsp:cNvPr id="0" name=""/>
+        <dsp:cNvSpPr/>
+      </dsp:nvSpPr>
+      <dsp:spPr>
+        <a:xfrm>
+          <a:off x="0" y="532953"/>
+          <a:ext cx="5361338" cy="532953"/>
+        </a:xfrm>
+        <a:prstGeom prst="rect">
+          <a:avLst/>
+        </a:prstGeom>
+        <a:noFill/>
+        <a:ln>
+          <a:noFill/>
+        </a:ln>
+        <a:effectLst/>
+      </dsp:spPr>
+      <dsp:style>
+        <a:lnRef idx="0">
+          <a:scrgbClr r="0" g="0" b="0"/>
+        </a:lnRef>
+        <a:fillRef idx="0">
+          <a:scrgbClr r="0" g="0" b="0"/>
+        </a:fillRef>
+        <a:effectRef idx="0">
+          <a:scrgbClr r="0" g="0" b="0"/>
+        </a:effectRef>
+        <a:fontRef idx="minor"/>
+      </dsp:style>
+      <dsp:txBody>
+        <a:bodyPr spcFirstLastPara="0" vert="horz" wrap="square" lIns="91440" tIns="91440" rIns="91440" bIns="91440" numCol="1" spcCol="1270" anchor="t" anchorCtr="0">
+          <a:noAutofit/>
+        </a:bodyPr>
+        <a:lstStyle/>
+        <a:p>
+          <a:pPr marL="0" lvl="0" indent="0" algn="l" defTabSz="1066800">
+            <a:lnSpc>
+              <a:spcPct val="90000"/>
+            </a:lnSpc>
+            <a:spcBef>
+              <a:spcPct val="0"/>
+            </a:spcBef>
+            <a:spcAft>
+              <a:spcPct val="35000"/>
+            </a:spcAft>
+            <a:buNone/>
+          </a:pPr>
+          <a:r>
+            <a:rPr lang="en-US" sz="2400" kern="1200" dirty="0"/>
+            <a:t>500 metros</a:t>
+          </a:r>
+        </a:p>
+      </dsp:txBody>
+      <dsp:txXfrm>
+        <a:off x="0" y="532953"/>
+        <a:ext cx="5361338" cy="532953"/>
+      </dsp:txXfrm>
+    </dsp:sp>
+    <dsp:sp modelId="{EFF698FF-95B3-4E1A-8197-A99ABDA167BD}">
+      <dsp:nvSpPr>
+        <dsp:cNvPr id="0" name=""/>
+        <dsp:cNvSpPr/>
+      </dsp:nvSpPr>
+      <dsp:spPr>
+        <a:xfrm>
+          <a:off x="0" y="1065907"/>
+          <a:ext cx="5361338" cy="0"/>
+        </a:xfrm>
+        <a:prstGeom prst="line">
+          <a:avLst/>
+        </a:prstGeom>
+        <a:solidFill>
+          <a:schemeClr val="accent1">
+            <a:hueOff val="0"/>
+            <a:satOff val="0"/>
+            <a:lumOff val="0"/>
+            <a:alphaOff val="0"/>
+          </a:schemeClr>
+        </a:solidFill>
+        <a:ln w="19050" cap="flat" cmpd="sng" algn="ctr">
+          <a:solidFill>
+            <a:schemeClr val="accent1">
+              <a:hueOff val="0"/>
+              <a:satOff val="0"/>
+              <a:lumOff val="0"/>
+              <a:alphaOff val="0"/>
+            </a:schemeClr>
+          </a:solidFill>
+          <a:prstDash val="solid"/>
+          <a:miter lim="800000"/>
+        </a:ln>
+        <a:effectLst/>
+      </dsp:spPr>
+      <dsp:style>
+        <a:lnRef idx="2">
+          <a:scrgbClr r="0" g="0" b="0"/>
+        </a:lnRef>
+        <a:fillRef idx="1">
+          <a:scrgbClr r="0" g="0" b="0"/>
+        </a:fillRef>
+        <a:effectRef idx="0">
+          <a:scrgbClr r="0" g="0" b="0"/>
+        </a:effectRef>
+        <a:fontRef idx="minor">
+          <a:schemeClr val="lt1"/>
+        </a:fontRef>
+      </dsp:style>
+    </dsp:sp>
+    <dsp:sp modelId="{F4FC736E-3C8D-4F4F-8366-221EE446F285}">
+      <dsp:nvSpPr>
+        <dsp:cNvPr id="0" name=""/>
+        <dsp:cNvSpPr/>
+      </dsp:nvSpPr>
+      <dsp:spPr>
+        <a:xfrm>
+          <a:off x="0" y="1065907"/>
+          <a:ext cx="5361338" cy="532953"/>
+        </a:xfrm>
+        <a:prstGeom prst="rect">
+          <a:avLst/>
+        </a:prstGeom>
+        <a:noFill/>
+        <a:ln>
+          <a:noFill/>
+        </a:ln>
+        <a:effectLst/>
+      </dsp:spPr>
+      <dsp:style>
+        <a:lnRef idx="0">
+          <a:scrgbClr r="0" g="0" b="0"/>
+        </a:lnRef>
+        <a:fillRef idx="0">
+          <a:scrgbClr r="0" g="0" b="0"/>
+        </a:fillRef>
+        <a:effectRef idx="0">
+          <a:scrgbClr r="0" g="0" b="0"/>
+        </a:effectRef>
+        <a:fontRef idx="minor"/>
+      </dsp:style>
+      <dsp:txBody>
+        <a:bodyPr spcFirstLastPara="0" vert="horz" wrap="square" lIns="91440" tIns="91440" rIns="91440" bIns="91440" numCol="1" spcCol="1270" anchor="t" anchorCtr="0">
+          <a:noAutofit/>
+        </a:bodyPr>
+        <a:lstStyle/>
+        <a:p>
+          <a:pPr marL="0" lvl="0" indent="0" algn="l" defTabSz="1066800">
+            <a:lnSpc>
+              <a:spcPct val="90000"/>
+            </a:lnSpc>
+            <a:spcBef>
+              <a:spcPct val="0"/>
+            </a:spcBef>
+            <a:spcAft>
+              <a:spcPct val="35000"/>
+            </a:spcAft>
+            <a:buNone/>
+          </a:pPr>
+          <a:r>
+            <a:rPr lang="en-US" sz="2400" b="1" kern="1200" dirty="0"/>
+            <a:t>Ancho </a:t>
+          </a:r>
+          <a:endParaRPr lang="en-US" sz="2400" kern="1200" dirty="0"/>
+        </a:p>
+      </dsp:txBody>
+      <dsp:txXfrm>
+        <a:off x="0" y="1065907"/>
+        <a:ext cx="5361338" cy="532953"/>
+      </dsp:txXfrm>
+    </dsp:sp>
+    <dsp:sp modelId="{5A1A7F3C-64D2-44BA-A00B-83B262E1CC2D}">
+      <dsp:nvSpPr>
+        <dsp:cNvPr id="0" name=""/>
+        <dsp:cNvSpPr/>
+      </dsp:nvSpPr>
+      <dsp:spPr>
+        <a:xfrm>
+          <a:off x="0" y="1598861"/>
+          <a:ext cx="5361338" cy="0"/>
+        </a:xfrm>
+        <a:prstGeom prst="line">
+          <a:avLst/>
+        </a:prstGeom>
+        <a:solidFill>
+          <a:schemeClr val="accent1">
+            <a:hueOff val="0"/>
+            <a:satOff val="0"/>
+            <a:lumOff val="0"/>
+            <a:alphaOff val="0"/>
+          </a:schemeClr>
+        </a:solidFill>
+        <a:ln w="19050" cap="flat" cmpd="sng" algn="ctr">
+          <a:solidFill>
+            <a:schemeClr val="accent1">
+              <a:hueOff val="0"/>
+              <a:satOff val="0"/>
+              <a:lumOff val="0"/>
+              <a:alphaOff val="0"/>
+            </a:schemeClr>
+          </a:solidFill>
+          <a:prstDash val="solid"/>
+          <a:miter lim="800000"/>
+        </a:ln>
+        <a:effectLst/>
+      </dsp:spPr>
+      <dsp:style>
+        <a:lnRef idx="2">
+          <a:scrgbClr r="0" g="0" b="0"/>
+        </a:lnRef>
+        <a:fillRef idx="1">
+          <a:scrgbClr r="0" g="0" b="0"/>
+        </a:fillRef>
+        <a:effectRef idx="0">
+          <a:scrgbClr r="0" g="0" b="0"/>
+        </a:effectRef>
+        <a:fontRef idx="minor">
+          <a:schemeClr val="lt1"/>
+        </a:fontRef>
+      </dsp:style>
+    </dsp:sp>
+    <dsp:sp modelId="{C5D7FEED-4566-4A4C-815B-7C55A0816671}">
+      <dsp:nvSpPr>
+        <dsp:cNvPr id="0" name=""/>
+        <dsp:cNvSpPr/>
+      </dsp:nvSpPr>
+      <dsp:spPr>
+        <a:xfrm>
+          <a:off x="0" y="1598861"/>
+          <a:ext cx="5361338" cy="532953"/>
+        </a:xfrm>
+        <a:prstGeom prst="rect">
+          <a:avLst/>
+        </a:prstGeom>
+        <a:noFill/>
+        <a:ln>
+          <a:noFill/>
+        </a:ln>
+        <a:effectLst/>
+      </dsp:spPr>
+      <dsp:style>
+        <a:lnRef idx="0">
+          <a:scrgbClr r="0" g="0" b="0"/>
+        </a:lnRef>
+        <a:fillRef idx="0">
+          <a:scrgbClr r="0" g="0" b="0"/>
+        </a:fillRef>
+        <a:effectRef idx="0">
+          <a:scrgbClr r="0" g="0" b="0"/>
+        </a:effectRef>
+        <a:fontRef idx="minor"/>
+      </dsp:style>
+      <dsp:txBody>
+        <a:bodyPr spcFirstLastPara="0" vert="horz" wrap="square" lIns="91440" tIns="91440" rIns="91440" bIns="91440" numCol="1" spcCol="1270" anchor="t" anchorCtr="0">
+          <a:noAutofit/>
+        </a:bodyPr>
+        <a:lstStyle/>
+        <a:p>
+          <a:pPr marL="0" lvl="0" indent="0" algn="l" defTabSz="1066800">
+            <a:lnSpc>
+              <a:spcPct val="90000"/>
+            </a:lnSpc>
+            <a:spcBef>
+              <a:spcPct val="0"/>
+            </a:spcBef>
+            <a:spcAft>
+              <a:spcPct val="35000"/>
+            </a:spcAft>
+            <a:buNone/>
+          </a:pPr>
+          <a:r>
+            <a:rPr lang="en-US" sz="2400" kern="1200" dirty="0"/>
+            <a:t>3.5 metros                 </a:t>
+          </a:r>
+        </a:p>
+      </dsp:txBody>
+      <dsp:txXfrm>
+        <a:off x="0" y="1598861"/>
+        <a:ext cx="5361338" cy="532953"/>
+      </dsp:txXfrm>
+    </dsp:sp>
+    <dsp:sp modelId="{4533F495-7A64-486F-A799-BE675CB67B02}">
+      <dsp:nvSpPr>
+        <dsp:cNvPr id="0" name=""/>
+        <dsp:cNvSpPr/>
+      </dsp:nvSpPr>
+      <dsp:spPr>
+        <a:xfrm>
+          <a:off x="0" y="2131815"/>
+          <a:ext cx="5361338" cy="0"/>
+        </a:xfrm>
+        <a:prstGeom prst="line">
+          <a:avLst/>
+        </a:prstGeom>
+        <a:solidFill>
+          <a:schemeClr val="accent1">
+            <a:hueOff val="0"/>
+            <a:satOff val="0"/>
+            <a:lumOff val="0"/>
+            <a:alphaOff val="0"/>
+          </a:schemeClr>
+        </a:solidFill>
+        <a:ln w="19050" cap="flat" cmpd="sng" algn="ctr">
+          <a:solidFill>
+            <a:schemeClr val="accent1">
+              <a:hueOff val="0"/>
+              <a:satOff val="0"/>
+              <a:lumOff val="0"/>
+              <a:alphaOff val="0"/>
+            </a:schemeClr>
+          </a:solidFill>
+          <a:prstDash val="solid"/>
+          <a:miter lim="800000"/>
+        </a:ln>
+        <a:effectLst/>
+      </dsp:spPr>
+      <dsp:style>
+        <a:lnRef idx="2">
+          <a:scrgbClr r="0" g="0" b="0"/>
+        </a:lnRef>
+        <a:fillRef idx="1">
+          <a:scrgbClr r="0" g="0" b="0"/>
+        </a:fillRef>
+        <a:effectRef idx="0">
+          <a:scrgbClr r="0" g="0" b="0"/>
+        </a:effectRef>
+        <a:fontRef idx="minor">
+          <a:schemeClr val="lt1"/>
+        </a:fontRef>
+      </dsp:style>
+    </dsp:sp>
+    <dsp:sp modelId="{BBB50A01-9204-40C7-99F3-0145D4FB7741}">
+      <dsp:nvSpPr>
+        <dsp:cNvPr id="0" name=""/>
+        <dsp:cNvSpPr/>
+      </dsp:nvSpPr>
+      <dsp:spPr>
+        <a:xfrm>
+          <a:off x="0" y="2131815"/>
+          <a:ext cx="5361338" cy="532953"/>
+        </a:xfrm>
+        <a:prstGeom prst="rect">
+          <a:avLst/>
+        </a:prstGeom>
+        <a:noFill/>
+        <a:ln>
+          <a:noFill/>
+        </a:ln>
+        <a:effectLst/>
+      </dsp:spPr>
+      <dsp:style>
+        <a:lnRef idx="0">
+          <a:scrgbClr r="0" g="0" b="0"/>
+        </a:lnRef>
+        <a:fillRef idx="0">
+          <a:scrgbClr r="0" g="0" b="0"/>
+        </a:fillRef>
+        <a:effectRef idx="0">
+          <a:scrgbClr r="0" g="0" b="0"/>
+        </a:effectRef>
+        <a:fontRef idx="minor"/>
+      </dsp:style>
+      <dsp:txBody>
+        <a:bodyPr spcFirstLastPara="0" vert="horz" wrap="square" lIns="91440" tIns="91440" rIns="91440" bIns="91440" numCol="1" spcCol="1270" anchor="t" anchorCtr="0">
+          <a:noAutofit/>
+        </a:bodyPr>
+        <a:lstStyle/>
+        <a:p>
+          <a:pPr marL="0" lvl="0" indent="0" algn="l" defTabSz="1066800">
+            <a:lnSpc>
+              <a:spcPct val="90000"/>
+            </a:lnSpc>
+            <a:spcBef>
+              <a:spcPct val="0"/>
+            </a:spcBef>
+            <a:spcAft>
+              <a:spcPct val="35000"/>
+            </a:spcAft>
+            <a:buNone/>
+          </a:pPr>
+          <a:r>
+            <a:rPr lang="en-US" sz="2400" b="1" kern="1200" dirty="0" err="1"/>
+            <a:t>Espesor</a:t>
+          </a:r>
+          <a:r>
+            <a:rPr lang="en-US" sz="2400" b="1" kern="1200" dirty="0"/>
+            <a:t> </a:t>
+          </a:r>
+          <a:endParaRPr lang="en-US" sz="2400" kern="1200" dirty="0"/>
+        </a:p>
+      </dsp:txBody>
+      <dsp:txXfrm>
+        <a:off x="0" y="2131815"/>
+        <a:ext cx="5361338" cy="532953"/>
+      </dsp:txXfrm>
+    </dsp:sp>
+    <dsp:sp modelId="{69933195-7230-403D-9946-AD001C031504}">
+      <dsp:nvSpPr>
+        <dsp:cNvPr id="0" name=""/>
+        <dsp:cNvSpPr/>
+      </dsp:nvSpPr>
+      <dsp:spPr>
+        <a:xfrm>
+          <a:off x="0" y="2664769"/>
+          <a:ext cx="5361338" cy="0"/>
+        </a:xfrm>
+        <a:prstGeom prst="line">
+          <a:avLst/>
+        </a:prstGeom>
+        <a:solidFill>
+          <a:schemeClr val="accent1">
+            <a:hueOff val="0"/>
+            <a:satOff val="0"/>
+            <a:lumOff val="0"/>
+            <a:alphaOff val="0"/>
+          </a:schemeClr>
+        </a:solidFill>
+        <a:ln w="19050" cap="flat" cmpd="sng" algn="ctr">
+          <a:solidFill>
+            <a:schemeClr val="accent1">
+              <a:hueOff val="0"/>
+              <a:satOff val="0"/>
+              <a:lumOff val="0"/>
+              <a:alphaOff val="0"/>
+            </a:schemeClr>
+          </a:solidFill>
+          <a:prstDash val="solid"/>
+          <a:miter lim="800000"/>
+        </a:ln>
+        <a:effectLst/>
+      </dsp:spPr>
+      <dsp:style>
+        <a:lnRef idx="2">
+          <a:scrgbClr r="0" g="0" b="0"/>
+        </a:lnRef>
+        <a:fillRef idx="1">
+          <a:scrgbClr r="0" g="0" b="0"/>
+        </a:fillRef>
+        <a:effectRef idx="0">
+          <a:scrgbClr r="0" g="0" b="0"/>
+        </a:effectRef>
+        <a:fontRef idx="minor">
+          <a:schemeClr val="lt1"/>
+        </a:fontRef>
+      </dsp:style>
+    </dsp:sp>
+    <dsp:sp modelId="{85171D2F-7190-46BC-AF89-5748BC30C941}">
+      <dsp:nvSpPr>
+        <dsp:cNvPr id="0" name=""/>
+        <dsp:cNvSpPr/>
+      </dsp:nvSpPr>
+      <dsp:spPr>
+        <a:xfrm>
+          <a:off x="0" y="2664769"/>
+          <a:ext cx="5361338" cy="532953"/>
+        </a:xfrm>
+        <a:prstGeom prst="rect">
+          <a:avLst/>
+        </a:prstGeom>
+        <a:noFill/>
+        <a:ln>
+          <a:noFill/>
+        </a:ln>
+        <a:effectLst/>
+      </dsp:spPr>
+      <dsp:style>
+        <a:lnRef idx="0">
+          <a:scrgbClr r="0" g="0" b="0"/>
+        </a:lnRef>
+        <a:fillRef idx="0">
+          <a:scrgbClr r="0" g="0" b="0"/>
+        </a:fillRef>
+        <a:effectRef idx="0">
+          <a:scrgbClr r="0" g="0" b="0"/>
+        </a:effectRef>
+        <a:fontRef idx="minor"/>
+      </dsp:style>
+      <dsp:txBody>
+        <a:bodyPr spcFirstLastPara="0" vert="horz" wrap="square" lIns="91440" tIns="91440" rIns="91440" bIns="91440" numCol="1" spcCol="1270" anchor="t" anchorCtr="0">
+          <a:noAutofit/>
+        </a:bodyPr>
+        <a:lstStyle/>
+        <a:p>
+          <a:pPr marL="0" lvl="0" indent="0" algn="l" defTabSz="1066800">
+            <a:lnSpc>
+              <a:spcPct val="90000"/>
+            </a:lnSpc>
+            <a:spcBef>
+              <a:spcPct val="0"/>
+            </a:spcBef>
+            <a:spcAft>
+              <a:spcPct val="35000"/>
+            </a:spcAft>
+            <a:buNone/>
+          </a:pPr>
+          <a:r>
+            <a:rPr lang="en-US" sz="2400" kern="1200" dirty="0"/>
+            <a:t>0.30 m </a:t>
+          </a:r>
+          <a:r>
+            <a:rPr lang="en-US" sz="2400" kern="1200" dirty="0" err="1"/>
+            <a:t>Concreto</a:t>
+          </a:r>
+          <a:endParaRPr lang="en-US" sz="2400" kern="1200" dirty="0"/>
+        </a:p>
+      </dsp:txBody>
+      <dsp:txXfrm>
+        <a:off x="0" y="2664769"/>
+        <a:ext cx="5361338" cy="532953"/>
+      </dsp:txXfrm>
+    </dsp:sp>
+    <dsp:sp modelId="{43010B26-A3B3-40D1-A6D1-5EA473FA76BE}">
+      <dsp:nvSpPr>
+        <dsp:cNvPr id="0" name=""/>
+        <dsp:cNvSpPr/>
+      </dsp:nvSpPr>
+      <dsp:spPr>
+        <a:xfrm>
+          <a:off x="0" y="3197723"/>
+          <a:ext cx="5361338" cy="0"/>
+        </a:xfrm>
+        <a:prstGeom prst="line">
+          <a:avLst/>
+        </a:prstGeom>
+        <a:solidFill>
+          <a:schemeClr val="accent1">
+            <a:hueOff val="0"/>
+            <a:satOff val="0"/>
+            <a:lumOff val="0"/>
+            <a:alphaOff val="0"/>
+          </a:schemeClr>
+        </a:solidFill>
+        <a:ln w="19050" cap="flat" cmpd="sng" algn="ctr">
+          <a:solidFill>
+            <a:schemeClr val="accent1">
+              <a:hueOff val="0"/>
+              <a:satOff val="0"/>
+              <a:lumOff val="0"/>
+              <a:alphaOff val="0"/>
+            </a:schemeClr>
+          </a:solidFill>
+          <a:prstDash val="solid"/>
+          <a:miter lim="800000"/>
+        </a:ln>
+        <a:effectLst/>
+      </dsp:spPr>
+      <dsp:style>
+        <a:lnRef idx="2">
+          <a:scrgbClr r="0" g="0" b="0"/>
+        </a:lnRef>
+        <a:fillRef idx="1">
+          <a:scrgbClr r="0" g="0" b="0"/>
+        </a:fillRef>
+        <a:effectRef idx="0">
+          <a:scrgbClr r="0" g="0" b="0"/>
+        </a:effectRef>
+        <a:fontRef idx="minor">
+          <a:schemeClr val="lt1"/>
+        </a:fontRef>
+      </dsp:style>
+    </dsp:sp>
+    <dsp:sp modelId="{7C6BD765-76FB-49CC-8120-EC4462AE34AC}">
+      <dsp:nvSpPr>
+        <dsp:cNvPr id="0" name=""/>
+        <dsp:cNvSpPr/>
+      </dsp:nvSpPr>
+      <dsp:spPr>
+        <a:xfrm>
+          <a:off x="0" y="3197723"/>
+          <a:ext cx="5361338" cy="532953"/>
+        </a:xfrm>
+        <a:prstGeom prst="rect">
+          <a:avLst/>
+        </a:prstGeom>
+        <a:noFill/>
+        <a:ln>
+          <a:noFill/>
+        </a:ln>
+        <a:effectLst/>
+      </dsp:spPr>
+      <dsp:style>
+        <a:lnRef idx="0">
+          <a:scrgbClr r="0" g="0" b="0"/>
+        </a:lnRef>
+        <a:fillRef idx="0">
+          <a:scrgbClr r="0" g="0" b="0"/>
+        </a:fillRef>
+        <a:effectRef idx="0">
+          <a:scrgbClr r="0" g="0" b="0"/>
+        </a:effectRef>
+        <a:fontRef idx="minor"/>
+      </dsp:style>
+      <dsp:txBody>
+        <a:bodyPr spcFirstLastPara="0" vert="horz" wrap="square" lIns="91440" tIns="91440" rIns="91440" bIns="91440" numCol="1" spcCol="1270" anchor="t" anchorCtr="0">
+          <a:noAutofit/>
+        </a:bodyPr>
+        <a:lstStyle/>
+        <a:p>
+          <a:pPr marL="0" lvl="0" indent="0" algn="l" defTabSz="1066800">
+            <a:lnSpc>
+              <a:spcPct val="90000"/>
+            </a:lnSpc>
+            <a:spcBef>
+              <a:spcPct val="0"/>
+            </a:spcBef>
+            <a:spcAft>
+              <a:spcPct val="35000"/>
+            </a:spcAft>
+            <a:buNone/>
+          </a:pPr>
+          <a:r>
+            <a:rPr lang="en-US" sz="2400" kern="1200" dirty="0"/>
+            <a:t>0.50 m </a:t>
+          </a:r>
+          <a:r>
+            <a:rPr lang="en-US" sz="2400" kern="1200" dirty="0" err="1"/>
+            <a:t>grava</a:t>
+          </a:r>
+          <a:endParaRPr lang="en-US" sz="2400" kern="1200" dirty="0"/>
+        </a:p>
+      </dsp:txBody>
+      <dsp:txXfrm>
+        <a:off x="0" y="3197723"/>
+        <a:ext cx="5361338" cy="532953"/>
+      </dsp:txXfrm>
+    </dsp:sp>
+    <dsp:sp modelId="{98109E10-544A-4C53-8F9F-9D19C0DB1B2F}">
+      <dsp:nvSpPr>
+        <dsp:cNvPr id="0" name=""/>
+        <dsp:cNvSpPr/>
+      </dsp:nvSpPr>
+      <dsp:spPr>
+        <a:xfrm>
+          <a:off x="0" y="3730677"/>
+          <a:ext cx="5361338" cy="0"/>
+        </a:xfrm>
+        <a:prstGeom prst="line">
+          <a:avLst/>
+        </a:prstGeom>
+        <a:solidFill>
+          <a:schemeClr val="accent1">
+            <a:hueOff val="0"/>
+            <a:satOff val="0"/>
+            <a:lumOff val="0"/>
+            <a:alphaOff val="0"/>
+          </a:schemeClr>
+        </a:solidFill>
+        <a:ln w="19050" cap="flat" cmpd="sng" algn="ctr">
+          <a:solidFill>
+            <a:schemeClr val="accent1">
+              <a:hueOff val="0"/>
+              <a:satOff val="0"/>
+              <a:lumOff val="0"/>
+              <a:alphaOff val="0"/>
+            </a:schemeClr>
+          </a:solidFill>
+          <a:prstDash val="solid"/>
+          <a:miter lim="800000"/>
+        </a:ln>
+        <a:effectLst/>
+      </dsp:spPr>
+      <dsp:style>
+        <a:lnRef idx="2">
+          <a:scrgbClr r="0" g="0" b="0"/>
+        </a:lnRef>
+        <a:fillRef idx="1">
+          <a:scrgbClr r="0" g="0" b="0"/>
+        </a:fillRef>
+        <a:effectRef idx="0">
+          <a:scrgbClr r="0" g="0" b="0"/>
+        </a:effectRef>
+        <a:fontRef idx="minor">
+          <a:schemeClr val="lt1"/>
+        </a:fontRef>
+      </dsp:style>
+    </dsp:sp>
+    <dsp:sp modelId="{115547D8-C184-41D7-B4F4-F7B938340F3E}">
+      <dsp:nvSpPr>
+        <dsp:cNvPr id="0" name=""/>
+        <dsp:cNvSpPr/>
+      </dsp:nvSpPr>
+      <dsp:spPr>
+        <a:xfrm>
+          <a:off x="0" y="3730677"/>
+          <a:ext cx="5361338" cy="532953"/>
+        </a:xfrm>
+        <a:prstGeom prst="rect">
+          <a:avLst/>
+        </a:prstGeom>
+        <a:noFill/>
+        <a:ln>
+          <a:noFill/>
+        </a:ln>
+        <a:effectLst/>
+      </dsp:spPr>
+      <dsp:style>
+        <a:lnRef idx="0">
+          <a:scrgbClr r="0" g="0" b="0"/>
+        </a:lnRef>
+        <a:fillRef idx="0">
+          <a:scrgbClr r="0" g="0" b="0"/>
+        </a:fillRef>
+        <a:effectRef idx="0">
+          <a:scrgbClr r="0" g="0" b="0"/>
+        </a:effectRef>
+        <a:fontRef idx="minor"/>
+      </dsp:style>
+      <dsp:txBody>
+        <a:bodyPr spcFirstLastPara="0" vert="horz" wrap="square" lIns="91440" tIns="91440" rIns="91440" bIns="91440" numCol="1" spcCol="1270" anchor="t" anchorCtr="0">
+          <a:noAutofit/>
+        </a:bodyPr>
+        <a:lstStyle/>
+        <a:p>
+          <a:pPr marL="0" lvl="0" indent="0" algn="l" defTabSz="1066800">
+            <a:lnSpc>
+              <a:spcPct val="90000"/>
+            </a:lnSpc>
+            <a:spcBef>
+              <a:spcPct val="0"/>
+            </a:spcBef>
+            <a:spcAft>
+              <a:spcPct val="35000"/>
+            </a:spcAft>
+            <a:buNone/>
+          </a:pPr>
+          <a:r>
+            <a:rPr lang="en-US" sz="2400" kern="1200" dirty="0"/>
+            <a:t>1.0 m arena</a:t>
+          </a:r>
+        </a:p>
+      </dsp:txBody>
+      <dsp:txXfrm>
+        <a:off x="0" y="3730677"/>
+        <a:ext cx="5361338" cy="532953"/>
+      </dsp:txXfrm>
+    </dsp:sp>
+  </dsp:spTree>
+</dsp:drawing>
+</file>
+
+<file path=ppt/diagrams/layout1.xml><?xml version="1.0" encoding="utf-8"?>
+<dgm:layoutDef xmlns:dgm="http://schemas.openxmlformats.org/drawingml/2006/diagram" xmlns:a="http://schemas.openxmlformats.org/drawingml/2006/main" uniqueId="urn:microsoft.com/office/officeart/2008/layout/LinedList">
+  <dgm:title val=""/>
+  <dgm:desc val=""/>
+  <dgm:catLst>
+    <dgm:cat type="hierarchy" pri="8000"/>
+    <dgm:cat type="list" pri="2500"/>
+  </dgm:catLst>
+  <dgm:sampData>
+    <dgm:dataModel>
+      <dgm:ptLst>
+        <dgm:pt modelId="0" type="doc"/>
+        <dgm:pt modelId="1">
+          <dgm:prSet phldr="1"/>
+        </dgm:pt>
+        <dgm:pt modelId="11">
+          <dgm:prSet phldr="1"/>
+        </dgm:pt>
+        <dgm:pt modelId="12">
+          <dgm:prSet phldr="1"/>
+        </dgm:pt>
+        <dgm:pt modelId="13">
+          <dgm:prSet phldr="1"/>
+        </dgm:pt>
+      </dgm:ptLst>
+      <dgm:cxnLst>
+        <dgm:cxn modelId="2" srcId="0" destId="1" srcOrd="0" destOrd="0"/>
+        <dgm:cxn modelId="3" srcId="1" destId="11" srcOrd="0" destOrd="0"/>
+        <dgm:cxn modelId="4" srcId="1" destId="12" srcOrd="1" destOrd="0"/>
+        <dgm:cxn modelId="5" srcId="1" destId="13" srcOrd="2" destOrd="0"/>
+      </dgm:cxnLst>
+      <dgm:bg/>
+      <dgm:whole/>
+    </dgm:dataModel>
+  </dgm:sampData>
+  <dgm:styleData>
+    <dgm:dataModel>
+      <dgm:ptLst>
+        <dgm:pt modelId="0" type="doc"/>
+        <dgm:pt modelId="1">
+          <dgm:prSet phldr="1"/>
+        </dgm:pt>
+        <dgm:pt modelId="11">
+          <dgm:prSet phldr="1"/>
+        </dgm:pt>
+        <dgm:pt modelId="12">
+          <dgm:prSet phldr="1"/>
+        </dgm:pt>
+      </dgm:ptLst>
+      <dgm:cxnLst>
+        <dgm:cxn modelId="2" srcId="0" destId="1" srcOrd="0" destOrd="0"/>
+        <dgm:cxn modelId="3" srcId="1" destId="11" srcOrd="0" destOrd="0"/>
+        <dgm:cxn modelId="4" srcId="1" destId="12" srcOrd="1" destOrd="0"/>
+      </dgm:cxnLst>
+      <dgm:bg/>
+      <dgm:whole/>
+    </dgm:dataModel>
+  </dgm:styleData>
+  <dgm:clrData>
+    <dgm:dataModel>
+      <dgm:ptLst>
+        <dgm:pt modelId="0" type="doc"/>
+        <dgm:pt modelId="1">
+          <dgm:prSet phldr="1"/>
+        </dgm:pt>
+        <dgm:pt modelId="11">
+          <dgm:prSet phldr="1"/>
+        </dgm:pt>
+        <dgm:pt modelId="12">
+          <dgm:prSet phldr="1"/>
+        </dgm:pt>
+      </dgm:ptLst>
+      <dgm:cxnLst>
+        <dgm:cxn modelId="2" srcId="0" destId="1" srcOrd="0" destOrd="0"/>
+        <dgm:cxn modelId="3" srcId="1" destId="11" srcOrd="0" destOrd="0"/>
+        <dgm:cxn modelId="4" srcId="1" destId="12" srcOrd="1" destOrd="0"/>
+      </dgm:cxnLst>
+      <dgm:bg/>
+      <dgm:whole/>
+    </dgm:dataModel>
+  </dgm:clrData>
+  <dgm:layoutNode name="vert0">
+    <dgm:varLst>
+      <dgm:dir/>
+      <dgm:animOne val="branch"/>
+      <dgm:animLvl val="lvl"/>
+    </dgm:varLst>
+    <dgm:choose name="Name0">
+      <dgm:if name="Name1" func="var" arg="dir" op="equ" val="norm">
+        <dgm:alg type="lin">
+          <dgm:param type="linDir" val="fromT"/>
+          <dgm:param type="nodeHorzAlign" val="l"/>
+        </dgm:alg>
+      </dgm:if>
+      <dgm:else name="Name2">
+        <dgm:alg type="lin">
+          <dgm:param type="linDir" val="fromT"/>
+          <dgm:param type="nodeHorzAlign" val="r"/>
+        </dgm:alg>
+      </dgm:else>
+    </dgm:choose>
+    <dgm:shape xmlns:r="http://schemas.openxmlformats.org/officeDocument/2006/relationships" r:blip="">
+      <dgm:adjLst/>
+    </dgm:shape>
+    <dgm:presOf/>
+    <dgm:constrLst>
+      <dgm:constr type="w" for="ch" forName="horz1" refType="w"/>
+      <dgm:constr type="h" for="ch" forName="horz1" refType="h"/>
+      <dgm:constr type="h" for="des" forName="vert1" refType="h"/>
+      <dgm:constr type="h" for="des" forName="tx1" refType="h"/>
+      <dgm:constr type="h" for="des" forName="horz2" refType="h"/>
+      <dgm:constr type="h" for="des" forName="vert2" refType="h"/>
+      <dgm:constr type="h" for="des" forName="horz3" refType="h"/>
+      <dgm:constr type="h" for="des" forName="vert3" refType="h"/>
+      <dgm:constr type="h" for="des" forName="horz4" refType="h"/>
+      <dgm:constr type="h" for="des" ptType="node" refType="h"/>
+      <dgm:constr type="primFontSz" for="des" forName="tx1" op="equ" val="65"/>
+      <dgm:constr type="primFontSz" for="des" forName="tx2" op="equ" val="65"/>
+      <dgm:constr type="primFontSz" for="des" forName="tx3" op="equ" val="65"/>
+      <dgm:constr type="primFontSz" for="des" forName="tx4" op="equ" val="65"/>
+      <dgm:constr type="w" for="des" forName="thickLine" refType="w"/>
+      <dgm:constr type="h" for="des" forName="thickLine"/>
+      <dgm:constr type="h" for="des" forName="thinLine1"/>
+      <dgm:constr type="h" for="des" forName="thinLine2b"/>
+      <dgm:constr type="h" for="des" forName="thinLine3"/>
+      <dgm:constr type="h" for="des" forName="vertSpace2a" refType="h" fact="0.05"/>
+      <dgm:constr type="h" for="des" forName="vertSpace2b" refType="h" refFor="des" refForName="vertSpace2a"/>
+    </dgm:constrLst>
+    <dgm:forEach name="Name3" axis="ch" ptType="node">
+      <dgm:layoutNode name="thickLine" styleLbl="alignNode1">
+        <dgm:alg type="sp"/>
+        <dgm:shape xmlns:r="http://schemas.openxmlformats.org/officeDocument/2006/relationships" type="line" r:blip="">
+          <dgm:adjLst/>
+        </dgm:shape>
+        <dgm:presOf/>
+      </dgm:layoutNode>
+      <dgm:layoutNode name="horz1">
+        <dgm:choose name="Name4">
+          <dgm:if name="Name5" func="var" arg="dir" op="equ" val="norm">
+            <dgm:alg type="lin">
+              <dgm:param type="linDir" val="fromL"/>
+              <dgm:param type="nodeVertAlign" val="t"/>
+            </dgm:alg>
+          </dgm:if>
+          <dgm:else name="Name6">
+            <dgm:alg type="lin">
+              <dgm:param type="linDir" val="fromR"/>
+              <dgm:param type="nodeVertAlign" val="t"/>
+            </dgm:alg>
+          </dgm:else>
+        </dgm:choose>
+        <dgm:shape xmlns:r="http://schemas.openxmlformats.org/officeDocument/2006/relationships" r:blip="">
+          <dgm:adjLst/>
+        </dgm:shape>
+        <dgm:presOf/>
+        <dgm:choose name="Name7">
+          <dgm:if name="Name8" axis="root des" func="maxDepth" op="equ" val="1">
+            <dgm:constrLst>
+              <dgm:constr type="w" for="ch" forName="tx1" refType="w"/>
+            </dgm:constrLst>
+          </dgm:if>
+          <dgm:if name="Name9" axis="root des" func="maxDepth" op="equ" val="2">
+            <dgm:constrLst>
+              <dgm:constr type="w" for="ch" forName="tx1" refType="w" fact="0.2"/>
+              <dgm:constr type="w" for="des" forName="tx2" refType="w" fact="0.785"/>
+              <dgm:constr type="w" for="des" forName="horzSpace2" refType="w" fact="0.015"/>
+              <dgm:constr type="w" for="des" forName="thinLine2b" refType="w" fact="0.8"/>
+            </dgm:constrLst>
+          </dgm:if>
+          <dgm:if name="Name10" axis="root des" func="maxDepth" op="equ" val="3">
+            <dgm:constrLst>
+              <dgm:constr type="w" for="ch" forName="tx1" refType="w" fact="0.2"/>
+              <dgm:constr type="w" for="des" forName="tx2" refType="w" fact="0.385"/>
+              <dgm:constr type="w" for="des" forName="tx3" refType="w" fact="0.385"/>
+              <dgm:constr type="w" for="des" forName="horzSpace2" refType="w" fact="0.015"/>
+              <dgm:constr type="w" for="des" forName="horzSpace3" refType="w" fact="0.015"/>
+              <dgm:constr type="w" for="des" forName="thinLine2b" refType="w" fact="0.8"/>
+              <dgm:constr type="w" for="des" forName="thinLine3" refType="w" fact="0.385"/>
+            </dgm:constrLst>
+          </dgm:if>
+          <dgm:if name="Name11" axis="root des" func="maxDepth" op="gte" val="4">
+            <dgm:constrLst>
+              <dgm:constr type="w" for="ch" forName="tx1" refType="w" fact="0.2"/>
+              <dgm:constr type="w" for="des" forName="tx2" refType="w" fact="0.2516"/>
+              <dgm:constr type="w" for="des" forName="tx3" refType="w" fact="0.2516"/>
+              <dgm:constr type="w" for="des" forName="tx4" refType="w" fact="0.2516"/>
+              <dgm:constr type="w" for="des" forName="horzSpace2" refType="w" fact="0.015"/>
+              <dgm:constr type="w" for="des" forName="horzSpace3" refType="w" fact="0.015"/>
+              <dgm:constr type="w" for="des" forName="horzSpace4" refType="w" fact="0.015"/>
+              <dgm:constr type="w" for="des" forName="thinLine2b" refType="w" fact="0.8"/>
+              <dgm:constr type="w" for="des" forName="thinLine3" refType="w" fact="0.5332"/>
+            </dgm:constrLst>
+          </dgm:if>
+          <dgm:else name="Name12"/>
+        </dgm:choose>
+        <dgm:layoutNode name="tx1" styleLbl="revTx">
+          <dgm:alg type="tx">
+            <dgm:param type="parTxLTRAlign" val="l"/>
+            <dgm:param type="parTxRTLAlign" val="r"/>
+            <dgm:param type="txAnchorVert" val="t"/>
+          </dgm:alg>
+          <dgm:shape xmlns:r="http://schemas.openxmlformats.org/officeDocument/2006/relationships" type="rect" r:blip="">
+            <dgm:adjLst/>
+          </dgm:shape>
+          <dgm:presOf axis="self"/>
+          <dgm:constrLst>
+            <dgm:constr type="tMarg" refType="primFontSz" fact="0.3"/>
+            <dgm:constr type="bMarg" refType="primFontSz" fact="0.3"/>
+            <dgm:constr type="lMarg" refType="primFontSz" fact="0.3"/>
+            <dgm:constr type="rMarg" refType="primFontSz" fact="0.3"/>
+          </dgm:constrLst>
+          <dgm:ruleLst>
+            <dgm:rule type="primFontSz" val="5" fact="NaN" max="NaN"/>
+          </dgm:ruleLst>
+        </dgm:layoutNode>
+        <dgm:layoutNode name="vert1">
+          <dgm:choose name="Name13">
+            <dgm:if name="Name14" func="var" arg="dir" op="equ" val="norm">
+              <dgm:alg type="lin">
+                <dgm:param type="linDir" val="fromT"/>
+                <dgm:param type="nodeHorzAlign" val="l"/>
+              </dgm:alg>
+            </dgm:if>
+            <dgm:else name="Name15">
+              <dgm:alg type="lin">
+                <dgm:param type="linDir" val="fromT"/>
+                <dgm:param type="nodeHorzAlign" val="r"/>
+              </dgm:alg>
+            </dgm:else>
+          </dgm:choose>
+          <dgm:shape xmlns:r="http://schemas.openxmlformats.org/officeDocument/2006/relationships" r:blip="">
+            <dgm:adjLst/>
+          </dgm:shape>
+          <dgm:presOf/>
+          <dgm:forEach name="Name16" axis="ch" ptType="node">
+            <dgm:choose name="Name17">
+              <dgm:if name="Name18" axis="self" ptType="node" func="pos" op="equ" val="1">
+                <dgm:layoutNode name="vertSpace2a">
+                  <dgm:alg type="sp"/>
+                  <dgm:shape xmlns:r="http://schemas.openxmlformats.org/officeDocument/2006/relationships" r:blip="">
+                    <dgm:adjLst/>
+                  </dgm:shape>
+                  <dgm:presOf/>
+                </dgm:layoutNode>
+              </dgm:if>
+              <dgm:else name="Name19"/>
+            </dgm:choose>
+            <dgm:layoutNode name="horz2">
+              <dgm:choose name="Name20">
+                <dgm:if name="Name21" func="var" arg="dir" op="equ" val="norm">
+                  <dgm:alg type="lin">
+                    <dgm:param type="linDir" val="fromL"/>
+                    <dgm:param type="nodeVertAlign" val="t"/>
+                  </dgm:alg>
+                </dgm:if>
+                <dgm:else name="Name22">
+                  <dgm:alg type="lin">
+                    <dgm:param type="linDir" val="fromR"/>
+                    <dgm:param type="nodeVertAlign" val="t"/>
+                  </dgm:alg>
+                </dgm:else>
+              </dgm:choose>
+              <dgm:shape xmlns:r="http://schemas.openxmlformats.org/officeDocument/2006/relationships" r:blip="">
+                <dgm:adjLst/>
+              </dgm:shape>
+              <dgm:presOf/>
+              <dgm:layoutNode name="horzSpace2">
+                <dgm:alg type="sp"/>
+                <dgm:shape xmlns:r="http://schemas.openxmlformats.org/officeDocument/2006/relationships" r:blip="">
+                  <dgm:adjLst/>
+                </dgm:shape>
+                <dgm:presOf/>
+              </dgm:layoutNode>
+              <dgm:layoutNode name="tx2" styleLbl="revTx">
+                <dgm:alg type="tx">
+                  <dgm:param type="parTxLTRAlign" val="l"/>
+                  <dgm:param type="parTxRTLAlign" val="r"/>
+                  <dgm:param type="txAnchorVert" val="t"/>
+                </dgm:alg>
+                <dgm:shape xmlns:r="http://schemas.openxmlformats.org/officeDocument/2006/relationships" type="rect" r:blip="">
+                  <dgm:adjLst/>
+                </dgm:shape>
+                <dgm:presOf axis="self"/>
+                <dgm:constrLst>
+                  <dgm:constr type="tMarg" refType="primFontSz" fact="0.3"/>
+                  <dgm:constr type="bMarg" refType="primFontSz" fact="0.3"/>
+                  <dgm:constr type="lMarg" refType="primFontSz" fact="0.3"/>
+                  <dgm:constr type="rMarg" refType="primFontSz" fact="0.3"/>
+                </dgm:constrLst>
+                <dgm:ruleLst>
+                  <dgm:rule type="primFontSz" val="5" fact="NaN" max="NaN"/>
+                </dgm:ruleLst>
+              </dgm:layoutNode>
+              <dgm:layoutNode name="vert2">
+                <dgm:choose name="Name23">
+                  <dgm:if name="Name24" func="var" arg="dir" op="equ" val="norm">
+                    <dgm:alg type="lin">
+                      <dgm:param type="linDir" val="fromT"/>
+                      <dgm:param type="nodeHorzAlign" val="l"/>
+                    </dgm:alg>
+                  </dgm:if>
+                  <dgm:else name="Name25">
+                    <dgm:alg type="lin">
+                      <dgm:param type="linDir" val="fromT"/>
+                      <dgm:param type="nodeHorzAlign" val="r"/>
+                    </dgm:alg>
+                  </dgm:else>
+                </dgm:choose>
+                <dgm:shape xmlns:r="http://schemas.openxmlformats.org/officeDocument/2006/relationships" r:blip="">
+                  <dgm:adjLst/>
+                </dgm:shape>
+                <dgm:presOf/>
+                <dgm:forEach name="Name26" axis="ch" ptType="node">
+                  <dgm:layoutNode name="horz3">
+                    <dgm:choose name="Name27">
+                      <dgm:if name="Name28" func="var" arg="dir" op="equ" val="norm">
+                        <dgm:alg type="lin">
+                          <dgm:param type="linDir" val="fromL"/>
+                          <dgm:param type="nodeVertAlign" val="t"/>
+                        </dgm:alg>
+                      </dgm:if>
+                      <dgm:else name="Name29">
+                        <dgm:alg type="lin">
+                          <dgm:param type="linDir" val="fromR"/>
+                          <dgm:param type="nodeVertAlign" val="t"/>
+                        </dgm:alg>
+                      </dgm:else>
+                    </dgm:choose>
+                    <dgm:shape xmlns:r="http://schemas.openxmlformats.org/officeDocument/2006/relationships" r:blip="">
+                      <dgm:adjLst/>
+                    </dgm:shape>
+                    <dgm:presOf/>
+                    <dgm:layoutNode name="horzSpace3">
+                      <dgm:alg type="sp"/>
+                      <dgm:shape xmlns:r="http://schemas.openxmlformats.org/officeDocument/2006/relationships" r:blip="">
+                        <dgm:adjLst/>
+                      </dgm:shape>
+                      <dgm:presOf/>
+                    </dgm:layoutNode>
+                    <dgm:layoutNode name="tx3" styleLbl="revTx">
+                      <dgm:alg type="tx">
+                        <dgm:param type="parTxLTRAlign" val="l"/>
+                        <dgm:param type="parTxRTLAlign" val="r"/>
+                        <dgm:param type="txAnchorVert" val="t"/>
+                      </dgm:alg>
+                      <dgm:shape xmlns:r="http://schemas.openxmlformats.org/officeDocument/2006/relationships" type="rect" r:blip="">
+                        <dgm:adjLst/>
+                      </dgm:shape>
+                      <dgm:presOf axis="self"/>
+                      <dgm:constrLst>
+                        <dgm:constr type="tMarg" refType="primFontSz" fact="0.3"/>
+                        <dgm:constr type="bMarg" refType="primFontSz" fact="0.3"/>
+                        <dgm:constr type="lMarg" refType="primFontSz" fact="0.3"/>
+                        <dgm:constr type="rMarg" refType="primFontSz" fact="0.3"/>
+                      </dgm:constrLst>
+                      <dgm:ruleLst>
+                        <dgm:rule type="primFontSz" val="5" fact="NaN" max="NaN"/>
+                      </dgm:ruleLst>
+                    </dgm:layoutNode>
+                    <dgm:layoutNode name="vert3">
+                      <dgm:choose name="Name30">
+                        <dgm:if name="Name31" func="var" arg="dir" op="equ" val="norm">
+                          <dgm:alg type="lin">
+                            <dgm:param type="linDir" val="fromT"/>
+                            <dgm:param type="nodeHorzAlign" val="l"/>
+                          </dgm:alg>
+                        </dgm:if>
+                        <dgm:else name="Name32">
+                          <dgm:alg type="lin">
+                            <dgm:param type="linDir" val="fromT"/>
+                            <dgm:param type="nodeHorzAlign" val="r"/>
+                          </dgm:alg>
+                        </dgm:else>
+                      </dgm:choose>
+                      <dgm:shape xmlns:r="http://schemas.openxmlformats.org/officeDocument/2006/relationships" r:blip="">
+                        <dgm:adjLst/>
+                      </dgm:shape>
+                      <dgm:presOf/>
+                      <dgm:forEach name="Name33" axis="ch" ptType="node">
+                        <dgm:layoutNode name="horz4">
+                          <dgm:choose name="Name34">
+                            <dgm:if name="Name35" func="var" arg="dir" op="equ" val="norm">
+                              <dgm:alg type="lin">
+                                <dgm:param type="linDir" val="fromL"/>
+                                <dgm:param type="nodeVertAlign" val="t"/>
+                              </dgm:alg>
+                            </dgm:if>
+                            <dgm:else name="Name36">
+                              <dgm:alg type="lin">
+                                <dgm:param type="linDir" val="fromR"/>
+                                <dgm:param type="nodeVertAlign" val="t"/>
+                              </dgm:alg>
+                            </dgm:else>
+                          </dgm:choose>
+                          <dgm:shape xmlns:r="http://schemas.openxmlformats.org/officeDocument/2006/relationships" r:blip="">
+                            <dgm:adjLst/>
+                          </dgm:shape>
+                          <dgm:presOf/>
+                          <dgm:layoutNode name="horzSpace4">
+                            <dgm:alg type="sp"/>
+                            <dgm:shape xmlns:r="http://schemas.openxmlformats.org/officeDocument/2006/relationships" r:blip="">
+                              <dgm:adjLst/>
+                            </dgm:shape>
+                            <dgm:presOf/>
+                          </dgm:layoutNode>
+                          <dgm:layoutNode name="tx4" styleLbl="revTx">
+                            <dgm:varLst>
+                              <dgm:bulletEnabled val="1"/>
+                            </dgm:varLst>
+                            <dgm:alg type="tx">
+                              <dgm:param type="parTxLTRAlign" val="l"/>
+                              <dgm:param type="parTxRTLAlign" val="r"/>
+                              <dgm:param type="txAnchorVert" val="t"/>
+                            </dgm:alg>
+                            <dgm:shape xmlns:r="http://schemas.openxmlformats.org/officeDocument/2006/relationships" type="rect" r:blip="">
+                              <dgm:adjLst/>
+                            </dgm:shape>
+                            <dgm:presOf axis="desOrSelf" ptType="node"/>
+                            <dgm:constrLst>
+                              <dgm:constr type="tMarg" refType="primFontSz" fact="0.3"/>
+                              <dgm:constr type="bMarg" refType="primFontSz" fact="0.3"/>
+                              <dgm:constr type="lMarg" refType="primFontSz" fact="0.3"/>
+                              <dgm:constr type="rMarg" refType="primFontSz" fact="0.3"/>
+                            </dgm:constrLst>
+                            <dgm:ruleLst>
+                              <dgm:rule type="primFontSz" val="5" fact="NaN" max="NaN"/>
+                            </dgm:ruleLst>
+                          </dgm:layoutNode>
+                        </dgm:layoutNode>
+                      </dgm:forEach>
+                    </dgm:layoutNode>
+                  </dgm:layoutNode>
+                  <dgm:forEach name="Name37" axis="followSib" ptType="sibTrans" cnt="1">
+                    <dgm:layoutNode name="thinLine3" styleLbl="callout">
+                      <dgm:alg type="sp"/>
+                      <dgm:shape xmlns:r="http://schemas.openxmlformats.org/officeDocument/2006/relationships" type="line" r:blip="">
+                        <dgm:adjLst/>
+                      </dgm:shape>
+                      <dgm:presOf/>
+                    </dgm:layoutNode>
+                  </dgm:forEach>
+                </dgm:forEach>
+              </dgm:layoutNode>
+            </dgm:layoutNode>
+            <dgm:layoutNode name="thinLine2b" styleLbl="callout">
+              <dgm:alg type="sp"/>
+              <dgm:shape xmlns:r="http://schemas.openxmlformats.org/officeDocument/2006/relationships" type="line" r:blip="">
+                <dgm:adjLst/>
+              </dgm:shape>
+              <dgm:presOf/>
+            </dgm:layoutNode>
+            <dgm:layoutNode name="vertSpace2b">
+              <dgm:alg type="sp"/>
+              <dgm:shape xmlns:r="http://schemas.openxmlformats.org/officeDocument/2006/relationships" r:blip="">
+                <dgm:adjLst/>
+              </dgm:shape>
+              <dgm:presOf/>
+            </dgm:layoutNode>
+          </dgm:forEach>
+        </dgm:layoutNode>
+      </dgm:layoutNode>
+    </dgm:forEach>
+  </dgm:layoutNode>
+</dgm:layoutDef>
+</file>
+
+<file path=ppt/diagrams/quickStyle1.xml><?xml version="1.0" encoding="utf-8"?>
+<dgm:styleDef xmlns:dgm="http://schemas.openxmlformats.org/drawingml/2006/diagram" xmlns:a="http://schemas.openxmlformats.org/drawingml/2006/main" uniqueId="urn:microsoft.com/office/officeart/2005/8/quickstyle/simple1">
+  <dgm:title val=""/>
+  <dgm:desc val=""/>
+  <dgm:catLst>
+    <dgm:cat type="simple" pri="10100"/>
+  </dgm:catLst>
+  <dgm:scene3d>
+    <a:camera prst="orthographicFront"/>
+    <a:lightRig rig="threePt" dir="t"/>
+  </dgm:scene3d>
+  <dgm:styleLbl name="node0">
+    <dgm:scene3d>
+      <a:camera prst="orthographicFront"/>
+      <a:lightRig rig="threePt" dir="t"/>
+    </dgm:scene3d>
+    <dgm:sp3d/>
+    <dgm:txPr/>
+    <dgm:style>
+      <a:lnRef idx="2">
+        <a:scrgbClr r="0" g="0" b="0"/>
+      </a:lnRef>
+      <a:fillRef idx="1">
+        <a:scrgbClr r="0" g="0" b="0"/>
+      </a:fillRef>
+      <a:effectRef idx="0">
+        <a:scrgbClr r="0" g="0" b="0"/>
+      </a:effectRef>
+      <a:fontRef idx="minor">
+        <a:schemeClr val="lt1"/>
+      </a:fontRef>
+    </dgm:style>
+  </dgm:styleLbl>
+  <dgm:styleLbl name="lnNode1">
+    <dgm:scene3d>
+      <a:camera prst="orthographicFront"/>
+      <a:lightRig rig="threePt" dir="t"/>
+    </dgm:scene3d>
+    <dgm:sp3d/>
+    <dgm:txPr/>
+    <dgm:style>
+      <a:lnRef idx="2">
+        <a:scrgbClr r="0" g="0" b="0"/>
+      </a:lnRef>
+      <a:fillRef idx="1">
+        <a:scrgbClr r="0" g="0" b="0"/>
+      </a:fillRef>
+      <a:effectRef idx="0">
+        <a:scrgbClr r="0" g="0" b="0"/>
+      </a:effectRef>
+      <a:fontRef idx="minor">
+        <a:schemeClr val="lt1"/>
+      </a:fontRef>
+    </dgm:style>
+  </dgm:styleLbl>
+  <dgm:styleLbl name="vennNode1">
+    <dgm:scene3d>
+      <a:camera prst="orthographicFront"/>
+      <a:lightRig rig="threePt" dir="t"/>
+    </dgm:scene3d>
+    <dgm:sp3d/>
+    <dgm:txPr/>
+    <dgm:style>
+      <a:lnRef idx="2">
+        <a:scrgbClr r="0" g="0" b="0"/>
+      </a:lnRef>
+      <a:fillRef idx="1">
+        <a:scrgbClr r="0" g="0" b="0"/>
+      </a:fillRef>
+      <a:effectRef idx="0">
+        <a:scrgbClr r="0" g="0" b="0"/>
+      </a:effectRef>
+      <a:fontRef idx="minor">
+        <a:schemeClr val="tx1"/>
+      </a:fontRef>
+    </dgm:style>
+  </dgm:styleLbl>
+  <dgm:styleLbl name="alignNode1">
+    <dgm:scene3d>
+      <a:camera prst="orthographicFront"/>
+      <a:lightRig rig="threePt" dir="t"/>
+    </dgm:scene3d>
+    <dgm:sp3d/>
+    <dgm:txPr/>
+    <dgm:style>
+      <a:lnRef idx="2">
+        <a:scrgbClr r="0" g="0" b="0"/>
+      </a:lnRef>
+      <a:fillRef idx="1">
+        <a:scrgbClr r="0" g="0" b="0"/>
+      </a:fillRef>
+      <a:effectRef idx="0">
+        <a:scrgbClr r="0" g="0" b="0"/>
+      </a:effectRef>
+      <a:fontRef idx="minor">
+        <a:schemeClr val="lt1"/>
+      </a:fontRef>
+    </dgm:style>
+  </dgm:styleLbl>
+  <dgm:styleLbl name="node1">
+    <dgm:scene3d>
+      <a:camera prst="orthographicFront"/>
+      <a:lightRig rig="threePt" dir="t"/>
+    </dgm:scene3d>
+    <dgm:sp3d/>
+    <dgm:txPr/>
+    <dgm:style>
+      <a:lnRef idx="2">
+        <a:scrgbClr r="0" g="0" b="0"/>
+      </a:lnRef>
+      <a:fillRef idx="1">
+        <a:scrgbClr r="0" g="0" b="0"/>
+      </a:fillRef>
+      <a:effectRef idx="0">
+        <a:scrgbClr r="0" g="0" b="0"/>
+      </a:effectRef>
+      <a:fontRef idx="minor">
+        <a:schemeClr val="lt1"/>
+      </a:fontRef>
+    </dgm:style>
+  </dgm:styleLbl>
+  <dgm:styleLbl name="node2">
+    <dgm:scene3d>
+      <a:camera prst="orthographicFront"/>
+      <a:lightRig rig="threePt" dir="t"/>
+    </dgm:scene3d>
+    <dgm:sp3d/>
+    <dgm:txPr/>
+    <dgm:style>
+      <a:lnRef idx="2">
+        <a:scrgbClr r="0" g="0" b="0"/>
+      </a:lnRef>
+      <a:fillRef idx="1">
+        <a:scrgbClr r="0" g="0" b="0"/>
+      </a:fillRef>
+      <a:effectRef idx="0">
+        <a:scrgbClr r="0" g="0" b="0"/>
+      </a:effectRef>
+      <a:fontRef idx="minor">
+        <a:schemeClr val="lt1"/>
+      </a:fontRef>
+    </dgm:style>
+  </dgm:styleLbl>
+  <dgm:styleLbl name="node3">
+    <dgm:scene3d>
+      <a:camera prst="orthographicFront"/>
+      <a:lightRig rig="threePt" dir="t"/>
+    </dgm:scene3d>
+    <dgm:sp3d/>
+    <dgm:txPr/>
+    <dgm:style>
+      <a:lnRef idx="2">
+        <a:scrgbClr r="0" g="0" b="0"/>
+      </a:lnRef>
+      <a:fillRef idx="1">
+        <a:scrgbClr r="0" g="0" b="0"/>
+      </a:fillRef>
+      <a:effectRef idx="0">
+        <a:scrgbClr r="0" g="0" b="0"/>
+      </a:effectRef>
+      <a:fontRef idx="minor">
+        <a:schemeClr val="lt1"/>
+      </a:fontRef>
+    </dgm:style>
+  </dgm:styleLbl>
+  <dgm:styleLbl name="node4">
+    <dgm:scene3d>
+      <a:camera prst="orthographicFront"/>
+      <a:lightRig rig="threePt" dir="t"/>
+    </dgm:scene3d>
+    <dgm:sp3d/>
+    <dgm:txPr/>
+    <dgm:style>
+      <a:lnRef idx="2">
+        <a:scrgbClr r="0" g="0" b="0"/>
+      </a:lnRef>
+      <a:fillRef idx="1">
+        <a:scrgbClr r="0" g="0" b="0"/>
+      </a:fillRef>
+      <a:effectRef idx="0">
+        <a:scrgbClr r="0" g="0" b="0"/>
+      </a:effectRef>
+      <a:fontRef idx="minor">
+        <a:schemeClr val="lt1"/>
+      </a:fontRef>
+    </dgm:style>
+  </dgm:styleLbl>
+  <dgm:styleLbl name="fgImgPlace1">
+    <dgm:scene3d>
+      <a:camera prst="orthographicFront"/>
+      <a:lightRig rig="threePt" dir="t"/>
+    </dgm:scene3d>
+    <dgm:sp3d/>
+    <dgm:txPr/>
+    <dgm:style>
+      <a:lnRef idx="2">
+        <a:scrgbClr r="0" g="0" b="0"/>
+      </a:lnRef>
+      <a:fillRef idx="1">
+        <a:scrgbClr r="0" g="0" b="0"/>
+      </a:fillRef>
+      <a:effectRef idx="0">
+        <a:scrgbClr r="0" g="0" b="0"/>
+      </a:effectRef>
+      <a:fontRef idx="minor"/>
+    </dgm:style>
+  </dgm:styleLbl>
+  <dgm:styleLbl name="alignImgPlace1">
+    <dgm:scene3d>
+      <a:camera prst="orthographicFront"/>
+      <a:lightRig rig="threePt" dir="t"/>
+    </dgm:scene3d>
+    <dgm:sp3d/>
+    <dgm:txPr/>
+    <dgm:style>
+      <a:lnRef idx="2">
+        <a:scrgbClr r="0" g="0" b="0"/>
+      </a:lnRef>
+      <a:fillRef idx="1">
+        <a:scrgbClr r="0" g="0" b="0"/>
+      </a:fillRef>
+      <a:effectRef idx="0">
+        <a:scrgbClr r="0" g="0" b="0"/>
+      </a:effectRef>
+      <a:fontRef idx="minor"/>
+    </dgm:style>
+  </dgm:styleLbl>
+  <dgm:styleLbl name="bgImgPlace1">
+    <dgm:scene3d>
+      <a:camera prst="orthographicFront"/>
+      <a:lightRig rig="threePt" dir="t"/>
+    </dgm:scene3d>
+    <dgm:sp3d/>
+    <dgm:txPr/>
+    <dgm:style>
+      <a:lnRef idx="2">
+        <a:scrgbClr r="0" g="0" b="0"/>
+      </a:lnRef>
+      <a:fillRef idx="1">
+        <a:scrgbClr r="0" g="0" b="0"/>
+      </a:fillRef>
+      <a:effectRef idx="0">
+        <a:scrgbClr r="0" g="0" b="0"/>
+      </a:effectRef>
+      <a:fontRef idx="minor"/>
+    </dgm:style>
+  </dgm:styleLbl>
+  <dgm:styleLbl name="sibTrans2D1">
+    <dgm:scene3d>
+      <a:camera prst="orthographicFront"/>
+      <a:lightRig rig="threePt" dir="t"/>
+    </dgm:scene3d>
+    <dgm:sp3d/>
+    <dgm:txPr/>
+    <dgm:style>
+      <a:lnRef idx="0">
+        <a:scrgbClr r="0" g="0" b="0"/>
+      </a:lnRef>
+      <a:fillRef idx="1">
+        <a:scrgbClr r="0" g="0" b="0"/>
+      </a:fillRef>
+      <a:effectRef idx="0">
+        <a:scrgbClr r="0" g="0" b="0"/>
+      </a:effectRef>
+      <a:fontRef idx="minor">
+        <a:schemeClr val="lt1"/>
+      </a:fontRef>
+    </dgm:style>
+  </dgm:styleLbl>
+  <dgm:styleLbl name="fgSibTrans2D1">
+    <dgm:scene3d>
+      <a:camera prst="orthographicFront"/>
+      <a:lightRig rig="threePt" dir="t"/>
+    </dgm:scene3d>
+    <dgm:sp3d/>
+    <dgm:txPr/>
+    <dgm:style>
+      <a:lnRef idx="0">
+        <a:scrgbClr r="0" g="0" b="0"/>
+      </a:lnRef>
+      <a:fillRef idx="1">
+        <a:scrgbClr r="0" g="0" b="0"/>
+      </a:fillRef>
+      <a:effectRef idx="0">
+        <a:scrgbClr r="0" g="0" b="0"/>
+      </a:effectRef>
+      <a:fontRef idx="minor">
+        <a:schemeClr val="lt1"/>
+      </a:fontRef>
+    </dgm:style>
+  </dgm:styleLbl>
+  <dgm:styleLbl name="bgSibTrans2D1">
+    <dgm:scene3d>
+      <a:camera prst="orthographicFront"/>
+      <a:lightRig rig="threePt" dir="t"/>
+    </dgm:scene3d>
+    <dgm:sp3d/>
+    <dgm:txPr/>
+    <dgm:style>
+      <a:lnRef idx="0">
+        <a:scrgbClr r="0" g="0" b="0"/>
+      </a:lnRef>
+      <a:fillRef idx="1">
+        <a:scrgbClr r="0" g="0" b="0"/>
+      </a:fillRef>
+      <a:effectRef idx="0">
+        <a:scrgbClr r="0" g="0" b="0"/>
+      </a:effectRef>
+      <a:fontRef idx="minor">
+        <a:schemeClr val="lt1"/>
+      </a:fontRef>
+    </dgm:style>
+  </dgm:styleLbl>
+  <dgm:styleLbl name="sibTrans1D1">
+    <dgm:scene3d>
+      <a:camera prst="orthographicFront"/>
+      <a:lightRig rig="threePt" dir="t"/>
+    </dgm:scene3d>
+    <dgm:sp3d/>
+    <dgm:txPr/>
+    <dgm:style>
+      <a:lnRef idx="1">
+        <a:scrgbClr r="0" g="0" b="0"/>
+      </a:lnRef>
+      <a:fillRef idx="0">
+        <a:scrgbClr r="0" g="0" b="0"/>
+      </a:fillRef>
+      <a:effectRef idx="0">
+        <a:scrgbClr r="0" g="0" b="0"/>
+      </a:effectRef>
+      <a:fontRef idx="minor"/>
+    </dgm:style>
+  </dgm:styleLbl>
+  <dgm:styleLbl name="callout">
+    <dgm:scene3d>
+      <a:camera prst="orthographicFront"/>
+      <a:lightRig rig="threePt" dir="t"/>
+    </dgm:scene3d>
+    <dgm:sp3d/>
+    <dgm:txPr/>
+    <dgm:style>
+      <a:lnRef idx="2">
+        <a:scrgbClr r="0" g="0" b="0"/>
+      </a:lnRef>
+      <a:fillRef idx="1">
+        <a:scrgbClr r="0" g="0" b="0"/>
+      </a:fillRef>
+      <a:effectRef idx="0">
+        <a:scrgbClr r="0" g="0" b="0"/>
+      </a:effectRef>
+      <a:fontRef idx="minor"/>
+    </dgm:style>
+  </dgm:styleLbl>
+  <dgm:styleLbl name="asst0">
+    <dgm:scene3d>
+      <a:camera prst="orthographicFront"/>
+      <a:lightRig rig="threePt" dir="t"/>
+    </dgm:scene3d>
+    <dgm:sp3d/>
+    <dgm:txPr/>
+    <dgm:style>
+      <a:lnRef idx="2">
+        <a:scrgbClr r="0" g="0" b="0"/>
+      </a:lnRef>
+      <a:fillRef idx="1">
+        <a:scrgbClr r="0" g="0" b="0"/>
+      </a:fillRef>
+      <a:effectRef idx="0">
+        <a:scrgbClr r="0" g="0" b="0"/>
+      </a:effectRef>
+      <a:fontRef idx="minor">
+        <a:schemeClr val="lt1"/>
+      </a:fontRef>
+    </dgm:style>
+  </dgm:styleLbl>
+  <dgm:styleLbl name="asst1">
+    <dgm:scene3d>
+      <a:camera prst="orthographicFront"/>
+      <a:lightRig rig="threePt" dir="t"/>
+    </dgm:scene3d>
+    <dgm:sp3d/>
+    <dgm:txPr/>
+    <dgm:style>
+      <a:lnRef idx="2">
+        <a:scrgbClr r="0" g="0" b="0"/>
+      </a:lnRef>
+      <a:fillRef idx="1">
+        <a:scrgbClr r="0" g="0" b="0"/>
+      </a:fillRef>
+      <a:effectRef idx="0">
+        <a:scrgbClr r="0" g="0" b="0"/>
+      </a:effectRef>
+      <a:fontRef idx="minor">
+        <a:schemeClr val="lt1"/>
+      </a:fontRef>
+    </dgm:style>
+  </dgm:styleLbl>
+  <dgm:styleLbl name="asst2">
+    <dgm:scene3d>
+      <a:camera prst="orthographicFront"/>
+      <a:lightRig rig="threePt" dir="t"/>
+    </dgm:scene3d>
+    <dgm:sp3d/>
+    <dgm:txPr/>
+    <dgm:style>
+      <a:lnRef idx="2">
+        <a:scrgbClr r="0" g="0" b="0"/>
+      </a:lnRef>
+      <a:fillRef idx="1">
+        <a:scrgbClr r="0" g="0" b="0"/>
+      </a:fillRef>
+      <a:effectRef idx="0">
+        <a:scrgbClr r="0" g="0" b="0"/>
+      </a:effectRef>
+      <a:fontRef idx="minor">
+        <a:schemeClr val="lt1"/>
+      </a:fontRef>
+    </dgm:style>
+  </dgm:styleLbl>
+  <dgm:styleLbl name="asst3">
+    <dgm:scene3d>
+      <a:camera prst="orthographicFront"/>
+      <a:lightRig rig="threePt" dir="t"/>
+    </dgm:scene3d>
+    <dgm:sp3d/>
+    <dgm:txPr/>
+    <dgm:style>
+      <a:lnRef idx="2">
+        <a:scrgbClr r="0" g="0" b="0"/>
+      </a:lnRef>
+      <a:fillRef idx="1">
+        <a:scrgbClr r="0" g="0" b="0"/>
+      </a:fillRef>
+      <a:effectRef idx="0">
+        <a:scrgbClr r="0" g="0" b="0"/>
+      </a:effectRef>
+      <a:fontRef idx="minor">
+        <a:schemeClr val="lt1"/>
+      </a:fontRef>
+    </dgm:style>
+  </dgm:styleLbl>
+  <dgm:styleLbl name="asst4">
+    <dgm:scene3d>
+      <a:camera prst="orthographicFront"/>
+      <a:lightRig rig="threePt" dir="t"/>
+    </dgm:scene3d>
+    <dgm:sp3d/>
+    <dgm:txPr/>
+    <dgm:style>
+      <a:lnRef idx="2">
+        <a:scrgbClr r="0" g="0" b="0"/>
+      </a:lnRef>
+      <a:fillRef idx="1">
+        <a:scrgbClr r="0" g="0" b="0"/>
+      </a:fillRef>
+      <a:effectRef idx="0">
+        <a:scrgbClr r="0" g="0" b="0"/>
+      </a:effectRef>
+      <a:fontRef idx="minor">
+        <a:schemeClr val="lt1"/>
+      </a:fontRef>
+    </dgm:style>
+  </dgm:styleLbl>
+  <dgm:styleLbl name="parChTrans2D1">
+    <dgm:scene3d>
+      <a:camera prst="orthographicFront"/>
+      <a:lightRig rig="threePt" dir="t"/>
+    </dgm:scene3d>
+    <dgm:sp3d/>
+    <dgm:txPr/>
+    <dgm:style>
+      <a:lnRef idx="2">
+        <a:scrgbClr r="0" g="0" b="0"/>
+      </a:lnRef>
+      <a:fillRef idx="1">
+        <a:scrgbClr r="0" g="0" b="0"/>
+      </a:fillRef>
+      <a:effectRef idx="0">
+        <a:scrgbClr r="0" g="0" b="0"/>
+      </a:effectRef>
+      <a:fontRef idx="minor">
+        <a:schemeClr val="lt1"/>
+      </a:fontRef>
+    </dgm:style>
+  </dgm:styleLbl>
+  <dgm:styleLbl name="parChTrans2D2">
+    <dgm:scene3d>
+      <a:camera prst="orthographicFront"/>
+      <a:lightRig rig="threePt" dir="t"/>
+    </dgm:scene3d>
+    <dgm:sp3d/>
+    <dgm:txPr/>
+    <dgm:style>
+      <a:lnRef idx="2">
+        <a:scrgbClr r="0" g="0" b="0"/>
+      </a:lnRef>
+      <a:fillRef idx="1">
+        <a:scrgbClr r="0" g="0" b="0"/>
+      </a:fillRef>
+      <a:effectRef idx="0">
+        <a:scrgbClr r="0" g="0" b="0"/>
+      </a:effectRef>
+      <a:fontRef idx="minor">
+        <a:schemeClr val="lt1"/>
+      </a:fontRef>
+    </dgm:style>
+  </dgm:styleLbl>
+  <dgm:styleLbl name="parChTrans2D3">
+    <dgm:scene3d>
+      <a:camera prst="orthographicFront"/>
+      <a:lightRig rig="threePt" dir="t"/>
+    </dgm:scene3d>
+    <dgm:sp3d/>
+    <dgm:txPr/>
+    <dgm:style>
+      <a:lnRef idx="2">
+        <a:scrgbClr r="0" g="0" b="0"/>
+      </a:lnRef>
+      <a:fillRef idx="1">
+        <a:scrgbClr r="0" g="0" b="0"/>
+      </a:fillRef>
+      <a:effectRef idx="0">
+        <a:scrgbClr r="0" g="0" b="0"/>
+      </a:effectRef>
+      <a:fontRef idx="minor">
+        <a:schemeClr val="lt1"/>
+      </a:fontRef>
+    </dgm:style>
+  </dgm:styleLbl>
+  <dgm:styleLbl name="parChTrans2D4">
+    <dgm:scene3d>
+      <a:camera prst="orthographicFront"/>
+      <a:lightRig rig="threePt" dir="t"/>
+    </dgm:scene3d>
+    <dgm:sp3d/>
+    <dgm:txPr/>
+    <dgm:style>
+      <a:lnRef idx="2">
+        <a:scrgbClr r="0" g="0" b="0"/>
+      </a:lnRef>
+      <a:fillRef idx="1">
+        <a:scrgbClr r="0" g="0" b="0"/>
+      </a:fillRef>
+      <a:effectRef idx="0">
+        <a:scrgbClr r="0" g="0" b="0"/>
+      </a:effectRef>
+      <a:fontRef idx="minor">
+        <a:schemeClr val="lt1"/>
+      </a:fontRef>
+    </dgm:style>
+  </dgm:styleLbl>
+  <dgm:styleLbl name="parChTrans1D1">
+    <dgm:scene3d>
+      <a:camera prst="orthographicFront"/>
+      <a:lightRig rig="threePt" dir="t"/>
+    </dgm:scene3d>
+    <dgm:sp3d/>
+    <dgm:txPr/>
+    <dgm:style>
+      <a:lnRef idx="2">
+        <a:scrgbClr r="0" g="0" b="0"/>
+      </a:lnRef>
+      <a:fillRef idx="0">
+        <a:scrgbClr r="0" g="0" b="0"/>
+      </a:fillRef>
+      <a:effectRef idx="0">
+        <a:scrgbClr r="0" g="0" b="0"/>
+      </a:effectRef>
+      <a:fontRef idx="minor"/>
+    </dgm:style>
+  </dgm:styleLbl>
+  <dgm:styleLbl name="parChTrans1D2">
+    <dgm:scene3d>
+      <a:camera prst="orthographicFront"/>
+      <a:lightRig rig="threePt" dir="t"/>
+    </dgm:scene3d>
+    <dgm:sp3d/>
+    <dgm:txPr/>
+    <dgm:style>
+      <a:lnRef idx="2">
+        <a:scrgbClr r="0" g="0" b="0"/>
+      </a:lnRef>
+      <a:fillRef idx="0">
+        <a:scrgbClr r="0" g="0" b="0"/>
+      </a:fillRef>
+      <a:effectRef idx="0">
+        <a:scrgbClr r="0" g="0" b="0"/>
+      </a:effectRef>
+      <a:fontRef idx="minor"/>
+    </dgm:style>
+  </dgm:styleLbl>
+  <dgm:styleLbl name="parChTrans1D3">
+    <dgm:scene3d>
+      <a:camera prst="orthographicFront"/>
+      <a:lightRig rig="threePt" dir="t"/>
+    </dgm:scene3d>
+    <dgm:sp3d/>
+    <dgm:txPr/>
+    <dgm:style>
+      <a:lnRef idx="2">
+        <a:scrgbClr r="0" g="0" b="0"/>
+      </a:lnRef>
+      <a:fillRef idx="0">
+        <a:scrgbClr r="0" g="0" b="0"/>
+      </a:fillRef>
+      <a:effectRef idx="0">
+        <a:scrgbClr r="0" g="0" b="0"/>
+      </a:effectRef>
+      <a:fontRef idx="minor"/>
+    </dgm:style>
+  </dgm:styleLbl>
+  <dgm:styleLbl name="parChTrans1D4">
+    <dgm:scene3d>
+      <a:camera prst="orthographicFront"/>
+      <a:lightRig rig="threePt" dir="t"/>
+    </dgm:scene3d>
+    <dgm:sp3d/>
+    <dgm:txPr/>
+    <dgm:style>
+      <a:lnRef idx="2">
+        <a:scrgbClr r="0" g="0" b="0"/>
+      </a:lnRef>
+      <a:fillRef idx="0">
+        <a:scrgbClr r="0" g="0" b="0"/>
+      </a:fillRef>
+      <a:effectRef idx="0">
+        <a:scrgbClr r="0" g="0" b="0"/>
+      </a:effectRef>
+      <a:fontRef idx="minor"/>
+    </dgm:style>
+  </dgm:styleLbl>
+  <dgm:styleLbl name="fgAcc1">
+    <dgm:scene3d>
+      <a:camera prst="orthographicFront"/>
+      <a:lightRig rig="threePt" dir="t"/>
+    </dgm:scene3d>
+    <dgm:sp3d/>
+    <dgm:txPr/>
+    <dgm:style>
+      <a:lnRef idx="2">
+        <a:scrgbClr r="0" g="0" b="0"/>
+      </a:lnRef>
+      <a:fillRef idx="1">
+        <a:scrgbClr r="0" g="0" b="0"/>
+      </a:fillRef>
+      <a:effectRef idx="0">
+        <a:scrgbClr r="0" g="0" b="0"/>
+      </a:effectRef>
+      <a:fontRef idx="minor"/>
+    </dgm:style>
+  </dgm:styleLbl>
+  <dgm:styleLbl name="conFgAcc1">
+    <dgm:scene3d>
+      <a:camera prst="orthographicFront"/>
+      <a:lightRig rig="threePt" dir="t"/>
+    </dgm:scene3d>
+    <dgm:sp3d/>
+    <dgm:txPr/>
+    <dgm:style>
+      <a:lnRef idx="2">
+        <a:scrgbClr r="0" g="0" b="0"/>
+      </a:lnRef>
+      <a:fillRef idx="1">
+        <a:scrgbClr r="0" g="0" b="0"/>
+      </a:fillRef>
+      <a:effectRef idx="0">
+        <a:scrgbClr r="0" g="0" b="0"/>
+      </a:effectRef>
+      <a:fontRef idx="minor"/>
+    </dgm:style>
+  </dgm:styleLbl>
+  <dgm:styleLbl name="alignAcc1">
+    <dgm:scene3d>
+      <a:camera prst="orthographicFront"/>
+      <a:lightRig rig="threePt" dir="t"/>
+    </dgm:scene3d>
+    <dgm:sp3d/>
+    <dgm:txPr/>
+    <dgm:style>
+      <a:lnRef idx="2">
+        <a:scrgbClr r="0" g="0" b="0"/>
+      </a:lnRef>
+      <a:fillRef idx="1">
+        <a:scrgbClr r="0" g="0" b="0"/>
+      </a:fillRef>
+      <a:effectRef idx="0">
+        <a:scrgbClr r="0" g="0" b="0"/>
+      </a:effectRef>
+      <a:fontRef idx="minor"/>
+    </dgm:style>
+  </dgm:styleLbl>
+  <dgm:styleLbl name="trAlignAcc1">
+    <dgm:scene3d>
+      <a:camera prst="orthographicFront"/>
+      <a:lightRig rig="threePt" dir="t"/>
+    </dgm:scene3d>
+    <dgm:sp3d/>
+    <dgm:txPr/>
+    <dgm:style>
+      <a:lnRef idx="1">
+        <a:scrgbClr r="0" g="0" b="0"/>
+      </a:lnRef>
+      <a:fillRef idx="1">
+        <a:scrgbClr r="0" g="0" b="0"/>
+      </a:fillRef>
+      <a:effectRef idx="0">
+        <a:scrgbClr r="0" g="0" b="0"/>
+      </a:effectRef>
+      <a:fontRef idx="minor"/>
+    </dgm:style>
+  </dgm:styleLbl>
+  <dgm:styleLbl name="bgAcc1">
+    <dgm:scene3d>
+      <a:camera prst="orthographicFront"/>
+      <a:lightRig rig="threePt" dir="t"/>
+    </dgm:scene3d>
+    <dgm:sp3d/>
+    <dgm:txPr/>
+    <dgm:style>
+      <a:lnRef idx="2">
+        <a:scrgbClr r="0" g="0" b="0"/>
+      </a:lnRef>
+      <a:fillRef idx="1">
+        <a:scrgbClr r="0" g="0" b="0"/>
+      </a:fillRef>
+      <a:effectRef idx="0">
+        <a:scrgbClr r="0" g="0" b="0"/>
+      </a:effectRef>
+      <a:fontRef idx="minor"/>
+    </dgm:style>
+  </dgm:styleLbl>
+  <dgm:styleLbl name="solidFgAcc1">
+    <dgm:scene3d>
+      <a:camera prst="orthographicFront"/>
+      <a:lightRig rig="threePt" dir="t"/>
+    </dgm:scene3d>
+    <dgm:sp3d/>
+    <dgm:txPr/>
+    <dgm:style>
+      <a:lnRef idx="2">
+        <a:scrgbClr r="0" g="0" b="0"/>
+      </a:lnRef>
+      <a:fillRef idx="1">
+        <a:scrgbClr r="0" g="0" b="0"/>
+      </a:fillRef>
+      <a:effectRef idx="0">
+        <a:scrgbClr r="0" g="0" b="0"/>
+      </a:effectRef>
+      <a:fontRef idx="minor"/>
+    </dgm:style>
+  </dgm:styleLbl>
+  <dgm:styleLbl name="solidAlignAcc1">
+    <dgm:scene3d>
+      <a:camera prst="orthographicFront"/>
+      <a:lightRig rig="threePt" dir="t"/>
+    </dgm:scene3d>
+    <dgm:sp3d/>
+    <dgm:txPr/>
+    <dgm:style>
+      <a:lnRef idx="2">
+        <a:scrgbClr r="0" g="0" b="0"/>
+      </a:lnRef>
+      <a:fillRef idx="1">
+        <a:scrgbClr r="0" g="0" b="0"/>
+      </a:fillRef>
+      <a:effectRef idx="0">
+        <a:scrgbClr r="0" g="0" b="0"/>
+      </a:effectRef>
+      <a:fontRef idx="minor"/>
+    </dgm:style>
+  </dgm:styleLbl>
+  <dgm:styleLbl name="solidBgAcc1">
+    <dgm:scene3d>
+      <a:camera prst="orthographicFront"/>
+      <a:lightRig rig="threePt" dir="t"/>
+    </dgm:scene3d>
+    <dgm:sp3d/>
+    <dgm:txPr/>
+    <dgm:style>
+      <a:lnRef idx="2">
+        <a:scrgbClr r="0" g="0" b="0"/>
+      </a:lnRef>
+      <a:fillRef idx="1">
+        <a:scrgbClr r="0" g="0" b="0"/>
+      </a:fillRef>
+      <a:effectRef idx="0">
+        <a:scrgbClr r="0" g="0" b="0"/>
+      </a:effectRef>
+      <a:fontRef idx="minor"/>
+    </dgm:style>
+  </dgm:styleLbl>
+  <dgm:styleLbl name="fgAccFollowNode1">
+    <dgm:scene3d>
+      <a:camera prst="orthographicFront"/>
+      <a:lightRig rig="threePt" dir="t"/>
+    </dgm:scene3d>
+    <dgm:sp3d/>
+    <dgm:txPr/>
+    <dgm:style>
+      <a:lnRef idx="2">
+        <a:scrgbClr r="0" g="0" b="0"/>
+      </a:lnRef>
+      <a:fillRef idx="1">
+        <a:scrgbClr r="0" g="0" b="0"/>
+      </a:fillRef>
+      <a:effectRef idx="0">
+        <a:scrgbClr r="0" g="0" b="0"/>
+      </a:effectRef>
+      <a:fontRef idx="minor"/>
+    </dgm:style>
+  </dgm:styleLbl>
+  <dgm:styleLbl name="alignAccFollowNode1">
+    <dgm:scene3d>
+      <a:camera prst="orthographicFront"/>
+      <a:lightRig rig="threePt" dir="t"/>
+    </dgm:scene3d>
+    <dgm:sp3d/>
+    <dgm:txPr/>
+    <dgm:style>
+      <a:lnRef idx="2">
+        <a:scrgbClr r="0" g="0" b="0"/>
+      </a:lnRef>
+      <a:fillRef idx="1">
+        <a:scrgbClr r="0" g="0" b="0"/>
+      </a:fillRef>
+      <a:effectRef idx="0">
+        <a:scrgbClr r="0" g="0" b="0"/>
+      </a:effectRef>
+      <a:fontRef idx="minor"/>
+    </dgm:style>
+  </dgm:styleLbl>
+  <dgm:styleLbl name="bgAccFollowNode1">
+    <dgm:scene3d>
+      <a:camera prst="orthographicFront"/>
+      <a:lightRig rig="threePt" dir="t"/>
+    </dgm:scene3d>
+    <dgm:sp3d/>
+    <dgm:txPr/>
+    <dgm:style>
+      <a:lnRef idx="2">
+        <a:scrgbClr r="0" g="0" b="0"/>
+      </a:lnRef>
+      <a:fillRef idx="1">
+        <a:scrgbClr r="0" g="0" b="0"/>
+      </a:fillRef>
+      <a:effectRef idx="0">
+        <a:scrgbClr r="0" g="0" b="0"/>
+      </a:effectRef>
+      <a:fontRef idx="minor"/>
+    </dgm:style>
+  </dgm:styleLbl>
+  <dgm:styleLbl name="fgAcc0">
+    <dgm:scene3d>
+      <a:camera prst="orthographicFront"/>
+      <a:lightRig rig="threePt" dir="t"/>
+    </dgm:scene3d>
+    <dgm:sp3d/>
+    <dgm:txPr/>
+    <dgm:style>
+      <a:lnRef idx="2">
+        <a:scrgbClr r="0" g="0" b="0"/>
+      </a:lnRef>
+      <a:fillRef idx="1">
+        <a:scrgbClr r="0" g="0" b="0"/>
+      </a:fillRef>
+      <a:effectRef idx="0">
+        <a:scrgbClr r="0" g="0" b="0"/>
+      </a:effectRef>
+      <a:fontRef idx="minor"/>
+    </dgm:style>
+  </dgm:styleLbl>
+  <dgm:styleLbl name="fgAcc2">
+    <dgm:scene3d>
+      <a:camera prst="orthographicFront"/>
+      <a:lightRig rig="threePt" dir="t"/>
+    </dgm:scene3d>
+    <dgm:sp3d/>
+    <dgm:txPr/>
+    <dgm:style>
+      <a:lnRef idx="2">
+        <a:scrgbClr r="0" g="0" b="0"/>
+      </a:lnRef>
+      <a:fillRef idx="1">
+        <a:scrgbClr r="0" g="0" b="0"/>
+      </a:fillRef>
+      <a:effectRef idx="0">
+        <a:scrgbClr r="0" g="0" b="0"/>
+      </a:effectRef>
+      <a:fontRef idx="minor"/>
+    </dgm:style>
+  </dgm:styleLbl>
+  <dgm:styleLbl name="fgAcc3">
+    <dgm:scene3d>
+      <a:camera prst="orthographicFront"/>
+      <a:lightRig rig="threePt" dir="t"/>
+    </dgm:scene3d>
+    <dgm:sp3d/>
+    <dgm:txPr/>
+    <dgm:style>
+      <a:lnRef idx="2">
+        <a:scrgbClr r="0" g="0" b="0"/>
+      </a:lnRef>
+      <a:fillRef idx="1">
+        <a:scrgbClr r="0" g="0" b="0"/>
+      </a:fillRef>
+      <a:effectRef idx="0">
+        <a:scrgbClr r="0" g="0" b="0"/>
+      </a:effectRef>
+      <a:fontRef idx="minor"/>
+    </dgm:style>
+  </dgm:styleLbl>
+  <dgm:styleLbl name="fgAcc4">
+    <dgm:scene3d>
+      <a:camera prst="orthographicFront"/>
+      <a:lightRig rig="threePt" dir="t"/>
+    </dgm:scene3d>
+    <dgm:sp3d/>
+    <dgm:txPr/>
+    <dgm:style>
+      <a:lnRef idx="2">
+        <a:scrgbClr r="0" g="0" b="0"/>
+      </a:lnRef>
+      <a:fillRef idx="1">
+        <a:scrgbClr r="0" g="0" b="0"/>
+      </a:fillRef>
+      <a:effectRef idx="0">
+        <a:scrgbClr r="0" g="0" b="0"/>
+      </a:effectRef>
+      <a:fontRef idx="minor"/>
+    </dgm:style>
+  </dgm:styleLbl>
+  <dgm:styleLbl name="bgShp">
+    <dgm:scene3d>
+      <a:camera prst="orthographicFront"/>
+      <a:lightRig rig="threePt" dir="t"/>
+    </dgm:scene3d>
+    <dgm:sp3d/>
+    <dgm:txPr/>
+    <dgm:style>
+      <a:lnRef idx="0">
+        <a:scrgbClr r="0" g="0" b="0"/>
+      </a:lnRef>
+      <a:fillRef idx="1">
+        <a:scrgbClr r="0" g="0" b="0"/>
+      </a:fillRef>
+      <a:effectRef idx="0">
+        <a:scrgbClr r="0" g="0" b="0"/>
+      </a:effectRef>
+      <a:fontRef idx="minor"/>
+    </dgm:style>
+  </dgm:styleLbl>
+  <dgm:styleLbl name="dkBgShp">
+    <dgm:scene3d>
+      <a:camera prst="orthographicFront"/>
+      <a:lightRig rig="threePt" dir="t"/>
+    </dgm:scene3d>
+    <dgm:sp3d/>
+    <dgm:txPr/>
+    <dgm:style>
+      <a:lnRef idx="0">
+        <a:scrgbClr r="0" g="0" b="0"/>
+      </a:lnRef>
+      <a:fillRef idx="1">
+        <a:scrgbClr r="0" g="0" b="0"/>
+      </a:fillRef>
+      <a:effectRef idx="0">
+        <a:scrgbClr r="0" g="0" b="0"/>
+      </a:effectRef>
+      <a:fontRef idx="minor"/>
+    </dgm:style>
+  </dgm:styleLbl>
+  <dgm:styleLbl name="trBgShp">
+    <dgm:scene3d>
+      <a:camera prst="orthographicFront"/>
+      <a:lightRig rig="threePt" dir="t"/>
+    </dgm:scene3d>
+    <dgm:sp3d/>
+    <dgm:txPr/>
+    <dgm:style>
+      <a:lnRef idx="0">
+        <a:scrgbClr r="0" g="0" b="0"/>
+      </a:lnRef>
+      <a:fillRef idx="1">
+        <a:scrgbClr r="0" g="0" b="0"/>
+      </a:fillRef>
+      <a:effectRef idx="0">
+        <a:scrgbClr r="0" g="0" b="0"/>
+      </a:effectRef>
+      <a:fontRef idx="minor"/>
+    </dgm:style>
+  </dgm:styleLbl>
+  <dgm:styleLbl name="fgShp">
+    <dgm:scene3d>
+      <a:camera prst="orthographicFront"/>
+      <a:lightRig rig="threePt" dir="t"/>
+    </dgm:scene3d>
+    <dgm:sp3d/>
+    <dgm:txPr/>
+    <dgm:style>
+      <a:lnRef idx="2">
+        <a:scrgbClr r="0" g="0" b="0"/>
+      </a:lnRef>
+      <a:fillRef idx="1">
+        <a:scrgbClr r="0" g="0" b="0"/>
+      </a:fillRef>
+      <a:effectRef idx="0">
+        <a:scrgbClr r="0" g="0" b="0"/>
+      </a:effectRef>
+      <a:fontRef idx="minor"/>
+    </dgm:style>
+  </dgm:styleLbl>
+  <dgm:styleLbl name="revTx">
+    <dgm:scene3d>
+      <a:camera prst="orthographicFront"/>
+      <a:lightRig rig="threePt" dir="t"/>
+    </dgm:scene3d>
+    <dgm:sp3d/>
+    <dgm:txPr/>
+    <dgm:style>
+      <a:lnRef idx="0">
+        <a:scrgbClr r="0" g="0" b="0"/>
+      </a:lnRef>
+      <a:fillRef idx="0">
+        <a:scrgbClr r="0" g="0" b="0"/>
+      </a:fillRef>
+      <a:effectRef idx="0">
+        <a:scrgbClr r="0" g="0" b="0"/>
+      </a:effectRef>
+      <a:fontRef idx="minor"/>
+    </dgm:style>
+  </dgm:styleLbl>
+</dgm:styleDef>
 </file>
 
 <file path=ppt/slideLayouts/slideLayout1.xml><?xml version="1.0" encoding="utf-8"?>
@@ -5668,104 +9351,37 @@
           </a:p>
         </p:txBody>
       </p:sp>
-      <p:sp>
-        <p:nvSpPr>
-          <p:cNvPr id="3" name="Content Placeholder 2">
+      <p:graphicFrame>
+        <p:nvGraphicFramePr>
+          <p:cNvPr id="3087" name="Content Placeholder 2">
             <a:extLst>
               <a:ext uri="{FF2B5EF4-FFF2-40B4-BE49-F238E27FC236}">
-                <a16:creationId xmlns:a16="http://schemas.microsoft.com/office/drawing/2014/main" id="{C256F1CC-05E9-1E9B-7E8E-90F62FE75999}"/>
+                <a16:creationId xmlns:a16="http://schemas.microsoft.com/office/drawing/2014/main" id="{E8729B6C-8D84-BA58-DB63-B130BEFBF4ED}"/>
               </a:ext>
             </a:extLst>
           </p:cNvPr>
-          <p:cNvSpPr>
-            <a:spLocks noGrp="1"/>
-          </p:cNvSpPr>
+          <p:cNvGraphicFramePr>
+            <a:graphicFrameLocks noGrp="1"/>
+          </p:cNvGraphicFramePr>
           <p:nvPr>
             <p:ph idx="1"/>
+            <p:extLst>
+              <p:ext uri="{D42A27DB-BD31-4B8C-83A1-F6EECF244321}">
+                <p14:modId xmlns:p14="http://schemas.microsoft.com/office/powerpoint/2010/main" val="3818320018"/>
+              </p:ext>
+            </p:extLst>
           </p:nvPr>
-        </p:nvSpPr>
-        <p:spPr>
-          <a:xfrm>
-            <a:off x="570314" y="2594372"/>
-            <a:ext cx="5361338" cy="4263631"/>
-          </a:xfrm>
-        </p:spPr>
-        <p:txBody>
-          <a:bodyPr>
-            <a:normAutofit/>
-          </a:bodyPr>
-          <a:lstStyle/>
-          <a:p>
-            <a:pPr marL="0" indent="0">
-              <a:buNone/>
-            </a:pPr>
-            <a:r>
-              <a:rPr lang="en-US" sz="1800" b="1" dirty="0" err="1"/>
-              <a:t>Longitud</a:t>
-            </a:r>
-            <a:r>
-              <a:rPr lang="en-US" sz="1800" b="1" dirty="0"/>
-              <a:t> total:</a:t>
-            </a:r>
-          </a:p>
-          <a:p>
-            <a:r>
-              <a:rPr lang="en-US" sz="1600" dirty="0"/>
-              <a:t>500 metros</a:t>
-            </a:r>
-          </a:p>
-          <a:p>
-            <a:pPr marL="0" indent="0">
-              <a:buNone/>
-            </a:pPr>
-            <a:r>
-              <a:rPr lang="en-US" sz="1800" b="1" dirty="0"/>
-              <a:t>Ancho : </a:t>
-            </a:r>
-          </a:p>
-          <a:p>
-            <a:r>
-              <a:rPr lang="en-US" sz="1600" dirty="0"/>
-              <a:t>3.5 metros</a:t>
-            </a:r>
-          </a:p>
-          <a:p>
-            <a:pPr marL="0" indent="0">
-              <a:buNone/>
-            </a:pPr>
-            <a:r>
-              <a:rPr lang="en-US" sz="1800" b="1" dirty="0" err="1"/>
-              <a:t>Volumenes</a:t>
-            </a:r>
-            <a:r>
-              <a:rPr lang="en-US" sz="1800" b="1" dirty="0"/>
-              <a:t>:</a:t>
-            </a:r>
-          </a:p>
-          <a:p>
-            <a:r>
-              <a:rPr lang="en-US" sz="1600" dirty="0" err="1"/>
-              <a:t>Concreto</a:t>
-            </a:r>
-            <a:r>
-              <a:rPr lang="en-US" sz="1600" dirty="0"/>
-              <a:t>:  525 m3</a:t>
-            </a:r>
-          </a:p>
-          <a:p>
-            <a:r>
-              <a:rPr lang="en-US" sz="1600" dirty="0"/>
-              <a:t>Arena:  1750 m3</a:t>
-            </a:r>
-          </a:p>
-          <a:p>
-            <a:r>
-              <a:rPr lang="en-US" sz="1600" dirty="0"/>
-              <a:t>Grava: 875 m3</a:t>
-            </a:r>
-          </a:p>
-        </p:txBody>
-      </p:sp>
+        </p:nvGraphicFramePr>
+        <p:xfrm>
+          <a:off x="237666" y="2390859"/>
+          <a:ext cx="5361338" cy="4263631"/>
+        </p:xfrm>
+        <a:graphic>
+          <a:graphicData uri="http://schemas.openxmlformats.org/drawingml/2006/diagram">
+            <dgm:relIds xmlns:dgm="http://schemas.openxmlformats.org/drawingml/2006/diagram" xmlns:r="http://schemas.openxmlformats.org/officeDocument/2006/relationships" r:dm="rId2" r:lo="rId3" r:qs="rId4" r:cs="rId5"/>
+          </a:graphicData>
+        </a:graphic>
+      </p:graphicFrame>
       <p:pic>
         <p:nvPicPr>
           <p:cNvPr id="5" name="Picture 4">
@@ -5781,7 +9397,7 @@
           <p:nvPr/>
         </p:nvPicPr>
         <p:blipFill>
-          <a:blip r:embed="rId2"/>
+          <a:blip r:embed="rId7"/>
           <a:srcRect l="8264"/>
           <a:stretch/>
         </p:blipFill>
@@ -5979,7 +9595,7 @@
           <p:nvPr/>
         </p:nvPicPr>
         <p:blipFill>
-          <a:blip r:embed="rId3">
+          <a:blip r:embed="rId8">
             <a:extLst>
               <a:ext uri="{28A0092B-C50C-407E-A947-70E740481C1C}">
                 <a14:useLocalDpi xmlns:a14="http://schemas.microsoft.com/office/drawing/2010/main" val="0"/>
@@ -5991,7 +9607,7 @@
         </p:blipFill>
         <p:spPr bwMode="auto">
           <a:xfrm>
-            <a:off x="5418837" y="2278582"/>
+            <a:off x="5564514" y="2340531"/>
             <a:ext cx="3770474" cy="3789987"/>
           </a:xfrm>
           <a:custGeom>
@@ -6726,7 +10342,7 @@
           <p:nvPr/>
         </p:nvPicPr>
         <p:blipFill>
-          <a:blip r:embed="rId4">
+          <a:blip r:embed="rId9">
             <a:extLst>
               <a:ext uri="{28A0092B-C50C-407E-A947-70E740481C1C}">
                 <a14:useLocalDpi xmlns:a14="http://schemas.microsoft.com/office/drawing/2010/main" val="0"/>
@@ -7007,12 +10623,51 @@
           </a:p>
         </p:txBody>
       </p:sp>
+      <p:cxnSp>
+        <p:nvCxnSpPr>
+          <p:cNvPr id="10" name="Straight Connector 9">
+            <a:extLst>
+              <a:ext uri="{FF2B5EF4-FFF2-40B4-BE49-F238E27FC236}">
+                <a16:creationId xmlns:a16="http://schemas.microsoft.com/office/drawing/2014/main" id="{A9CB5C76-C370-D7C7-01D7-D37654AE3A49}"/>
+              </a:ext>
+            </a:extLst>
+          </p:cNvPr>
+          <p:cNvCxnSpPr>
+            <a:cxnSpLocks/>
+            <a:endCxn id="3087" idx="2"/>
+          </p:cNvCxnSpPr>
+          <p:nvPr/>
+        </p:nvCxnSpPr>
+        <p:spPr>
+          <a:xfrm flipH="1">
+            <a:off x="2918335" y="2390859"/>
+            <a:ext cx="20723" cy="4263631"/>
+          </a:xfrm>
+          <a:prstGeom prst="line">
+            <a:avLst/>
+          </a:prstGeom>
+        </p:spPr>
+        <p:style>
+          <a:lnRef idx="2">
+            <a:schemeClr val="accent1"/>
+          </a:lnRef>
+          <a:fillRef idx="0">
+            <a:schemeClr val="accent1"/>
+          </a:fillRef>
+          <a:effectRef idx="1">
+            <a:schemeClr val="accent1"/>
+          </a:effectRef>
+          <a:fontRef idx="minor">
+            <a:schemeClr val="tx1"/>
+          </a:fontRef>
+        </p:style>
+      </p:cxnSp>
       <p:sp>
         <p:nvSpPr>
-          <p:cNvPr id="6" name="TextBox 5">
+          <p:cNvPr id="11" name="TextBox 10">
             <a:extLst>
               <a:ext uri="{FF2B5EF4-FFF2-40B4-BE49-F238E27FC236}">
-                <a16:creationId xmlns:a16="http://schemas.microsoft.com/office/drawing/2014/main" id="{B1EEC262-4399-91A0-9935-9CE10413847B}"/>
+                <a16:creationId xmlns:a16="http://schemas.microsoft.com/office/drawing/2014/main" id="{6D2394A0-E6BD-3C96-A610-2995C27DF4E6}"/>
               </a:ext>
             </a:extLst>
           </p:cNvPr>
@@ -7021,8 +10676,8 @@
         </p:nvSpPr>
         <p:spPr>
           <a:xfrm>
-            <a:off x="3396402" y="2594366"/>
-            <a:ext cx="1842684" cy="1815882"/>
+            <a:off x="3077437" y="2414881"/>
+            <a:ext cx="1806654" cy="461665"/>
           </a:xfrm>
           <a:prstGeom prst="rect">
             <a:avLst/>
@@ -7030,55 +10685,133 @@
           <a:noFill/>
         </p:spPr>
         <p:txBody>
-          <a:bodyPr wrap="none" rtlCol="0">
+          <a:bodyPr wrap="square" rtlCol="0">
             <a:spAutoFit/>
           </a:bodyPr>
           <a:lstStyle/>
           <a:p>
-            <a:pPr marL="0" indent="0">
-              <a:buNone/>
-            </a:pPr>
-            <a:r>
-              <a:rPr lang="en-US" sz="2000" b="1" dirty="0" err="1"/>
-              <a:t>Espesor</a:t>
-            </a:r>
-            <a:r>
-              <a:rPr lang="en-US" sz="2000" b="1" dirty="0"/>
-              <a:t>: </a:t>
-            </a:r>
-          </a:p>
-          <a:p>
-            <a:pPr marL="0" indent="0">
-              <a:buNone/>
-            </a:pPr>
-            <a:endParaRPr lang="en-US" sz="2000" b="1" dirty="0"/>
-          </a:p>
-          <a:p>
-            <a:r>
-              <a:rPr lang="en-US" sz="1800" dirty="0"/>
-              <a:t>0.30 m </a:t>
-            </a:r>
-            <a:r>
-              <a:rPr lang="en-US" sz="1800" dirty="0" err="1"/>
+            <a:r>
+              <a:rPr lang="es-MX" sz="2400" b="1" dirty="0"/>
+              <a:t>Volúmenes </a:t>
+            </a:r>
+            <a:endParaRPr lang="en-US" sz="2400" b="1" dirty="0"/>
+          </a:p>
+        </p:txBody>
+      </p:sp>
+      <p:sp>
+        <p:nvSpPr>
+          <p:cNvPr id="14" name="TextBox 13">
+            <a:extLst>
+              <a:ext uri="{FF2B5EF4-FFF2-40B4-BE49-F238E27FC236}">
+                <a16:creationId xmlns:a16="http://schemas.microsoft.com/office/drawing/2014/main" id="{A410D037-3EAD-6D6E-34E3-703AC5D5D384}"/>
+              </a:ext>
+            </a:extLst>
+          </p:cNvPr>
+          <p:cNvSpPr txBox="1"/>
+          <p:nvPr/>
+        </p:nvSpPr>
+        <p:spPr>
+          <a:xfrm>
+            <a:off x="3011216" y="2967438"/>
+            <a:ext cx="2656978" cy="738664"/>
+          </a:xfrm>
+          <a:prstGeom prst="rect">
+            <a:avLst/>
+          </a:prstGeom>
+          <a:noFill/>
+        </p:spPr>
+        <p:txBody>
+          <a:bodyPr wrap="square" rtlCol="0">
+            <a:spAutoFit/>
+          </a:bodyPr>
+          <a:lstStyle/>
+          <a:p>
+            <a:pPr lvl="0"/>
+            <a:r>
+              <a:rPr lang="en-US" sz="2400" dirty="0" err="1"/>
               <a:t>Concreto</a:t>
             </a:r>
-            <a:endParaRPr lang="en-US" sz="1800" dirty="0"/>
-          </a:p>
-          <a:p>
-            <a:r>
-              <a:rPr lang="en-US" sz="1800" dirty="0"/>
-              <a:t>0.50 m </a:t>
-            </a:r>
-            <a:r>
-              <a:rPr lang="en-US" sz="1800" dirty="0" err="1"/>
-              <a:t>grava</a:t>
-            </a:r>
-            <a:endParaRPr lang="en-US" sz="1800" dirty="0"/>
-          </a:p>
-          <a:p>
-            <a:r>
-              <a:rPr lang="en-US" sz="1800" dirty="0"/>
-              <a:t>1.0 m arena</a:t>
+            <a:r>
+              <a:rPr lang="en-US" sz="2400" dirty="0"/>
+              <a:t>:  525 m3</a:t>
+            </a:r>
+          </a:p>
+          <a:p>
+            <a:endParaRPr lang="en-US" dirty="0"/>
+          </a:p>
+        </p:txBody>
+      </p:sp>
+      <p:sp>
+        <p:nvSpPr>
+          <p:cNvPr id="17" name="TextBox 16">
+            <a:extLst>
+              <a:ext uri="{FF2B5EF4-FFF2-40B4-BE49-F238E27FC236}">
+                <a16:creationId xmlns:a16="http://schemas.microsoft.com/office/drawing/2014/main" id="{34ADD212-B3EA-229D-9E85-951563F903E4}"/>
+              </a:ext>
+            </a:extLst>
+          </p:cNvPr>
+          <p:cNvSpPr txBox="1"/>
+          <p:nvPr/>
+        </p:nvSpPr>
+        <p:spPr>
+          <a:xfrm>
+            <a:off x="3058088" y="3503453"/>
+            <a:ext cx="2459555" cy="738664"/>
+          </a:xfrm>
+          <a:prstGeom prst="rect">
+            <a:avLst/>
+          </a:prstGeom>
+          <a:noFill/>
+        </p:spPr>
+        <p:txBody>
+          <a:bodyPr wrap="square" rtlCol="0">
+            <a:spAutoFit/>
+          </a:bodyPr>
+          <a:lstStyle/>
+          <a:p>
+            <a:pPr lvl="0"/>
+            <a:r>
+              <a:rPr lang="en-US" sz="2400" dirty="0"/>
+              <a:t>Arena:  1750 m3</a:t>
+            </a:r>
+          </a:p>
+          <a:p>
+            <a:endParaRPr lang="en-US" dirty="0"/>
+          </a:p>
+        </p:txBody>
+      </p:sp>
+      <p:sp>
+        <p:nvSpPr>
+          <p:cNvPr id="18" name="TextBox 17">
+            <a:extLst>
+              <a:ext uri="{FF2B5EF4-FFF2-40B4-BE49-F238E27FC236}">
+                <a16:creationId xmlns:a16="http://schemas.microsoft.com/office/drawing/2014/main" id="{1E1218A7-A9E2-8FCB-A757-D0A218232FA3}"/>
+              </a:ext>
+            </a:extLst>
+          </p:cNvPr>
+          <p:cNvSpPr txBox="1"/>
+          <p:nvPr/>
+        </p:nvSpPr>
+        <p:spPr>
+          <a:xfrm>
+            <a:off x="3046140" y="4072866"/>
+            <a:ext cx="2459555" cy="738664"/>
+          </a:xfrm>
+          <a:prstGeom prst="rect">
+            <a:avLst/>
+          </a:prstGeom>
+          <a:noFill/>
+        </p:spPr>
+        <p:txBody>
+          <a:bodyPr wrap="square" rtlCol="0">
+            <a:spAutoFit/>
+          </a:bodyPr>
+          <a:lstStyle/>
+          <a:p>
+            <a:pPr lvl="0"/>
+            <a:r>
+              <a:rPr lang="en-US" sz="2400" dirty="0"/>
+              <a:t>Grava: 875 m3</a:t>
             </a:r>
           </a:p>
           <a:p>
@@ -7145,31 +10878,66 @@
           </a:p>
         </p:txBody>
       </p:sp>
-      <p:sp>
-        <p:nvSpPr>
-          <p:cNvPr id="3" name="Content Placeholder 2">
+      <p:pic>
+        <p:nvPicPr>
+          <p:cNvPr id="5" name="Picture 4">
             <a:extLst>
               <a:ext uri="{FF2B5EF4-FFF2-40B4-BE49-F238E27FC236}">
-                <a16:creationId xmlns:a16="http://schemas.microsoft.com/office/drawing/2014/main" id="{ED9AAF39-FAE8-A6E6-4E09-A961325B3D62}"/>
+                <a16:creationId xmlns:a16="http://schemas.microsoft.com/office/drawing/2014/main" id="{E99D6867-A433-9FCF-2DE5-1F05947ABE1F}"/>
               </a:ext>
             </a:extLst>
           </p:cNvPr>
-          <p:cNvSpPr>
-            <a:spLocks noGrp="1"/>
-          </p:cNvSpPr>
-          <p:nvPr>
-            <p:ph idx="1"/>
-          </p:nvPr>
-        </p:nvSpPr>
-        <p:spPr/>
-        <p:txBody>
-          <a:bodyPr/>
-          <a:lstStyle/>
-          <a:p>
-            <a:endParaRPr lang="en-US" dirty="0"/>
-          </a:p>
-        </p:txBody>
-      </p:sp>
+          <p:cNvPicPr>
+            <a:picLocks noChangeAspect="1"/>
+          </p:cNvPicPr>
+          <p:nvPr/>
+        </p:nvPicPr>
+        <p:blipFill>
+          <a:blip r:embed="rId2"/>
+          <a:stretch>
+            <a:fillRect/>
+          </a:stretch>
+        </p:blipFill>
+        <p:spPr>
+          <a:xfrm>
+            <a:off x="652075" y="2161211"/>
+            <a:ext cx="2995797" cy="919288"/>
+          </a:xfrm>
+          <a:prstGeom prst="rect">
+            <a:avLst/>
+          </a:prstGeom>
+        </p:spPr>
+      </p:pic>
+      <p:pic>
+        <p:nvPicPr>
+          <p:cNvPr id="7" name="Picture 6">
+            <a:extLst>
+              <a:ext uri="{FF2B5EF4-FFF2-40B4-BE49-F238E27FC236}">
+                <a16:creationId xmlns:a16="http://schemas.microsoft.com/office/drawing/2014/main" id="{2B4F9ABB-B05F-E556-0260-938BD284B754}"/>
+              </a:ext>
+            </a:extLst>
+          </p:cNvPr>
+          <p:cNvPicPr>
+            <a:picLocks noChangeAspect="1"/>
+          </p:cNvPicPr>
+          <p:nvPr/>
+        </p:nvPicPr>
+        <p:blipFill>
+          <a:blip r:embed="rId3"/>
+          <a:stretch>
+            <a:fillRect/>
+          </a:stretch>
+        </p:blipFill>
+        <p:spPr>
+          <a:xfrm>
+            <a:off x="652075" y="3946267"/>
+            <a:ext cx="2995797" cy="2107213"/>
+          </a:xfrm>
+          <a:prstGeom prst="rect">
+            <a:avLst/>
+          </a:prstGeom>
+        </p:spPr>
+      </p:pic>
     </p:spTree>
     <p:extLst>
       <p:ext uri="{BB962C8B-B14F-4D97-AF65-F5344CB8AC3E}">

--- a/Proyectomodulo2_LopezM_PadillaA_OrozcoJ..pptx
+++ b/Proyectomodulo2_LopezM_PadillaA_OrozcoJ..pptx
@@ -9,9 +9,16 @@
     <p:sldId id="258" r:id="rId3"/>
     <p:sldId id="259" r:id="rId4"/>
     <p:sldId id="260" r:id="rId5"/>
-    <p:sldId id="261" r:id="rId6"/>
-    <p:sldId id="263" r:id="rId7"/>
-    <p:sldId id="262" r:id="rId8"/>
+    <p:sldId id="264" r:id="rId6"/>
+    <p:sldId id="265" r:id="rId7"/>
+    <p:sldId id="266" r:id="rId8"/>
+    <p:sldId id="263" r:id="rId9"/>
+    <p:sldId id="267" r:id="rId10"/>
+    <p:sldId id="262" r:id="rId11"/>
+    <p:sldId id="268" r:id="rId12"/>
+    <p:sldId id="269" r:id="rId13"/>
+    <p:sldId id="270" r:id="rId14"/>
+    <p:sldId id="271" r:id="rId15"/>
   </p:sldIdLst>
   <p:sldSz cx="12192000" cy="6858000"/>
   <p:notesSz cx="6858000" cy="9144000"/>
@@ -110,6 +117,11 @@
       </a:defRPr>
     </a:lvl9pPr>
   </p:defaultTextStyle>
+  <p:extLst>
+    <p:ext uri="{EFAFB233-063F-42B5-8137-9DF3F51BA10A}">
+      <p15:sldGuideLst xmlns:p15="http://schemas.microsoft.com/office/powerpoint/2012/main"/>
+    </p:ext>
+  </p:extLst>
 </p:presentation>
 </file>
 
@@ -882,12 +894,8 @@
         <a:lstStyle/>
         <a:p>
           <a:r>
-            <a:rPr lang="en-US" b="1" dirty="0" err="1"/>
-            <a:t>Longitud</a:t>
-          </a:r>
-          <a:r>
             <a:rPr lang="en-US" b="1" dirty="0"/>
-            <a:t> total</a:t>
+            <a:t>Longitud total</a:t>
           </a:r>
           <a:endParaRPr lang="en-US" dirty="0"/>
         </a:p>
@@ -1032,12 +1040,8 @@
         <a:lstStyle/>
         <a:p>
           <a:r>
-            <a:rPr lang="en-US" b="1" dirty="0" err="1"/>
-            <a:t>Espesor</a:t>
-          </a:r>
-          <a:r>
             <a:rPr lang="en-US" b="1" dirty="0"/>
-            <a:t> </a:t>
+            <a:t>Espesor </a:t>
           </a:r>
           <a:endParaRPr lang="en-US" dirty="0"/>
         </a:p>
@@ -1074,13 +1078,8 @@
         <a:p>
           <a:r>
             <a:rPr lang="en-US" dirty="0"/>
-            <a:t>0.30 m </a:t>
+            <a:t>0.30 m Concreto</a:t>
           </a:r>
-          <a:r>
-            <a:rPr lang="en-US" dirty="0" err="1"/>
-            <a:t>Concreto</a:t>
-          </a:r>
-          <a:endParaRPr lang="en-US" dirty="0"/>
         </a:p>
       </dgm:t>
     </dgm:pt>
@@ -1115,13 +1114,8 @@
         <a:p>
           <a:r>
             <a:rPr lang="en-US" dirty="0"/>
-            <a:t>0.50 m </a:t>
+            <a:t>0.50 m grava</a:t>
           </a:r>
-          <a:r>
-            <a:rPr lang="en-US" dirty="0" err="1"/>
-            <a:t>grava</a:t>
-          </a:r>
-          <a:endParaRPr lang="en-US" dirty="0"/>
         </a:p>
       </dgm:t>
     </dgm:pt>
@@ -1491,12 +1485,8 @@
             <a:buNone/>
           </a:pPr>
           <a:r>
-            <a:rPr lang="en-US" sz="2400" b="1" kern="1200" dirty="0" err="1"/>
-            <a:t>Longitud</a:t>
-          </a:r>
-          <a:r>
             <a:rPr lang="en-US" sz="2400" b="1" kern="1200" dirty="0"/>
-            <a:t> total</a:t>
+            <a:t>Longitud total</a:t>
           </a:r>
           <a:endParaRPr lang="en-US" sz="2400" kern="1200" dirty="0"/>
         </a:p>
@@ -1937,12 +1927,8 @@
             <a:buNone/>
           </a:pPr>
           <a:r>
-            <a:rPr lang="en-US" sz="2400" b="1" kern="1200" dirty="0" err="1"/>
-            <a:t>Espesor</a:t>
-          </a:r>
-          <a:r>
             <a:rPr lang="en-US" sz="2400" b="1" kern="1200" dirty="0"/>
-            <a:t> </a:t>
+            <a:t>Espesor </a:t>
           </a:r>
           <a:endParaRPr lang="en-US" sz="2400" kern="1200" dirty="0"/>
         </a:p>
@@ -2053,13 +2039,8 @@
           </a:pPr>
           <a:r>
             <a:rPr lang="en-US" sz="2400" kern="1200" dirty="0"/>
-            <a:t>0.30 m </a:t>
+            <a:t>0.30 m Concreto</a:t>
           </a:r>
-          <a:r>
-            <a:rPr lang="en-US" sz="2400" kern="1200" dirty="0" err="1"/>
-            <a:t>Concreto</a:t>
-          </a:r>
-          <a:endParaRPr lang="en-US" sz="2400" kern="1200" dirty="0"/>
         </a:p>
       </dsp:txBody>
       <dsp:txXfrm>
@@ -2168,13 +2149,8 @@
           </a:pPr>
           <a:r>
             <a:rPr lang="en-US" sz="2400" kern="1200" dirty="0"/>
-            <a:t>0.50 m </a:t>
+            <a:t>0.50 m grava</a:t>
           </a:r>
-          <a:r>
-            <a:rPr lang="en-US" sz="2400" kern="1200" dirty="0" err="1"/>
-            <a:t>grava</a:t>
-          </a:r>
-          <a:endParaRPr lang="en-US" sz="2400" kern="1200" dirty="0"/>
         </a:p>
       </dsp:txBody>
       <dsp:txXfrm>
@@ -3943,9 +3919,9 @@
           <a:p>
             <a:fld id="{DA6E3CAA-15DE-4E60-86D2-75A36C8179A5}" type="datetimeFigureOut">
               <a:rPr lang="en-US" smtClean="0"/>
-              <a:t>10/30/2024</a:t>
+              <a:t>10/31/2024</a:t>
             </a:fld>
-            <a:endParaRPr lang="en-US"/>
+            <a:endParaRPr lang="en-US" dirty="0"/>
           </a:p>
         </p:txBody>
       </p:sp>
@@ -3970,7 +3946,7 @@
           <a:bodyPr/>
           <a:lstStyle/>
           <a:p>
-            <a:endParaRPr lang="en-US"/>
+            <a:endParaRPr lang="en-US" dirty="0"/>
           </a:p>
         </p:txBody>
       </p:sp>
@@ -3997,9 +3973,9 @@
           <a:p>
             <a:fld id="{30126508-2FFF-4275-8309-B57EFE4B760C}" type="slidenum">
               <a:rPr lang="en-US" smtClean="0"/>
-              <a:t>‹#›</a:t>
+              <a:t>‹Nº›</a:t>
             </a:fld>
-            <a:endParaRPr lang="en-US"/>
+            <a:endParaRPr lang="en-US" dirty="0"/>
           </a:p>
         </p:txBody>
       </p:sp>
@@ -4141,9 +4117,9 @@
           <a:p>
             <a:fld id="{DA6E3CAA-15DE-4E60-86D2-75A36C8179A5}" type="datetimeFigureOut">
               <a:rPr lang="en-US" smtClean="0"/>
-              <a:t>10/30/2024</a:t>
+              <a:t>10/31/2024</a:t>
             </a:fld>
-            <a:endParaRPr lang="en-US"/>
+            <a:endParaRPr lang="en-US" dirty="0"/>
           </a:p>
         </p:txBody>
       </p:sp>
@@ -4168,7 +4144,7 @@
           <a:bodyPr/>
           <a:lstStyle/>
           <a:p>
-            <a:endParaRPr lang="en-US"/>
+            <a:endParaRPr lang="en-US" dirty="0"/>
           </a:p>
         </p:txBody>
       </p:sp>
@@ -4195,9 +4171,9 @@
           <a:p>
             <a:fld id="{30126508-2FFF-4275-8309-B57EFE4B760C}" type="slidenum">
               <a:rPr lang="en-US" smtClean="0"/>
-              <a:t>‹#›</a:t>
+              <a:t>‹Nº›</a:t>
             </a:fld>
-            <a:endParaRPr lang="en-US"/>
+            <a:endParaRPr lang="en-US" dirty="0"/>
           </a:p>
         </p:txBody>
       </p:sp>
@@ -4349,9 +4325,9 @@
           <a:p>
             <a:fld id="{DA6E3CAA-15DE-4E60-86D2-75A36C8179A5}" type="datetimeFigureOut">
               <a:rPr lang="en-US" smtClean="0"/>
-              <a:t>10/30/2024</a:t>
+              <a:t>10/31/2024</a:t>
             </a:fld>
-            <a:endParaRPr lang="en-US"/>
+            <a:endParaRPr lang="en-US" dirty="0"/>
           </a:p>
         </p:txBody>
       </p:sp>
@@ -4376,7 +4352,7 @@
           <a:bodyPr/>
           <a:lstStyle/>
           <a:p>
-            <a:endParaRPr lang="en-US"/>
+            <a:endParaRPr lang="en-US" dirty="0"/>
           </a:p>
         </p:txBody>
       </p:sp>
@@ -4403,9 +4379,9 @@
           <a:p>
             <a:fld id="{30126508-2FFF-4275-8309-B57EFE4B760C}" type="slidenum">
               <a:rPr lang="en-US" smtClean="0"/>
-              <a:t>‹#›</a:t>
+              <a:t>‹Nº›</a:t>
             </a:fld>
-            <a:endParaRPr lang="en-US"/>
+            <a:endParaRPr lang="en-US" dirty="0"/>
           </a:p>
         </p:txBody>
       </p:sp>
@@ -4547,9 +4523,9 @@
           <a:p>
             <a:fld id="{DA6E3CAA-15DE-4E60-86D2-75A36C8179A5}" type="datetimeFigureOut">
               <a:rPr lang="en-US" smtClean="0"/>
-              <a:t>10/30/2024</a:t>
+              <a:t>10/31/2024</a:t>
             </a:fld>
-            <a:endParaRPr lang="en-US"/>
+            <a:endParaRPr lang="en-US" dirty="0"/>
           </a:p>
         </p:txBody>
       </p:sp>
@@ -4574,7 +4550,7 @@
           <a:bodyPr/>
           <a:lstStyle/>
           <a:p>
-            <a:endParaRPr lang="en-US"/>
+            <a:endParaRPr lang="en-US" dirty="0"/>
           </a:p>
         </p:txBody>
       </p:sp>
@@ -4601,9 +4577,9 @@
           <a:p>
             <a:fld id="{30126508-2FFF-4275-8309-B57EFE4B760C}" type="slidenum">
               <a:rPr lang="en-US" smtClean="0"/>
-              <a:t>‹#›</a:t>
+              <a:t>‹Nº›</a:t>
             </a:fld>
-            <a:endParaRPr lang="en-US"/>
+            <a:endParaRPr lang="en-US" dirty="0"/>
           </a:p>
         </p:txBody>
       </p:sp>
@@ -4822,9 +4798,9 @@
           <a:p>
             <a:fld id="{DA6E3CAA-15DE-4E60-86D2-75A36C8179A5}" type="datetimeFigureOut">
               <a:rPr lang="en-US" smtClean="0"/>
-              <a:t>10/30/2024</a:t>
+              <a:t>10/31/2024</a:t>
             </a:fld>
-            <a:endParaRPr lang="en-US"/>
+            <a:endParaRPr lang="en-US" dirty="0"/>
           </a:p>
         </p:txBody>
       </p:sp>
@@ -4849,7 +4825,7 @@
           <a:bodyPr/>
           <a:lstStyle/>
           <a:p>
-            <a:endParaRPr lang="en-US"/>
+            <a:endParaRPr lang="en-US" dirty="0"/>
           </a:p>
         </p:txBody>
       </p:sp>
@@ -4876,9 +4852,9 @@
           <a:p>
             <a:fld id="{30126508-2FFF-4275-8309-B57EFE4B760C}" type="slidenum">
               <a:rPr lang="en-US" smtClean="0"/>
-              <a:t>‹#›</a:t>
+              <a:t>‹Nº›</a:t>
             </a:fld>
-            <a:endParaRPr lang="en-US"/>
+            <a:endParaRPr lang="en-US" dirty="0"/>
           </a:p>
         </p:txBody>
       </p:sp>
@@ -5087,9 +5063,9 @@
           <a:p>
             <a:fld id="{DA6E3CAA-15DE-4E60-86D2-75A36C8179A5}" type="datetimeFigureOut">
               <a:rPr lang="en-US" smtClean="0"/>
-              <a:t>10/30/2024</a:t>
+              <a:t>10/31/2024</a:t>
             </a:fld>
-            <a:endParaRPr lang="en-US"/>
+            <a:endParaRPr lang="en-US" dirty="0"/>
           </a:p>
         </p:txBody>
       </p:sp>
@@ -5114,7 +5090,7 @@
           <a:bodyPr/>
           <a:lstStyle/>
           <a:p>
-            <a:endParaRPr lang="en-US"/>
+            <a:endParaRPr lang="en-US" dirty="0"/>
           </a:p>
         </p:txBody>
       </p:sp>
@@ -5141,9 +5117,9 @@
           <a:p>
             <a:fld id="{30126508-2FFF-4275-8309-B57EFE4B760C}" type="slidenum">
               <a:rPr lang="en-US" smtClean="0"/>
-              <a:t>‹#›</a:t>
+              <a:t>‹Nº›</a:t>
             </a:fld>
-            <a:endParaRPr lang="en-US"/>
+            <a:endParaRPr lang="en-US" dirty="0"/>
           </a:p>
         </p:txBody>
       </p:sp>
@@ -5499,9 +5475,9 @@
           <a:p>
             <a:fld id="{DA6E3CAA-15DE-4E60-86D2-75A36C8179A5}" type="datetimeFigureOut">
               <a:rPr lang="en-US" smtClean="0"/>
-              <a:t>10/30/2024</a:t>
+              <a:t>10/31/2024</a:t>
             </a:fld>
-            <a:endParaRPr lang="en-US"/>
+            <a:endParaRPr lang="en-US" dirty="0"/>
           </a:p>
         </p:txBody>
       </p:sp>
@@ -5526,7 +5502,7 @@
           <a:bodyPr/>
           <a:lstStyle/>
           <a:p>
-            <a:endParaRPr lang="en-US"/>
+            <a:endParaRPr lang="en-US" dirty="0"/>
           </a:p>
         </p:txBody>
       </p:sp>
@@ -5553,9 +5529,9 @@
           <a:p>
             <a:fld id="{30126508-2FFF-4275-8309-B57EFE4B760C}" type="slidenum">
               <a:rPr lang="en-US" smtClean="0"/>
-              <a:t>‹#›</a:t>
+              <a:t>‹Nº›</a:t>
             </a:fld>
-            <a:endParaRPr lang="en-US"/>
+            <a:endParaRPr lang="en-US" dirty="0"/>
           </a:p>
         </p:txBody>
       </p:sp>
@@ -5640,9 +5616,9 @@
           <a:p>
             <a:fld id="{DA6E3CAA-15DE-4E60-86D2-75A36C8179A5}" type="datetimeFigureOut">
               <a:rPr lang="en-US" smtClean="0"/>
-              <a:t>10/30/2024</a:t>
+              <a:t>10/31/2024</a:t>
             </a:fld>
-            <a:endParaRPr lang="en-US"/>
+            <a:endParaRPr lang="en-US" dirty="0"/>
           </a:p>
         </p:txBody>
       </p:sp>
@@ -5667,7 +5643,7 @@
           <a:bodyPr/>
           <a:lstStyle/>
           <a:p>
-            <a:endParaRPr lang="en-US"/>
+            <a:endParaRPr lang="en-US" dirty="0"/>
           </a:p>
         </p:txBody>
       </p:sp>
@@ -5694,9 +5670,9 @@
           <a:p>
             <a:fld id="{30126508-2FFF-4275-8309-B57EFE4B760C}" type="slidenum">
               <a:rPr lang="en-US" smtClean="0"/>
-              <a:t>‹#›</a:t>
+              <a:t>‹Nº›</a:t>
             </a:fld>
-            <a:endParaRPr lang="en-US"/>
+            <a:endParaRPr lang="en-US" dirty="0"/>
           </a:p>
         </p:txBody>
       </p:sp>
@@ -5753,9 +5729,9 @@
           <a:p>
             <a:fld id="{DA6E3CAA-15DE-4E60-86D2-75A36C8179A5}" type="datetimeFigureOut">
               <a:rPr lang="en-US" smtClean="0"/>
-              <a:t>10/30/2024</a:t>
+              <a:t>10/31/2024</a:t>
             </a:fld>
-            <a:endParaRPr lang="en-US"/>
+            <a:endParaRPr lang="en-US" dirty="0"/>
           </a:p>
         </p:txBody>
       </p:sp>
@@ -5780,7 +5756,7 @@
           <a:bodyPr/>
           <a:lstStyle/>
           <a:p>
-            <a:endParaRPr lang="en-US"/>
+            <a:endParaRPr lang="en-US" dirty="0"/>
           </a:p>
         </p:txBody>
       </p:sp>
@@ -5807,9 +5783,9 @@
           <a:p>
             <a:fld id="{30126508-2FFF-4275-8309-B57EFE4B760C}" type="slidenum">
               <a:rPr lang="en-US" smtClean="0"/>
-              <a:t>‹#›</a:t>
+              <a:t>‹Nº›</a:t>
             </a:fld>
-            <a:endParaRPr lang="en-US"/>
+            <a:endParaRPr lang="en-US" dirty="0"/>
           </a:p>
         </p:txBody>
       </p:sp>
@@ -6064,9 +6040,9 @@
           <a:p>
             <a:fld id="{DA6E3CAA-15DE-4E60-86D2-75A36C8179A5}" type="datetimeFigureOut">
               <a:rPr lang="en-US" smtClean="0"/>
-              <a:t>10/30/2024</a:t>
+              <a:t>10/31/2024</a:t>
             </a:fld>
-            <a:endParaRPr lang="en-US"/>
+            <a:endParaRPr lang="en-US" dirty="0"/>
           </a:p>
         </p:txBody>
       </p:sp>
@@ -6091,7 +6067,7 @@
           <a:bodyPr/>
           <a:lstStyle/>
           <a:p>
-            <a:endParaRPr lang="en-US"/>
+            <a:endParaRPr lang="en-US" dirty="0"/>
           </a:p>
         </p:txBody>
       </p:sp>
@@ -6118,9 +6094,9 @@
           <a:p>
             <a:fld id="{30126508-2FFF-4275-8309-B57EFE4B760C}" type="slidenum">
               <a:rPr lang="en-US" smtClean="0"/>
-              <a:t>‹#›</a:t>
+              <a:t>‹Nº›</a:t>
             </a:fld>
-            <a:endParaRPr lang="en-US"/>
+            <a:endParaRPr lang="en-US" dirty="0"/>
           </a:p>
         </p:txBody>
       </p:sp>
@@ -6254,7 +6230,7 @@
             </a:lvl9pPr>
           </a:lstStyle>
           <a:p>
-            <a:endParaRPr lang="en-US"/>
+            <a:endParaRPr lang="en-US" dirty="0"/>
           </a:p>
         </p:txBody>
       </p:sp>
@@ -6352,9 +6328,9 @@
           <a:p>
             <a:fld id="{DA6E3CAA-15DE-4E60-86D2-75A36C8179A5}" type="datetimeFigureOut">
               <a:rPr lang="en-US" smtClean="0"/>
-              <a:t>10/30/2024</a:t>
+              <a:t>10/31/2024</a:t>
             </a:fld>
-            <a:endParaRPr lang="en-US"/>
+            <a:endParaRPr lang="en-US" dirty="0"/>
           </a:p>
         </p:txBody>
       </p:sp>
@@ -6379,7 +6355,7 @@
           <a:bodyPr/>
           <a:lstStyle/>
           <a:p>
-            <a:endParaRPr lang="en-US"/>
+            <a:endParaRPr lang="en-US" dirty="0"/>
           </a:p>
         </p:txBody>
       </p:sp>
@@ -6406,9 +6382,9 @@
           <a:p>
             <a:fld id="{30126508-2FFF-4275-8309-B57EFE4B760C}" type="slidenum">
               <a:rPr lang="en-US" smtClean="0"/>
-              <a:t>‹#›</a:t>
+              <a:t>‹Nº›</a:t>
             </a:fld>
-            <a:endParaRPr lang="en-US"/>
+            <a:endParaRPr lang="en-US" dirty="0"/>
           </a:p>
         </p:txBody>
       </p:sp>
@@ -6593,9 +6569,9 @@
           <a:p>
             <a:fld id="{DA6E3CAA-15DE-4E60-86D2-75A36C8179A5}" type="datetimeFigureOut">
               <a:rPr lang="en-US" smtClean="0"/>
-              <a:t>10/30/2024</a:t>
+              <a:t>10/31/2024</a:t>
             </a:fld>
-            <a:endParaRPr lang="en-US"/>
+            <a:endParaRPr lang="en-US" dirty="0"/>
           </a:p>
         </p:txBody>
       </p:sp>
@@ -6638,7 +6614,7 @@
             </a:lvl1pPr>
           </a:lstStyle>
           <a:p>
-            <a:endParaRPr lang="en-US"/>
+            <a:endParaRPr lang="en-US" dirty="0"/>
           </a:p>
         </p:txBody>
       </p:sp>
@@ -6683,9 +6659,9 @@
           <a:p>
             <a:fld id="{30126508-2FFF-4275-8309-B57EFE4B760C}" type="slidenum">
               <a:rPr lang="en-US" smtClean="0"/>
-              <a:t>‹#›</a:t>
+              <a:t>‹Nº›</a:t>
             </a:fld>
-            <a:endParaRPr lang="en-US"/>
+            <a:endParaRPr lang="en-US" dirty="0"/>
           </a:p>
         </p:txBody>
       </p:sp>
@@ -7060,7 +7036,7 @@
         </p:nvSpPr>
         <p:spPr>
           <a:xfrm>
-            <a:off x="7569773" y="4848839"/>
+            <a:off x="7633233" y="3606144"/>
             <a:ext cx="4291559" cy="1938992"/>
           </a:xfrm>
           <a:prstGeom prst="rect">
@@ -7191,7 +7167,7 @@
         </p:nvSpPr>
         <p:spPr>
           <a:xfrm>
-            <a:off x="1944065" y="2622003"/>
+            <a:off x="1944062" y="1580603"/>
             <a:ext cx="8303876" cy="1384995"/>
           </a:xfrm>
           <a:prstGeom prst="rect">
@@ -7277,10 +7253,898 @@
           </a:p>
         </p:txBody>
       </p:sp>
+      <p:pic>
+        <p:nvPicPr>
+          <p:cNvPr id="2050" name="Picture 2" descr="Foto: Colado de Vialidad Interior de Espacios Ejecutivos Eje 3 #364441 ...">
+            <a:extLst>
+              <a:ext uri="{FF2B5EF4-FFF2-40B4-BE49-F238E27FC236}">
+                <a16:creationId xmlns:a16="http://schemas.microsoft.com/office/drawing/2014/main" id="{E5C96065-3507-6B78-CFCF-4EBEBF07C369}"/>
+              </a:ext>
+            </a:extLst>
+          </p:cNvPr>
+          <p:cNvPicPr>
+            <a:picLocks noChangeAspect="1" noChangeArrowheads="1"/>
+          </p:cNvPicPr>
+          <p:nvPr/>
+        </p:nvPicPr>
+        <p:blipFill>
+          <a:blip r:embed="rId3">
+            <a:extLst>
+              <a:ext uri="{28A0092B-C50C-407E-A947-70E740481C1C}">
+                <a14:useLocalDpi xmlns:a14="http://schemas.microsoft.com/office/drawing/2010/main" val="0"/>
+              </a:ext>
+            </a:extLst>
+          </a:blip>
+          <a:srcRect/>
+          <a:stretch>
+            <a:fillRect/>
+          </a:stretch>
+        </p:blipFill>
+        <p:spPr bwMode="auto">
+          <a:xfrm>
+            <a:off x="825499" y="2737782"/>
+            <a:ext cx="6524941" cy="3675717"/>
+          </a:xfrm>
+          <a:prstGeom prst="rect">
+            <a:avLst/>
+          </a:prstGeom>
+          <a:noFill/>
+          <a:extLst>
+            <a:ext uri="{909E8E84-426E-40DD-AFC4-6F175D3DCCD1}">
+              <a14:hiddenFill xmlns:a14="http://schemas.microsoft.com/office/drawing/2010/main">
+                <a:solidFill>
+                  <a:srgbClr val="FFFFFF"/>
+                </a:solidFill>
+              </a14:hiddenFill>
+            </a:ext>
+          </a:extLst>
+        </p:spPr>
+      </p:pic>
     </p:spTree>
     <p:extLst>
       <p:ext uri="{BB962C8B-B14F-4D97-AF65-F5344CB8AC3E}">
         <p14:creationId xmlns:p14="http://schemas.microsoft.com/office/powerpoint/2010/main" val="950471144"/>
+      </p:ext>
+    </p:extLst>
+  </p:cSld>
+  <p:clrMapOvr>
+    <a:masterClrMapping/>
+  </p:clrMapOvr>
+</p:sld>
+</file>
+
+<file path=ppt/slides/slide10.xml><?xml version="1.0" encoding="utf-8"?>
+<p:sld xmlns:a="http://schemas.openxmlformats.org/drawingml/2006/main" xmlns:r="http://schemas.openxmlformats.org/officeDocument/2006/relationships" xmlns:p="http://schemas.openxmlformats.org/presentationml/2006/main">
+  <p:cSld>
+    <p:spTree>
+      <p:nvGrpSpPr>
+        <p:cNvPr id="1" name=""/>
+        <p:cNvGrpSpPr/>
+        <p:nvPr/>
+      </p:nvGrpSpPr>
+      <p:grpSpPr>
+        <a:xfrm>
+          <a:off x="0" y="0"/>
+          <a:ext cx="0" cy="0"/>
+          <a:chOff x="0" y="0"/>
+          <a:chExt cx="0" cy="0"/>
+        </a:xfrm>
+      </p:grpSpPr>
+      <p:sp>
+        <p:nvSpPr>
+          <p:cNvPr id="2" name="Title 1">
+            <a:extLst>
+              <a:ext uri="{FF2B5EF4-FFF2-40B4-BE49-F238E27FC236}">
+                <a16:creationId xmlns:a16="http://schemas.microsoft.com/office/drawing/2014/main" id="{A2F255B4-E3AD-F94D-7EF4-D70CCC5A3BEB}"/>
+              </a:ext>
+            </a:extLst>
+          </p:cNvPr>
+          <p:cNvSpPr>
+            <a:spLocks noGrp="1"/>
+          </p:cNvSpPr>
+          <p:nvPr>
+            <p:ph type="title"/>
+          </p:nvPr>
+        </p:nvSpPr>
+        <p:spPr/>
+        <p:txBody>
+          <a:bodyPr/>
+          <a:lstStyle/>
+          <a:p>
+            <a:r>
+              <a:rPr lang="es-MX" dirty="0"/>
+              <a:t>Identificación de costos</a:t>
+            </a:r>
+            <a:endParaRPr lang="en-US" dirty="0"/>
+          </a:p>
+        </p:txBody>
+      </p:sp>
+      <p:pic>
+        <p:nvPicPr>
+          <p:cNvPr id="5" name="Picture 4">
+            <a:extLst>
+              <a:ext uri="{FF2B5EF4-FFF2-40B4-BE49-F238E27FC236}">
+                <a16:creationId xmlns:a16="http://schemas.microsoft.com/office/drawing/2014/main" id="{E99D6867-A433-9FCF-2DE5-1F05947ABE1F}"/>
+              </a:ext>
+            </a:extLst>
+          </p:cNvPr>
+          <p:cNvPicPr>
+            <a:picLocks noChangeAspect="1"/>
+          </p:cNvPicPr>
+          <p:nvPr/>
+        </p:nvPicPr>
+        <p:blipFill>
+          <a:blip r:embed="rId2"/>
+          <a:stretch>
+            <a:fillRect/>
+          </a:stretch>
+        </p:blipFill>
+        <p:spPr>
+          <a:xfrm>
+            <a:off x="2570640" y="1690688"/>
+            <a:ext cx="2995797" cy="919288"/>
+          </a:xfrm>
+          <a:prstGeom prst="rect">
+            <a:avLst/>
+          </a:prstGeom>
+        </p:spPr>
+      </p:pic>
+      <p:pic>
+        <p:nvPicPr>
+          <p:cNvPr id="7" name="Picture 6">
+            <a:extLst>
+              <a:ext uri="{FF2B5EF4-FFF2-40B4-BE49-F238E27FC236}">
+                <a16:creationId xmlns:a16="http://schemas.microsoft.com/office/drawing/2014/main" id="{2B4F9ABB-B05F-E556-0260-938BD284B754}"/>
+              </a:ext>
+            </a:extLst>
+          </p:cNvPr>
+          <p:cNvPicPr>
+            <a:picLocks noChangeAspect="1"/>
+          </p:cNvPicPr>
+          <p:nvPr/>
+        </p:nvPicPr>
+        <p:blipFill>
+          <a:blip r:embed="rId3"/>
+          <a:stretch>
+            <a:fillRect/>
+          </a:stretch>
+        </p:blipFill>
+        <p:spPr>
+          <a:xfrm>
+            <a:off x="2554267" y="3946267"/>
+            <a:ext cx="2995797" cy="2107213"/>
+          </a:xfrm>
+          <a:prstGeom prst="rect">
+            <a:avLst/>
+          </a:prstGeom>
+        </p:spPr>
+      </p:pic>
+      <p:pic>
+        <p:nvPicPr>
+          <p:cNvPr id="4" name="Imagen 3">
+            <a:extLst>
+              <a:ext uri="{FF2B5EF4-FFF2-40B4-BE49-F238E27FC236}">
+                <a16:creationId xmlns:a16="http://schemas.microsoft.com/office/drawing/2014/main" id="{CAE62AD0-D078-2D92-3F8C-B601B685A428}"/>
+              </a:ext>
+            </a:extLst>
+          </p:cNvPr>
+          <p:cNvPicPr>
+            <a:picLocks noChangeAspect="1"/>
+          </p:cNvPicPr>
+          <p:nvPr/>
+        </p:nvPicPr>
+        <p:blipFill>
+          <a:blip r:embed="rId4"/>
+          <a:stretch>
+            <a:fillRect/>
+          </a:stretch>
+        </p:blipFill>
+        <p:spPr>
+          <a:xfrm>
+            <a:off x="6096000" y="1690688"/>
+            <a:ext cx="4096322" cy="2095792"/>
+          </a:xfrm>
+          <a:prstGeom prst="rect">
+            <a:avLst/>
+          </a:prstGeom>
+        </p:spPr>
+      </p:pic>
+      <p:pic>
+        <p:nvPicPr>
+          <p:cNvPr id="8" name="Imagen 7">
+            <a:extLst>
+              <a:ext uri="{FF2B5EF4-FFF2-40B4-BE49-F238E27FC236}">
+                <a16:creationId xmlns:a16="http://schemas.microsoft.com/office/drawing/2014/main" id="{1D7B8A3C-F9B6-906B-4F06-85B20B6C92C1}"/>
+              </a:ext>
+            </a:extLst>
+          </p:cNvPr>
+          <p:cNvPicPr>
+            <a:picLocks noChangeAspect="1"/>
+          </p:cNvPicPr>
+          <p:nvPr/>
+        </p:nvPicPr>
+        <p:blipFill>
+          <a:blip r:embed="rId5"/>
+          <a:stretch>
+            <a:fillRect/>
+          </a:stretch>
+        </p:blipFill>
+        <p:spPr>
+          <a:xfrm>
+            <a:off x="6096000" y="3946267"/>
+            <a:ext cx="2892792" cy="2241913"/>
+          </a:xfrm>
+          <a:prstGeom prst="rect">
+            <a:avLst/>
+          </a:prstGeom>
+        </p:spPr>
+      </p:pic>
+    </p:spTree>
+    <p:extLst>
+      <p:ext uri="{BB962C8B-B14F-4D97-AF65-F5344CB8AC3E}">
+        <p14:creationId xmlns:p14="http://schemas.microsoft.com/office/powerpoint/2010/main" val="3391700722"/>
+      </p:ext>
+    </p:extLst>
+  </p:cSld>
+  <p:clrMapOvr>
+    <a:masterClrMapping/>
+  </p:clrMapOvr>
+</p:sld>
+</file>
+
+<file path=ppt/slides/slide11.xml><?xml version="1.0" encoding="utf-8"?>
+<p:sld xmlns:a="http://schemas.openxmlformats.org/drawingml/2006/main" xmlns:r="http://schemas.openxmlformats.org/officeDocument/2006/relationships" xmlns:p="http://schemas.openxmlformats.org/presentationml/2006/main">
+  <p:cSld>
+    <p:spTree>
+      <p:nvGrpSpPr>
+        <p:cNvPr id="1" name="">
+          <a:extLst>
+            <a:ext uri="{FF2B5EF4-FFF2-40B4-BE49-F238E27FC236}">
+              <a16:creationId xmlns:a16="http://schemas.microsoft.com/office/drawing/2014/main" id="{73DE6300-6D31-1AAF-5406-91C49B687352}"/>
+            </a:ext>
+          </a:extLst>
+        </p:cNvPr>
+        <p:cNvGrpSpPr/>
+        <p:nvPr/>
+      </p:nvGrpSpPr>
+      <p:grpSpPr>
+        <a:xfrm>
+          <a:off x="0" y="0"/>
+          <a:ext cx="0" cy="0"/>
+          <a:chOff x="0" y="0"/>
+          <a:chExt cx="0" cy="0"/>
+        </a:xfrm>
+      </p:grpSpPr>
+      <p:sp>
+        <p:nvSpPr>
+          <p:cNvPr id="2" name="Title 1">
+            <a:extLst>
+              <a:ext uri="{FF2B5EF4-FFF2-40B4-BE49-F238E27FC236}">
+                <a16:creationId xmlns:a16="http://schemas.microsoft.com/office/drawing/2014/main" id="{6DD3082F-BEA6-D27B-A381-F712400A9B1D}"/>
+              </a:ext>
+            </a:extLst>
+          </p:cNvPr>
+          <p:cNvSpPr>
+            <a:spLocks noGrp="1"/>
+          </p:cNvSpPr>
+          <p:nvPr>
+            <p:ph type="title"/>
+          </p:nvPr>
+        </p:nvSpPr>
+        <p:spPr/>
+        <p:txBody>
+          <a:bodyPr/>
+          <a:lstStyle/>
+          <a:p>
+            <a:r>
+              <a:rPr lang="es-MX" dirty="0"/>
+              <a:t>Restricciones</a:t>
+            </a:r>
+            <a:endParaRPr lang="en-US" dirty="0"/>
+          </a:p>
+        </p:txBody>
+      </p:sp>
+      <p:sp>
+        <p:nvSpPr>
+          <p:cNvPr id="9" name="Content Placeholder 2">
+            <a:extLst>
+              <a:ext uri="{FF2B5EF4-FFF2-40B4-BE49-F238E27FC236}">
+                <a16:creationId xmlns:a16="http://schemas.microsoft.com/office/drawing/2014/main" id="{DF69F7B5-7113-51CE-52DD-B7B1CE1F2DC9}"/>
+              </a:ext>
+            </a:extLst>
+          </p:cNvPr>
+          <p:cNvSpPr>
+            <a:spLocks noGrp="1"/>
+          </p:cNvSpPr>
+          <p:nvPr>
+            <p:ph idx="1"/>
+          </p:nvPr>
+        </p:nvSpPr>
+        <p:spPr>
+          <a:xfrm>
+            <a:off x="101600" y="1690688"/>
+            <a:ext cx="11246104" cy="4481512"/>
+          </a:xfrm>
+        </p:spPr>
+        <p:txBody>
+          <a:bodyPr>
+            <a:normAutofit fontScale="92500" lnSpcReduction="10000"/>
+          </a:bodyPr>
+          <a:lstStyle/>
+          <a:p>
+            <a:r>
+              <a:rPr lang="es-ES" b="1" i="0" dirty="0">
+                <a:effectLst/>
+                <a:latin typeface="system-ui"/>
+              </a:rPr>
+              <a:t>Función:</a:t>
+            </a:r>
+          </a:p>
+          <a:p>
+            <a:r>
+              <a:rPr lang="es-ES" b="1" i="0" dirty="0">
+                <a:effectLst/>
+                <a:latin typeface="system-ui"/>
+              </a:rPr>
+              <a:t>Costos totales del proyecto </a:t>
+            </a:r>
+          </a:p>
+          <a:p>
+            <a:pPr lvl="1"/>
+            <a:r>
+              <a:rPr lang="es-ES" b="1" i="0" dirty="0">
+                <a:effectLst/>
+                <a:latin typeface="system-ui"/>
+              </a:rPr>
+              <a:t>Costos totales = materiales + mano de obra + maquinaria + imprevistos </a:t>
+            </a:r>
+          </a:p>
+          <a:p>
+            <a:r>
+              <a:rPr lang="es-ES" b="1" i="0" dirty="0">
+                <a:effectLst/>
+                <a:latin typeface="system-ui"/>
+              </a:rPr>
+              <a:t>Costos de Materiales: </a:t>
+            </a:r>
+          </a:p>
+          <a:p>
+            <a:pPr lvl="1"/>
+            <a:r>
+              <a:rPr lang="es-ES" b="1" i="0" dirty="0">
+                <a:effectLst/>
+                <a:latin typeface="system-ui"/>
+              </a:rPr>
+              <a:t>Materiales = acero + concreto + grava + tepetate</a:t>
+            </a:r>
+          </a:p>
+          <a:p>
+            <a:r>
+              <a:rPr lang="es-ES" b="1" i="0" dirty="0">
+                <a:effectLst/>
+                <a:latin typeface="system-ui"/>
+              </a:rPr>
+              <a:t>Costos de mano de obra: </a:t>
+            </a:r>
+          </a:p>
+          <a:p>
+            <a:pPr lvl="1"/>
+            <a:r>
+              <a:rPr lang="es-ES" b="1" i="0" dirty="0">
+                <a:effectLst/>
+                <a:latin typeface="system-ui"/>
+              </a:rPr>
+              <a:t>Mano de obra = (obrero + supervisor + ingeniero) * días trabajados</a:t>
+            </a:r>
+          </a:p>
+          <a:p>
+            <a:r>
+              <a:rPr lang="es-ES" b="1" i="0" dirty="0">
+                <a:effectLst/>
+                <a:latin typeface="system-ui"/>
+              </a:rPr>
+              <a:t>Costo de equipos: </a:t>
+            </a:r>
+          </a:p>
+          <a:p>
+            <a:pPr lvl="1"/>
+            <a:r>
+              <a:rPr lang="es-ES" b="1" i="0" dirty="0">
+                <a:effectLst/>
+                <a:latin typeface="system-ui"/>
+              </a:rPr>
+              <a:t>Suma total de la maquinaria = compactadora + retro + camión de volteo </a:t>
+            </a:r>
+          </a:p>
+          <a:p>
+            <a:r>
+              <a:rPr lang="es-ES" b="1" i="0" dirty="0">
+                <a:effectLst/>
+                <a:latin typeface="system-ui"/>
+              </a:rPr>
+              <a:t>Gastos imprevistos: </a:t>
+            </a:r>
+          </a:p>
+          <a:p>
+            <a:pPr lvl="1"/>
+            <a:r>
+              <a:rPr lang="es-ES" b="1" i="0" dirty="0">
+                <a:effectLst/>
+                <a:latin typeface="system-ui"/>
+              </a:rPr>
+              <a:t>Costo final = costo total del proyecto * imprevistos</a:t>
+            </a:r>
+            <a:endParaRPr lang="en-US" dirty="0"/>
+          </a:p>
+        </p:txBody>
+      </p:sp>
+    </p:spTree>
+    <p:extLst>
+      <p:ext uri="{BB962C8B-B14F-4D97-AF65-F5344CB8AC3E}">
+        <p14:creationId xmlns:p14="http://schemas.microsoft.com/office/powerpoint/2010/main" val="2142256826"/>
+      </p:ext>
+    </p:extLst>
+  </p:cSld>
+  <p:clrMapOvr>
+    <a:masterClrMapping/>
+  </p:clrMapOvr>
+</p:sld>
+</file>
+
+<file path=ppt/slides/slide12.xml><?xml version="1.0" encoding="utf-8"?>
+<p:sld xmlns:a="http://schemas.openxmlformats.org/drawingml/2006/main" xmlns:r="http://schemas.openxmlformats.org/officeDocument/2006/relationships" xmlns:p="http://schemas.openxmlformats.org/presentationml/2006/main">
+  <p:cSld>
+    <p:spTree>
+      <p:nvGrpSpPr>
+        <p:cNvPr id="1" name="">
+          <a:extLst>
+            <a:ext uri="{FF2B5EF4-FFF2-40B4-BE49-F238E27FC236}">
+              <a16:creationId xmlns:a16="http://schemas.microsoft.com/office/drawing/2014/main" id="{4A81B51F-C0AB-1CE5-FB52-8A38E33793B3}"/>
+            </a:ext>
+          </a:extLst>
+        </p:cNvPr>
+        <p:cNvGrpSpPr/>
+        <p:nvPr/>
+      </p:nvGrpSpPr>
+      <p:grpSpPr>
+        <a:xfrm>
+          <a:off x="0" y="0"/>
+          <a:ext cx="0" cy="0"/>
+          <a:chOff x="0" y="0"/>
+          <a:chExt cx="0" cy="0"/>
+        </a:xfrm>
+      </p:grpSpPr>
+      <p:sp>
+        <p:nvSpPr>
+          <p:cNvPr id="2" name="Title 1">
+            <a:extLst>
+              <a:ext uri="{FF2B5EF4-FFF2-40B4-BE49-F238E27FC236}">
+                <a16:creationId xmlns:a16="http://schemas.microsoft.com/office/drawing/2014/main" id="{7BFFCEE2-1C29-471D-D344-A836B721F4E4}"/>
+              </a:ext>
+            </a:extLst>
+          </p:cNvPr>
+          <p:cNvSpPr>
+            <a:spLocks noGrp="1"/>
+          </p:cNvSpPr>
+          <p:nvPr>
+            <p:ph type="title"/>
+          </p:nvPr>
+        </p:nvSpPr>
+        <p:spPr/>
+        <p:txBody>
+          <a:bodyPr/>
+          <a:lstStyle/>
+          <a:p>
+            <a:r>
+              <a:rPr lang="es-MX" dirty="0"/>
+              <a:t>Limitaciones</a:t>
+            </a:r>
+            <a:endParaRPr lang="en-US" dirty="0"/>
+          </a:p>
+        </p:txBody>
+      </p:sp>
+      <p:sp>
+        <p:nvSpPr>
+          <p:cNvPr id="9" name="Content Placeholder 2">
+            <a:extLst>
+              <a:ext uri="{FF2B5EF4-FFF2-40B4-BE49-F238E27FC236}">
+                <a16:creationId xmlns:a16="http://schemas.microsoft.com/office/drawing/2014/main" id="{3680519A-15A5-9FB1-18BA-D464D46BBD2E}"/>
+              </a:ext>
+            </a:extLst>
+          </p:cNvPr>
+          <p:cNvSpPr>
+            <a:spLocks noGrp="1"/>
+          </p:cNvSpPr>
+          <p:nvPr>
+            <p:ph idx="1"/>
+          </p:nvPr>
+        </p:nvSpPr>
+        <p:spPr>
+          <a:xfrm>
+            <a:off x="101600" y="1690688"/>
+            <a:ext cx="11246104" cy="4481512"/>
+          </a:xfrm>
+        </p:spPr>
+        <p:txBody>
+          <a:bodyPr>
+            <a:normAutofit fontScale="92500" lnSpcReduction="10000"/>
+          </a:bodyPr>
+          <a:lstStyle/>
+          <a:p>
+            <a:r>
+              <a:rPr lang="es-ES" b="1" i="0" dirty="0">
+                <a:effectLst/>
+                <a:latin typeface="system-ui"/>
+              </a:rPr>
+              <a:t>Función:</a:t>
+            </a:r>
+          </a:p>
+          <a:p>
+            <a:r>
+              <a:rPr lang="es-ES" b="1" i="0" dirty="0">
+                <a:effectLst/>
+                <a:latin typeface="system-ui"/>
+              </a:rPr>
+              <a:t>Costos totales del proyecto </a:t>
+            </a:r>
+          </a:p>
+          <a:p>
+            <a:pPr lvl="1"/>
+            <a:r>
+              <a:rPr lang="es-ES" b="1" i="0" dirty="0">
+                <a:effectLst/>
+                <a:latin typeface="system-ui"/>
+              </a:rPr>
+              <a:t>Costos totales = materiales + mano de obra + maquinaria + imprevistos </a:t>
+            </a:r>
+          </a:p>
+          <a:p>
+            <a:r>
+              <a:rPr lang="es-ES" b="1" i="0" dirty="0">
+                <a:effectLst/>
+                <a:latin typeface="system-ui"/>
+              </a:rPr>
+              <a:t>Costos de Materiales: </a:t>
+            </a:r>
+          </a:p>
+          <a:p>
+            <a:pPr lvl="1"/>
+            <a:r>
+              <a:rPr lang="es-ES" b="1" i="0" dirty="0">
+                <a:effectLst/>
+                <a:latin typeface="system-ui"/>
+              </a:rPr>
+              <a:t>Materiales = acero + concreto + grava + tepetate</a:t>
+            </a:r>
+          </a:p>
+          <a:p>
+            <a:r>
+              <a:rPr lang="es-ES" b="1" i="0" dirty="0">
+                <a:effectLst/>
+                <a:latin typeface="system-ui"/>
+              </a:rPr>
+              <a:t>Costos de mano de obra: </a:t>
+            </a:r>
+          </a:p>
+          <a:p>
+            <a:pPr lvl="1"/>
+            <a:r>
+              <a:rPr lang="es-ES" b="1" i="0" dirty="0">
+                <a:effectLst/>
+                <a:latin typeface="system-ui"/>
+              </a:rPr>
+              <a:t>Mano de obra = (obrero + supervisor + ingeniero) * días trabajados</a:t>
+            </a:r>
+          </a:p>
+          <a:p>
+            <a:r>
+              <a:rPr lang="es-ES" b="1" i="0" dirty="0">
+                <a:effectLst/>
+                <a:latin typeface="system-ui"/>
+              </a:rPr>
+              <a:t>Costo de equipos: </a:t>
+            </a:r>
+          </a:p>
+          <a:p>
+            <a:pPr lvl="1"/>
+            <a:r>
+              <a:rPr lang="es-ES" b="1" i="0" dirty="0">
+                <a:effectLst/>
+                <a:latin typeface="system-ui"/>
+              </a:rPr>
+              <a:t>Suma total de la maquinaria = compactadora + retro + camión de volteo </a:t>
+            </a:r>
+          </a:p>
+          <a:p>
+            <a:r>
+              <a:rPr lang="es-ES" b="1" i="0" dirty="0">
+                <a:effectLst/>
+                <a:latin typeface="system-ui"/>
+              </a:rPr>
+              <a:t>Gastos imprevistos: </a:t>
+            </a:r>
+          </a:p>
+          <a:p>
+            <a:pPr lvl="1"/>
+            <a:r>
+              <a:rPr lang="es-ES" b="1" i="0" dirty="0">
+                <a:effectLst/>
+                <a:latin typeface="system-ui"/>
+              </a:rPr>
+              <a:t>Costo final = costo total del proyecto * imprevistos</a:t>
+            </a:r>
+            <a:endParaRPr lang="en-US" dirty="0"/>
+          </a:p>
+        </p:txBody>
+      </p:sp>
+    </p:spTree>
+    <p:extLst>
+      <p:ext uri="{BB962C8B-B14F-4D97-AF65-F5344CB8AC3E}">
+        <p14:creationId xmlns:p14="http://schemas.microsoft.com/office/powerpoint/2010/main" val="47033965"/>
+      </p:ext>
+    </p:extLst>
+  </p:cSld>
+  <p:clrMapOvr>
+    <a:masterClrMapping/>
+  </p:clrMapOvr>
+</p:sld>
+</file>
+
+<file path=ppt/slides/slide13.xml><?xml version="1.0" encoding="utf-8"?>
+<p:sld xmlns:a="http://schemas.openxmlformats.org/drawingml/2006/main" xmlns:r="http://schemas.openxmlformats.org/officeDocument/2006/relationships" xmlns:p="http://schemas.openxmlformats.org/presentationml/2006/main">
+  <p:cSld>
+    <p:spTree>
+      <p:nvGrpSpPr>
+        <p:cNvPr id="1" name="">
+          <a:extLst>
+            <a:ext uri="{FF2B5EF4-FFF2-40B4-BE49-F238E27FC236}">
+              <a16:creationId xmlns:a16="http://schemas.microsoft.com/office/drawing/2014/main" id="{02A422EE-FFD9-ADA2-A35E-2198C92A33AD}"/>
+            </a:ext>
+          </a:extLst>
+        </p:cNvPr>
+        <p:cNvGrpSpPr/>
+        <p:nvPr/>
+      </p:nvGrpSpPr>
+      <p:grpSpPr>
+        <a:xfrm>
+          <a:off x="0" y="0"/>
+          <a:ext cx="0" cy="0"/>
+          <a:chOff x="0" y="0"/>
+          <a:chExt cx="0" cy="0"/>
+        </a:xfrm>
+      </p:grpSpPr>
+      <p:sp>
+        <p:nvSpPr>
+          <p:cNvPr id="2" name="Title 1">
+            <a:extLst>
+              <a:ext uri="{FF2B5EF4-FFF2-40B4-BE49-F238E27FC236}">
+                <a16:creationId xmlns:a16="http://schemas.microsoft.com/office/drawing/2014/main" id="{98F4AF75-8791-DD7E-E4CA-6C1643B6C7D2}"/>
+              </a:ext>
+            </a:extLst>
+          </p:cNvPr>
+          <p:cNvSpPr>
+            <a:spLocks noGrp="1"/>
+          </p:cNvSpPr>
+          <p:nvPr>
+            <p:ph type="title"/>
+          </p:nvPr>
+        </p:nvSpPr>
+        <p:spPr/>
+        <p:txBody>
+          <a:bodyPr/>
+          <a:lstStyle/>
+          <a:p>
+            <a:r>
+              <a:rPr lang="es-MX" dirty="0"/>
+              <a:t>Definiciones</a:t>
+            </a:r>
+            <a:endParaRPr lang="en-US" dirty="0"/>
+          </a:p>
+        </p:txBody>
+      </p:sp>
+      <p:sp>
+        <p:nvSpPr>
+          <p:cNvPr id="9" name="Content Placeholder 2">
+            <a:extLst>
+              <a:ext uri="{FF2B5EF4-FFF2-40B4-BE49-F238E27FC236}">
+                <a16:creationId xmlns:a16="http://schemas.microsoft.com/office/drawing/2014/main" id="{E301CE6E-D10E-26D2-DAE7-DEDD237B15AC}"/>
+              </a:ext>
+            </a:extLst>
+          </p:cNvPr>
+          <p:cNvSpPr>
+            <a:spLocks noGrp="1"/>
+          </p:cNvSpPr>
+          <p:nvPr>
+            <p:ph idx="1"/>
+          </p:nvPr>
+        </p:nvSpPr>
+        <p:spPr>
+          <a:xfrm>
+            <a:off x="101600" y="1690688"/>
+            <a:ext cx="11246104" cy="4481512"/>
+          </a:xfrm>
+        </p:spPr>
+        <p:txBody>
+          <a:bodyPr>
+            <a:normAutofit fontScale="92500" lnSpcReduction="10000"/>
+          </a:bodyPr>
+          <a:lstStyle/>
+          <a:p>
+            <a:r>
+              <a:rPr lang="es-ES" b="1" i="0" dirty="0">
+                <a:effectLst/>
+                <a:latin typeface="system-ui"/>
+              </a:rPr>
+              <a:t>Función:</a:t>
+            </a:r>
+          </a:p>
+          <a:p>
+            <a:r>
+              <a:rPr lang="es-ES" b="1" i="0" dirty="0">
+                <a:effectLst/>
+                <a:latin typeface="system-ui"/>
+              </a:rPr>
+              <a:t>Costos totales del proyecto </a:t>
+            </a:r>
+          </a:p>
+          <a:p>
+            <a:pPr lvl="1"/>
+            <a:r>
+              <a:rPr lang="es-ES" b="1" i="0" dirty="0">
+                <a:effectLst/>
+                <a:latin typeface="system-ui"/>
+              </a:rPr>
+              <a:t>Costos totales = materiales + mano de obra + maquinaria + imprevistos </a:t>
+            </a:r>
+          </a:p>
+          <a:p>
+            <a:r>
+              <a:rPr lang="es-ES" b="1" i="0" dirty="0">
+                <a:effectLst/>
+                <a:latin typeface="system-ui"/>
+              </a:rPr>
+              <a:t>Costos de Materiales: </a:t>
+            </a:r>
+          </a:p>
+          <a:p>
+            <a:pPr lvl="1"/>
+            <a:r>
+              <a:rPr lang="es-ES" b="1" i="0" dirty="0">
+                <a:effectLst/>
+                <a:latin typeface="system-ui"/>
+              </a:rPr>
+              <a:t>Materiales = acero + concreto + grava + tepetate</a:t>
+            </a:r>
+          </a:p>
+          <a:p>
+            <a:r>
+              <a:rPr lang="es-ES" b="1" i="0" dirty="0">
+                <a:effectLst/>
+                <a:latin typeface="system-ui"/>
+              </a:rPr>
+              <a:t>Costos de mano de obra: </a:t>
+            </a:r>
+          </a:p>
+          <a:p>
+            <a:pPr lvl="1"/>
+            <a:r>
+              <a:rPr lang="es-ES" b="1" i="0" dirty="0">
+                <a:effectLst/>
+                <a:latin typeface="system-ui"/>
+              </a:rPr>
+              <a:t>Mano de obra = (obrero + supervisor + ingeniero) * días trabajados</a:t>
+            </a:r>
+          </a:p>
+          <a:p>
+            <a:r>
+              <a:rPr lang="es-ES" b="1" i="0" dirty="0">
+                <a:effectLst/>
+                <a:latin typeface="system-ui"/>
+              </a:rPr>
+              <a:t>Costo de equipos: </a:t>
+            </a:r>
+          </a:p>
+          <a:p>
+            <a:pPr lvl="1"/>
+            <a:r>
+              <a:rPr lang="es-ES" b="1" i="0" dirty="0">
+                <a:effectLst/>
+                <a:latin typeface="system-ui"/>
+              </a:rPr>
+              <a:t>Suma total de la maquinaria = compactadora + retro + camión de volteo </a:t>
+            </a:r>
+          </a:p>
+          <a:p>
+            <a:r>
+              <a:rPr lang="es-ES" b="1" i="0" dirty="0">
+                <a:effectLst/>
+                <a:latin typeface="system-ui"/>
+              </a:rPr>
+              <a:t>Gastos imprevistos: </a:t>
+            </a:r>
+          </a:p>
+          <a:p>
+            <a:pPr lvl="1"/>
+            <a:r>
+              <a:rPr lang="es-ES" b="1" i="0" dirty="0">
+                <a:effectLst/>
+                <a:latin typeface="system-ui"/>
+              </a:rPr>
+              <a:t>Costo final = costo total del proyecto * imprevistos</a:t>
+            </a:r>
+            <a:endParaRPr lang="en-US" dirty="0"/>
+          </a:p>
+        </p:txBody>
+      </p:sp>
+    </p:spTree>
+    <p:extLst>
+      <p:ext uri="{BB962C8B-B14F-4D97-AF65-F5344CB8AC3E}">
+        <p14:creationId xmlns:p14="http://schemas.microsoft.com/office/powerpoint/2010/main" val="4198971509"/>
+      </p:ext>
+    </p:extLst>
+  </p:cSld>
+  <p:clrMapOvr>
+    <a:masterClrMapping/>
+  </p:clrMapOvr>
+</p:sld>
+</file>
+
+<file path=ppt/slides/slide14.xml><?xml version="1.0" encoding="utf-8"?>
+<p:sld xmlns:a="http://schemas.openxmlformats.org/drawingml/2006/main" xmlns:r="http://schemas.openxmlformats.org/officeDocument/2006/relationships" xmlns:p="http://schemas.openxmlformats.org/presentationml/2006/main">
+  <p:cSld>
+    <p:spTree>
+      <p:nvGrpSpPr>
+        <p:cNvPr id="1" name="">
+          <a:extLst>
+            <a:ext uri="{FF2B5EF4-FFF2-40B4-BE49-F238E27FC236}">
+              <a16:creationId xmlns:a16="http://schemas.microsoft.com/office/drawing/2014/main" id="{BBCC3768-FC96-6D1E-52C4-3B3CF9FDDB22}"/>
+            </a:ext>
+          </a:extLst>
+        </p:cNvPr>
+        <p:cNvGrpSpPr/>
+        <p:nvPr/>
+      </p:nvGrpSpPr>
+      <p:grpSpPr>
+        <a:xfrm>
+          <a:off x="0" y="0"/>
+          <a:ext cx="0" cy="0"/>
+          <a:chOff x="0" y="0"/>
+          <a:chExt cx="0" cy="0"/>
+        </a:xfrm>
+      </p:grpSpPr>
+      <p:sp>
+        <p:nvSpPr>
+          <p:cNvPr id="2" name="Title 1">
+            <a:extLst>
+              <a:ext uri="{FF2B5EF4-FFF2-40B4-BE49-F238E27FC236}">
+                <a16:creationId xmlns:a16="http://schemas.microsoft.com/office/drawing/2014/main" id="{DE2996A2-FEE4-0EE2-3AD8-AC2F81BC435A}"/>
+              </a:ext>
+            </a:extLst>
+          </p:cNvPr>
+          <p:cNvSpPr>
+            <a:spLocks noGrp="1"/>
+          </p:cNvSpPr>
+          <p:nvPr>
+            <p:ph type="title"/>
+          </p:nvPr>
+        </p:nvSpPr>
+        <p:spPr/>
+        <p:txBody>
+          <a:bodyPr/>
+          <a:lstStyle/>
+          <a:p>
+            <a:r>
+              <a:rPr lang="es-MX" dirty="0"/>
+              <a:t>Gráficas</a:t>
+            </a:r>
+            <a:endParaRPr lang="en-US" dirty="0"/>
+          </a:p>
+        </p:txBody>
+      </p:sp>
+    </p:spTree>
+    <p:extLst>
+      <p:ext uri="{BB962C8B-B14F-4D97-AF65-F5344CB8AC3E}">
+        <p14:creationId xmlns:p14="http://schemas.microsoft.com/office/powerpoint/2010/main" val="2074114162"/>
       </p:ext>
     </p:extLst>
   </p:cSld>
@@ -7352,7 +8216,7 @@
             </a:r>
             <a:r>
               <a:rPr lang="es-ES" sz="1800" dirty="0"/>
-              <a:t> ………………………………………………………………………………………… 2</a:t>
+              <a:t> ………………………………………………………………………………………2</a:t>
             </a:r>
             <a:br>
               <a:rPr lang="es-ES" sz="1800" dirty="0"/>
@@ -7374,7 +8238,7 @@
             </a:r>
             <a:r>
               <a:rPr lang="es-ES" sz="1800" dirty="0"/>
-              <a:t> ………………………………………………………………………………………… 3.1</a:t>
+              <a:t> ………………………………………………………………………………………….3.1</a:t>
             </a:r>
             <a:br>
               <a:rPr lang="es-ES" sz="1800" dirty="0"/>
@@ -7385,7 +8249,7 @@
             </a:r>
             <a:r>
               <a:rPr lang="es-ES" sz="1800" dirty="0"/>
-              <a:t> ………………………………………………………………………………… 3.2</a:t>
+              <a:t> ………………………………………………………………………………….3.2</a:t>
             </a:r>
             <a:br>
               <a:rPr lang="es-ES" sz="1800" dirty="0"/>
@@ -7396,7 +8260,7 @@
             </a:r>
             <a:r>
               <a:rPr lang="es-ES" sz="1800" dirty="0"/>
-              <a:t> ……………………………………………………………… 4</a:t>
+              <a:t> ………………………………………………………………4</a:t>
             </a:r>
             <a:br>
               <a:rPr lang="es-ES" sz="1800" dirty="0"/>
@@ -7407,7 +8271,7 @@
             </a:r>
             <a:r>
               <a:rPr lang="es-ES" sz="1800" dirty="0"/>
-              <a:t> ………………………………………………………………………………………… 4.1</a:t>
+              <a:t> …………………………………………………………………………………………4.1</a:t>
             </a:r>
             <a:br>
               <a:rPr lang="es-ES" sz="1800" dirty="0"/>
@@ -7418,7 +8282,7 @@
             </a:r>
             <a:r>
               <a:rPr lang="es-ES" sz="1800" dirty="0"/>
-              <a:t> ………………………………………………………………………………… 4.2</a:t>
+              <a:t> ………………………………………………………………………………….4.2</a:t>
             </a:r>
             <a:br>
               <a:rPr lang="es-ES" sz="1800" dirty="0"/>
@@ -7429,7 +8293,7 @@
             </a:r>
             <a:r>
               <a:rPr lang="es-ES" sz="1800" dirty="0"/>
-              <a:t> …………………………………………………………………………………………… 4.3</a:t>
+              <a:t> …………………………………………………………………………………………….4.3</a:t>
             </a:r>
             <a:br>
               <a:rPr lang="es-ES" sz="1800" dirty="0"/>
@@ -7440,7 +8304,7 @@
             </a:r>
             <a:r>
               <a:rPr lang="es-ES" sz="1800" dirty="0"/>
-              <a:t> ……………………………………………………………………………………………… 4.4</a:t>
+              <a:t> ……………………………………………………………………………………………….4.4</a:t>
             </a:r>
             <a:br>
               <a:rPr lang="es-ES" sz="1800" dirty="0"/>
@@ -7451,7 +8315,7 @@
             </a:r>
             <a:r>
               <a:rPr lang="es-ES" sz="1800" dirty="0"/>
-              <a:t> ……………………………………………………………………………………………… 4.5</a:t>
+              <a:t> ……………………………………………………………………………………………….4.5</a:t>
             </a:r>
             <a:br>
               <a:rPr lang="es-ES" sz="1800" dirty="0"/>
@@ -7462,7 +8326,7 @@
             </a:r>
             <a:r>
               <a:rPr lang="es-ES" sz="1800" dirty="0"/>
-              <a:t> ……………………………………………………………………………………………………… 5</a:t>
+              <a:t> ………………………………………………………………………………………………………5</a:t>
             </a:r>
             <a:br>
               <a:rPr lang="es-ES" sz="1800" dirty="0"/>
@@ -7473,7 +8337,7 @@
             </a:r>
             <a:r>
               <a:rPr lang="es-ES" sz="1800" dirty="0"/>
-              <a:t> …………………………………………………………………………………………………… 6</a:t>
+              <a:t> ……………………………………………………………………………………………………6</a:t>
             </a:r>
             <a:endParaRPr lang="en-US" sz="1800" dirty="0"/>
           </a:p>
@@ -7573,7 +8437,7 @@
           <a:lstStyle/>
           <a:p>
             <a:pPr algn="ctr"/>
-            <a:endParaRPr lang="en-US"/>
+            <a:endParaRPr lang="en-US" dirty="0"/>
           </a:p>
         </p:txBody>
       </p:sp>
@@ -7811,7 +8675,7 @@
               <a:tabLst/>
               <a:defRPr/>
             </a:pPr>
-            <a:endParaRPr kumimoji="0" lang="en-US" sz="1800" b="0" i="0" u="none" strike="noStrike" kern="1200" cap="none" spc="0" normalizeH="0" baseline="0" noProof="0">
+            <a:endParaRPr kumimoji="0" lang="en-US" sz="1800" b="0" i="0" u="none" strike="noStrike" kern="1200" cap="none" spc="0" normalizeH="0" baseline="0" noProof="0" dirty="0">
               <a:ln>
                 <a:noFill/>
               </a:ln>
@@ -7974,7 +8838,7 @@
               <a:tabLst/>
               <a:defRPr/>
             </a:pPr>
-            <a:endParaRPr kumimoji="0" lang="en-US" sz="1800" b="0" i="0" u="none" strike="noStrike" kern="1200" cap="none" spc="0" normalizeH="0" baseline="0" noProof="0">
+            <a:endParaRPr kumimoji="0" lang="en-US" sz="1800" b="0" i="0" u="none" strike="noStrike" kern="1200" cap="none" spc="0" normalizeH="0" baseline="0" noProof="0" dirty="0">
               <a:ln>
                 <a:noFill/>
               </a:ln>
@@ -8030,7 +8894,7 @@
               </a:spcAft>
             </a:pPr>
             <a:r>
-              <a:rPr lang="en-US" sz="2800">
+              <a:rPr lang="en-US" sz="2800" dirty="0">
                 <a:latin typeface="+mj-lt"/>
                 <a:ea typeface="+mj-ea"/>
                 <a:cs typeface="+mj-cs"/>
@@ -8099,7 +8963,7 @@
           <a:lstStyle/>
           <a:p>
             <a:pPr algn="ctr"/>
-            <a:endParaRPr lang="en-US">
+            <a:endParaRPr lang="en-US" dirty="0">
               <a:solidFill>
                 <a:prstClr val="white"/>
               </a:solidFill>
@@ -8168,7 +9032,7 @@
           <a:lstStyle/>
           <a:p>
             <a:pPr algn="ctr"/>
-            <a:endParaRPr lang="en-US">
+            <a:endParaRPr lang="en-US" dirty="0">
               <a:solidFill>
                 <a:prstClr val="white"/>
               </a:solidFill>
@@ -8215,7 +9079,7 @@
               <a:buChar char="•"/>
             </a:pPr>
             <a:r>
-              <a:rPr lang="en-US" sz="1600" b="1" i="0" dirty="0" err="1">
+              <a:rPr lang="es-MX" sz="1600" b="1" i="0" dirty="0">
                 <a:effectLst/>
               </a:rPr>
               <a:t>Colado</a:t>
@@ -8227,7 +9091,7 @@
               <a:t> de </a:t>
             </a:r>
             <a:r>
-              <a:rPr lang="en-US" sz="1600" b="1" i="0" dirty="0" err="1">
+              <a:rPr lang="es-MX" sz="1600" b="1" i="0" dirty="0">
                 <a:effectLst/>
               </a:rPr>
               <a:t>una</a:t>
@@ -8236,53 +9100,8 @@
               <a:rPr lang="en-US" sz="1600" b="1" i="0" dirty="0">
                 <a:effectLst/>
               </a:rPr>
-              <a:t> </a:t>
-            </a:r>
-            <a:r>
-              <a:rPr lang="en-US" sz="1600" b="1" i="0" dirty="0" err="1">
-                <a:effectLst/>
-              </a:rPr>
-              <a:t>vialidad</a:t>
-            </a:r>
-            <a:r>
-              <a:rPr lang="en-US" sz="1600" b="1" i="0" dirty="0">
-                <a:effectLst/>
-              </a:rPr>
-              <a:t> </a:t>
-            </a:r>
-            <a:r>
-              <a:rPr lang="en-US" sz="1600" b="1" i="0" dirty="0" err="1">
-                <a:effectLst/>
-              </a:rPr>
-              <a:t>en</a:t>
-            </a:r>
-            <a:r>
-              <a:rPr lang="en-US" sz="1600" b="1" i="0" dirty="0">
-                <a:effectLst/>
-              </a:rPr>
-              <a:t> </a:t>
-            </a:r>
-            <a:r>
-              <a:rPr lang="en-US" sz="1600" b="1" i="0" dirty="0" err="1">
-                <a:effectLst/>
-              </a:rPr>
-              <a:t>una</a:t>
-            </a:r>
-            <a:r>
-              <a:rPr lang="en-US" sz="1600" b="1" i="0" dirty="0">
-                <a:effectLst/>
-              </a:rPr>
-              <a:t> zona </a:t>
-            </a:r>
-            <a:r>
-              <a:rPr lang="en-US" sz="1600" b="1" i="0" dirty="0" err="1">
-                <a:effectLst/>
-              </a:rPr>
-              <a:t>urbana</a:t>
-            </a:r>
-            <a:endParaRPr lang="en-US" sz="1600" b="1" i="0" dirty="0">
-              <a:effectLst/>
-            </a:endParaRPr>
+              <a:t> vialidad en una zona urbana</a:t>
+            </a:r>
           </a:p>
           <a:p>
             <a:pPr indent="-228600">
@@ -8299,415 +9118,7 @@
               <a:rPr lang="en-US" sz="1600" b="0" i="0" dirty="0">
                 <a:effectLst/>
               </a:rPr>
-              <a:t>El </a:t>
-            </a:r>
-            <a:r>
-              <a:rPr lang="en-US" sz="1600" b="0" i="0" dirty="0" err="1">
-                <a:effectLst/>
-              </a:rPr>
-              <a:t>colado</a:t>
-            </a:r>
-            <a:r>
-              <a:rPr lang="en-US" sz="1600" b="0" i="0" dirty="0">
-                <a:effectLst/>
-              </a:rPr>
-              <a:t> de </a:t>
-            </a:r>
-            <a:r>
-              <a:rPr lang="en-US" sz="1600" b="0" i="0" dirty="0" err="1">
-                <a:effectLst/>
-              </a:rPr>
-              <a:t>una</a:t>
-            </a:r>
-            <a:r>
-              <a:rPr lang="en-US" sz="1600" b="0" i="0" dirty="0">
-                <a:effectLst/>
-              </a:rPr>
-              <a:t> </a:t>
-            </a:r>
-            <a:r>
-              <a:rPr lang="en-US" sz="1600" b="0" i="0" dirty="0" err="1">
-                <a:effectLst/>
-              </a:rPr>
-              <a:t>vialidad</a:t>
-            </a:r>
-            <a:r>
-              <a:rPr lang="en-US" sz="1600" b="0" i="0" dirty="0">
-                <a:effectLst/>
-              </a:rPr>
-              <a:t> </a:t>
-            </a:r>
-            <a:r>
-              <a:rPr lang="en-US" sz="1600" b="0" i="0" dirty="0" err="1">
-                <a:effectLst/>
-              </a:rPr>
-              <a:t>en</a:t>
-            </a:r>
-            <a:r>
-              <a:rPr lang="en-US" sz="1600" b="0" i="0" dirty="0">
-                <a:effectLst/>
-              </a:rPr>
-              <a:t> </a:t>
-            </a:r>
-            <a:r>
-              <a:rPr lang="en-US" sz="1600" b="0" i="0" dirty="0" err="1">
-                <a:effectLst/>
-              </a:rPr>
-              <a:t>una</a:t>
-            </a:r>
-            <a:r>
-              <a:rPr lang="en-US" sz="1600" b="0" i="0" dirty="0">
-                <a:effectLst/>
-              </a:rPr>
-              <a:t> zona </a:t>
-            </a:r>
-            <a:r>
-              <a:rPr lang="en-US" sz="1600" b="0" i="0" dirty="0" err="1">
-                <a:effectLst/>
-              </a:rPr>
-              <a:t>urbana</a:t>
-            </a:r>
-            <a:r>
-              <a:rPr lang="en-US" sz="1600" b="0" i="0" dirty="0">
-                <a:effectLst/>
-              </a:rPr>
-              <a:t> se </a:t>
-            </a:r>
-            <a:r>
-              <a:rPr lang="en-US" sz="1600" b="0" i="0" dirty="0" err="1">
-                <a:effectLst/>
-              </a:rPr>
-              <a:t>refiere</a:t>
-            </a:r>
-            <a:r>
-              <a:rPr lang="en-US" sz="1600" b="0" i="0" dirty="0">
-                <a:effectLst/>
-              </a:rPr>
-              <a:t> al </a:t>
-            </a:r>
-            <a:r>
-              <a:rPr lang="en-US" sz="1600" b="0" i="0" dirty="0" err="1">
-                <a:effectLst/>
-              </a:rPr>
-              <a:t>proceso</a:t>
-            </a:r>
-            <a:r>
-              <a:rPr lang="en-US" sz="1600" b="0" i="0" dirty="0">
-                <a:effectLst/>
-              </a:rPr>
-              <a:t> de </a:t>
-            </a:r>
-            <a:r>
-              <a:rPr lang="en-US" sz="1600" b="0" i="0" dirty="0" err="1">
-                <a:effectLst/>
-              </a:rPr>
-              <a:t>construcción</a:t>
-            </a:r>
-            <a:r>
-              <a:rPr lang="en-US" sz="1600" b="0" i="0" dirty="0">
-                <a:effectLst/>
-              </a:rPr>
-              <a:t> de la </a:t>
-            </a:r>
-            <a:r>
-              <a:rPr lang="en-US" sz="1600" b="0" i="0" dirty="0" err="1">
-                <a:effectLst/>
-              </a:rPr>
-              <a:t>superficie</a:t>
-            </a:r>
-            <a:r>
-              <a:rPr lang="en-US" sz="1600" b="0" i="0" dirty="0">
-                <a:effectLst/>
-              </a:rPr>
-              <a:t> de </a:t>
-            </a:r>
-            <a:r>
-              <a:rPr lang="en-US" sz="1600" b="0" i="0" dirty="0" err="1">
-                <a:effectLst/>
-              </a:rPr>
-              <a:t>una</a:t>
-            </a:r>
-            <a:r>
-              <a:rPr lang="en-US" sz="1600" b="0" i="0" dirty="0">
-                <a:effectLst/>
-              </a:rPr>
-              <a:t> </a:t>
-            </a:r>
-            <a:r>
-              <a:rPr lang="en-US" sz="1600" b="0" i="0" dirty="0" err="1">
-                <a:effectLst/>
-              </a:rPr>
-              <a:t>calle</a:t>
-            </a:r>
-            <a:r>
-              <a:rPr lang="en-US" sz="1600" b="0" i="0" dirty="0">
-                <a:effectLst/>
-              </a:rPr>
-              <a:t>, </a:t>
-            </a:r>
-            <a:r>
-              <a:rPr lang="en-US" sz="1600" b="0" i="0" dirty="0" err="1">
-                <a:effectLst/>
-              </a:rPr>
-              <a:t>avenida</a:t>
-            </a:r>
-            <a:r>
-              <a:rPr lang="en-US" sz="1600" b="0" i="0" dirty="0">
-                <a:effectLst/>
-              </a:rPr>
-              <a:t> o </a:t>
-            </a:r>
-            <a:r>
-              <a:rPr lang="en-US" sz="1600" b="0" i="0" dirty="0" err="1">
-                <a:effectLst/>
-              </a:rPr>
-              <a:t>camino</a:t>
-            </a:r>
-            <a:r>
-              <a:rPr lang="en-US" sz="1600" b="0" i="0" dirty="0">
-                <a:effectLst/>
-              </a:rPr>
-              <a:t> </a:t>
-            </a:r>
-            <a:r>
-              <a:rPr lang="en-US" sz="1600" b="0" i="0" dirty="0" err="1">
-                <a:effectLst/>
-              </a:rPr>
-              <a:t>mediante</a:t>
-            </a:r>
-            <a:r>
-              <a:rPr lang="en-US" sz="1600" b="0" i="0" dirty="0">
-                <a:effectLst/>
-              </a:rPr>
-              <a:t> la </a:t>
-            </a:r>
-            <a:r>
-              <a:rPr lang="en-US" sz="1600" b="0" i="0" dirty="0" err="1">
-                <a:effectLst/>
-              </a:rPr>
-              <a:t>aplicación</a:t>
-            </a:r>
-            <a:r>
-              <a:rPr lang="en-US" sz="1600" b="0" i="0" dirty="0">
-                <a:effectLst/>
-              </a:rPr>
-              <a:t> de </a:t>
-            </a:r>
-            <a:r>
-              <a:rPr lang="en-US" sz="1600" b="0" i="0" dirty="0" err="1">
-                <a:effectLst/>
-              </a:rPr>
-              <a:t>concreto</a:t>
-            </a:r>
-            <a:r>
-              <a:rPr lang="en-US" sz="1600" b="0" i="0" dirty="0">
-                <a:effectLst/>
-              </a:rPr>
-              <a:t> fresco (u </a:t>
-            </a:r>
-            <a:r>
-              <a:rPr lang="en-US" sz="1600" b="0" i="0" dirty="0" err="1">
-                <a:effectLst/>
-              </a:rPr>
-              <a:t>hormigón</a:t>
-            </a:r>
-            <a:r>
-              <a:rPr lang="en-US" sz="1600" b="0" i="0" dirty="0">
-                <a:effectLst/>
-              </a:rPr>
-              <a:t>) </a:t>
-            </a:r>
-            <a:r>
-              <a:rPr lang="en-US" sz="1600" b="0" i="0" dirty="0" err="1">
-                <a:effectLst/>
-              </a:rPr>
-              <a:t>sobre</a:t>
-            </a:r>
-            <a:r>
-              <a:rPr lang="en-US" sz="1600" b="0" i="0" dirty="0">
-                <a:effectLst/>
-              </a:rPr>
-              <a:t> </a:t>
-            </a:r>
-            <a:r>
-              <a:rPr lang="en-US" sz="1600" b="0" i="0" dirty="0" err="1">
-                <a:effectLst/>
-              </a:rPr>
-              <a:t>el</a:t>
-            </a:r>
-            <a:r>
-              <a:rPr lang="en-US" sz="1600" b="0" i="0" dirty="0">
-                <a:effectLst/>
-              </a:rPr>
-              <a:t> </a:t>
-            </a:r>
-            <a:r>
-              <a:rPr lang="en-US" sz="1600" b="0" i="0" dirty="0" err="1">
-                <a:effectLst/>
-              </a:rPr>
-              <a:t>terreno</a:t>
-            </a:r>
-            <a:r>
-              <a:rPr lang="en-US" sz="1600" b="0" i="0" dirty="0">
-                <a:effectLst/>
-              </a:rPr>
-              <a:t> </a:t>
-            </a:r>
-            <a:r>
-              <a:rPr lang="en-US" sz="1600" b="0" i="0" dirty="0" err="1">
-                <a:effectLst/>
-              </a:rPr>
-              <a:t>preparado</a:t>
-            </a:r>
-            <a:r>
-              <a:rPr lang="en-US" sz="1600" b="0" i="0" dirty="0">
-                <a:effectLst/>
-              </a:rPr>
-              <a:t>. Este </a:t>
-            </a:r>
-            <a:r>
-              <a:rPr lang="en-US" sz="1600" b="0" i="0" dirty="0" err="1">
-                <a:effectLst/>
-              </a:rPr>
-              <a:t>proceso</a:t>
-            </a:r>
-            <a:r>
-              <a:rPr lang="en-US" sz="1600" b="0" i="0" dirty="0">
-                <a:effectLst/>
-              </a:rPr>
-              <a:t> es fundamental para </a:t>
-            </a:r>
-            <a:r>
-              <a:rPr lang="en-US" sz="1600" b="0" i="0" dirty="0" err="1">
-                <a:effectLst/>
-              </a:rPr>
-              <a:t>garantizar</a:t>
-            </a:r>
-            <a:r>
-              <a:rPr lang="en-US" sz="1600" b="0" i="0" dirty="0">
-                <a:effectLst/>
-              </a:rPr>
-              <a:t> </a:t>
-            </a:r>
-            <a:r>
-              <a:rPr lang="en-US" sz="1600" b="0" i="0" dirty="0" err="1">
-                <a:effectLst/>
-              </a:rPr>
-              <a:t>una</a:t>
-            </a:r>
-            <a:r>
-              <a:rPr lang="en-US" sz="1600" b="0" i="0" dirty="0">
-                <a:effectLst/>
-              </a:rPr>
-              <a:t> </a:t>
-            </a:r>
-            <a:r>
-              <a:rPr lang="en-US" sz="1600" b="0" i="0" dirty="0" err="1">
-                <a:effectLst/>
-              </a:rPr>
-              <a:t>superficie</a:t>
-            </a:r>
-            <a:r>
-              <a:rPr lang="en-US" sz="1600" b="0" i="0" dirty="0">
-                <a:effectLst/>
-              </a:rPr>
-              <a:t> de </a:t>
-            </a:r>
-            <a:r>
-              <a:rPr lang="en-US" sz="1600" b="0" i="0" dirty="0" err="1">
-                <a:effectLst/>
-              </a:rPr>
-              <a:t>rodamiento</a:t>
-            </a:r>
-            <a:r>
-              <a:rPr lang="en-US" sz="1600" b="0" i="0" dirty="0">
-                <a:effectLst/>
-              </a:rPr>
-              <a:t> </a:t>
-            </a:r>
-            <a:r>
-              <a:rPr lang="en-US" sz="1600" b="0" i="0" dirty="0" err="1">
-                <a:effectLst/>
-              </a:rPr>
-              <a:t>adecuada</a:t>
-            </a:r>
-            <a:r>
-              <a:rPr lang="en-US" sz="1600" b="0" i="0" dirty="0">
-                <a:effectLst/>
-              </a:rPr>
-              <a:t> y </a:t>
-            </a:r>
-            <a:r>
-              <a:rPr lang="en-US" sz="1600" b="0" i="0" dirty="0" err="1">
-                <a:effectLst/>
-              </a:rPr>
-              <a:t>resistente</a:t>
-            </a:r>
-            <a:r>
-              <a:rPr lang="en-US" sz="1600" b="0" i="0" dirty="0">
-                <a:effectLst/>
-              </a:rPr>
-              <a:t> para </a:t>
-            </a:r>
-            <a:r>
-              <a:rPr lang="en-US" sz="1600" b="0" i="0" dirty="0" err="1">
-                <a:effectLst/>
-              </a:rPr>
-              <a:t>vehículos</a:t>
-            </a:r>
-            <a:r>
-              <a:rPr lang="en-US" sz="1600" b="0" i="0" dirty="0">
-                <a:effectLst/>
-              </a:rPr>
-              <a:t> y </a:t>
-            </a:r>
-            <a:r>
-              <a:rPr lang="en-US" sz="1600" b="0" i="0" dirty="0" err="1">
-                <a:effectLst/>
-              </a:rPr>
-              <a:t>peatones</a:t>
-            </a:r>
-            <a:r>
-              <a:rPr lang="en-US" sz="1600" b="0" i="0" dirty="0">
-                <a:effectLst/>
-              </a:rPr>
-              <a:t> </a:t>
-            </a:r>
-            <a:r>
-              <a:rPr lang="en-US" sz="1600" b="0" i="0" dirty="0" err="1">
-                <a:effectLst/>
-              </a:rPr>
-              <a:t>en</a:t>
-            </a:r>
-            <a:r>
-              <a:rPr lang="en-US" sz="1600" b="0" i="0" dirty="0">
-                <a:effectLst/>
-              </a:rPr>
-              <a:t> </a:t>
-            </a:r>
-            <a:r>
-              <a:rPr lang="en-US" sz="1600" b="0" i="0" dirty="0" err="1">
-                <a:effectLst/>
-              </a:rPr>
-              <a:t>áreas</a:t>
-            </a:r>
-            <a:r>
-              <a:rPr lang="en-US" sz="1600" b="0" i="0" dirty="0">
-                <a:effectLst/>
-              </a:rPr>
-              <a:t> </a:t>
-            </a:r>
-            <a:r>
-              <a:rPr lang="en-US" sz="1600" b="0" i="0" dirty="0" err="1">
-                <a:effectLst/>
-              </a:rPr>
-              <a:t>urbanas</a:t>
-            </a:r>
-            <a:r>
-              <a:rPr lang="en-US" sz="1600" b="0" i="0" dirty="0">
-                <a:effectLst/>
-              </a:rPr>
-              <a:t>.</a:t>
+              <a:t>El colado de una vialidad en una zona urbana se refiere al proceso de construcción de la superficie de una calle, avenida o camino mediante la aplicación de concreto fresco (u hormigón) sobre el terreno preparado. Este proceso es fundamental para garantizar una superficie de rodamiento adecuada y resistente para vehículos y peatones en áreas urbanas.</a:t>
             </a:r>
           </a:p>
           <a:p>
@@ -8822,7 +9233,7 @@
           <a:lstStyle/>
           <a:p>
             <a:pPr algn="ctr"/>
-            <a:endParaRPr lang="en-US"/>
+            <a:endParaRPr lang="en-US" dirty="0"/>
           </a:p>
         </p:txBody>
       </p:sp>
@@ -8901,14 +9312,14 @@
           <a:lstStyle/>
           <a:p>
             <a:r>
-              <a:rPr lang="es-MX" sz="5000">
+              <a:rPr lang="es-MX" sz="5000" dirty="0">
                 <a:solidFill>
                   <a:schemeClr val="bg1"/>
                 </a:solidFill>
               </a:rPr>
               <a:t>Objetivo general</a:t>
             </a:r>
-            <a:endParaRPr lang="en-US" sz="5000">
+            <a:endParaRPr lang="en-US" sz="5000" dirty="0">
               <a:solidFill>
                 <a:schemeClr val="bg1"/>
               </a:solidFill>
@@ -8975,7 +9386,7 @@
           <a:lstStyle/>
           <a:p>
             <a:pPr algn="ctr"/>
-            <a:endParaRPr lang="en-US">
+            <a:endParaRPr lang="en-US" dirty="0">
               <a:solidFill>
                 <a:prstClr val="white"/>
               </a:solidFill>
@@ -9060,7 +9471,7 @@
               <a:tabLst/>
               <a:defRPr/>
             </a:pPr>
-            <a:endParaRPr kumimoji="0" lang="en-US" sz="1800" b="0" i="0" u="none" strike="noStrike" kern="1200" cap="none" spc="0" normalizeH="0" baseline="0" noProof="0">
+            <a:endParaRPr kumimoji="0" lang="en-US" sz="1800" b="0" i="0" u="none" strike="noStrike" kern="1200" cap="none" spc="0" normalizeH="0" baseline="0" noProof="0" dirty="0">
               <a:ln>
                 <a:noFill/>
               </a:ln>
@@ -9106,7 +9517,7 @@
           <a:lstStyle/>
           <a:p>
             <a:r>
-              <a:rPr lang="es-ES" sz="2000" b="1" i="0">
+              <a:rPr lang="es-ES" sz="2000" b="1" i="0" dirty="0">
                 <a:solidFill>
                   <a:schemeClr val="bg1"/>
                 </a:solidFill>
@@ -9116,7 +9527,7 @@
               <a:t>Estimar el costo total del proyecto de construcción</a:t>
             </a:r>
             <a:r>
-              <a:rPr lang="es-ES" sz="2000" b="0" i="0">
+              <a:rPr lang="es-ES" sz="2000" b="0" i="0" dirty="0">
                 <a:solidFill>
                   <a:schemeClr val="bg1"/>
                 </a:solidFill>
@@ -9125,7 +9536,7 @@
               </a:rPr>
               <a:t>, considerando la incertidumbre en las principales variables mediante la simulación Monte Carlo, con el fin de apoyar la toma de decisiones financieras y estratégicas.</a:t>
             </a:r>
-            <a:endParaRPr lang="en-US" sz="2000">
+            <a:endParaRPr lang="en-US" sz="2000" dirty="0">
               <a:solidFill>
                 <a:schemeClr val="bg1"/>
               </a:solidFill>
@@ -9149,9 +9560,510 @@
 <file path=ppt/slides/slide5.xml><?xml version="1.0" encoding="utf-8"?>
 <p:sld xmlns:a="http://schemas.openxmlformats.org/drawingml/2006/main" xmlns:r="http://schemas.openxmlformats.org/officeDocument/2006/relationships" xmlns:p="http://schemas.openxmlformats.org/presentationml/2006/main">
   <p:cSld>
+    <p:bg>
+      <p:bgPr>
+        <a:solidFill>
+          <a:schemeClr val="bg1"/>
+        </a:solidFill>
+        <a:effectLst/>
+      </p:bgPr>
+    </p:bg>
     <p:spTree>
       <p:nvGrpSpPr>
-        <p:cNvPr id="1" name=""/>
+        <p:cNvPr id="1" name="">
+          <a:extLst>
+            <a:ext uri="{FF2B5EF4-FFF2-40B4-BE49-F238E27FC236}">
+              <a16:creationId xmlns:a16="http://schemas.microsoft.com/office/drawing/2014/main" id="{C0117E33-197E-201B-A987-F01622A6516C}"/>
+            </a:ext>
+          </a:extLst>
+        </p:cNvPr>
+        <p:cNvGrpSpPr/>
+        <p:nvPr/>
+      </p:nvGrpSpPr>
+      <p:grpSpPr>
+        <a:xfrm>
+          <a:off x="0" y="0"/>
+          <a:ext cx="0" cy="0"/>
+          <a:chOff x="0" y="0"/>
+          <a:chExt cx="0" cy="0"/>
+        </a:xfrm>
+      </p:grpSpPr>
+      <p:sp>
+        <p:nvSpPr>
+          <p:cNvPr id="2055" name="!!Rectangle">
+            <a:extLst>
+              <a:ext uri="{FF2B5EF4-FFF2-40B4-BE49-F238E27FC236}">
+                <a16:creationId xmlns:a16="http://schemas.microsoft.com/office/drawing/2014/main" id="{DB5A19D9-4158-D1A5-E355-8BD89AD05F53}"/>
+              </a:ext>
+              <a:ext uri="{C183D7F6-B498-43B3-948B-1728B52AA6E4}">
+                <adec:decorative xmlns:adec="http://schemas.microsoft.com/office/drawing/2017/decorative" val="1"/>
+              </a:ext>
+            </a:extLst>
+          </p:cNvPr>
+          <p:cNvSpPr>
+            <a:spLocks noGrp="1" noRot="1" noChangeAspect="1" noMove="1" noResize="1" noEditPoints="1" noAdjustHandles="1" noChangeArrowheads="1" noChangeShapeType="1" noTextEdit="1"/>
+          </p:cNvSpPr>
+          <p:nvPr>
+            <p:extLst>
+              <p:ext uri="{386F3935-93C4-4BCD-93E2-E3B085C9AB24}">
+                <p16:designElem xmlns:p16="http://schemas.microsoft.com/office/powerpoint/2015/main" val="1"/>
+              </p:ext>
+            </p:extLst>
+          </p:nvPr>
+        </p:nvSpPr>
+        <p:spPr>
+          <a:xfrm>
+            <a:off x="0" y="0"/>
+            <a:ext cx="12192000" cy="6858000"/>
+          </a:xfrm>
+          <a:prstGeom prst="rect">
+            <a:avLst/>
+          </a:prstGeom>
+          <a:solidFill>
+            <a:schemeClr val="tx1"/>
+          </a:solidFill>
+          <a:ln>
+            <a:noFill/>
+          </a:ln>
+        </p:spPr>
+        <p:style>
+          <a:lnRef idx="2">
+            <a:schemeClr val="accent1">
+              <a:shade val="50000"/>
+            </a:schemeClr>
+          </a:lnRef>
+          <a:fillRef idx="1">
+            <a:schemeClr val="accent1"/>
+          </a:fillRef>
+          <a:effectRef idx="0">
+            <a:schemeClr val="accent1"/>
+          </a:effectRef>
+          <a:fontRef idx="minor">
+            <a:schemeClr val="lt1"/>
+          </a:fontRef>
+        </p:style>
+        <p:txBody>
+          <a:bodyPr rtlCol="0" anchor="ctr"/>
+          <a:lstStyle/>
+          <a:p>
+            <a:pPr algn="ctr"/>
+            <a:endParaRPr lang="en-US" dirty="0"/>
+          </a:p>
+        </p:txBody>
+      </p:sp>
+      <p:pic>
+        <p:nvPicPr>
+          <p:cNvPr id="1032" name="Picture 8" descr="Como construir una calle: Colado de pavimento de concreto de 15 cm ...">
+            <a:extLst>
+              <a:ext uri="{FF2B5EF4-FFF2-40B4-BE49-F238E27FC236}">
+                <a16:creationId xmlns:a16="http://schemas.microsoft.com/office/drawing/2014/main" id="{DF0A5A86-63CD-9000-6627-E273E3A57E44}"/>
+              </a:ext>
+            </a:extLst>
+          </p:cNvPr>
+          <p:cNvPicPr>
+            <a:picLocks noChangeAspect="1" noChangeArrowheads="1"/>
+          </p:cNvPicPr>
+          <p:nvPr/>
+        </p:nvPicPr>
+        <p:blipFill>
+          <a:blip r:embed="rId2">
+            <a:extLst>
+              <a:ext uri="{28A0092B-C50C-407E-A947-70E740481C1C}">
+                <a14:useLocalDpi xmlns:a14="http://schemas.microsoft.com/office/drawing/2010/main" val="0"/>
+              </a:ext>
+            </a:extLst>
+          </a:blip>
+          <a:srcRect/>
+          <a:stretch>
+            <a:fillRect/>
+          </a:stretch>
+        </p:blipFill>
+        <p:spPr bwMode="auto">
+          <a:xfrm>
+            <a:off x="0" y="0"/>
+            <a:ext cx="12192000" cy="6858000"/>
+          </a:xfrm>
+          <a:prstGeom prst="rect">
+            <a:avLst/>
+          </a:prstGeom>
+          <a:noFill/>
+          <a:extLst>
+            <a:ext uri="{909E8E84-426E-40DD-AFC4-6F175D3DCCD1}">
+              <a14:hiddenFill xmlns:a14="http://schemas.microsoft.com/office/drawing/2010/main">
+                <a:solidFill>
+                  <a:srgbClr val="FFFFFF"/>
+                </a:solidFill>
+              </a14:hiddenFill>
+            </a:ext>
+          </a:extLst>
+        </p:spPr>
+      </p:pic>
+      <p:sp>
+        <p:nvSpPr>
+          <p:cNvPr id="2" name="Title 1">
+            <a:extLst>
+              <a:ext uri="{FF2B5EF4-FFF2-40B4-BE49-F238E27FC236}">
+                <a16:creationId xmlns:a16="http://schemas.microsoft.com/office/drawing/2014/main" id="{C9B7F02C-5DAA-D5AF-AC28-54C89004A2CE}"/>
+              </a:ext>
+            </a:extLst>
+          </p:cNvPr>
+          <p:cNvSpPr>
+            <a:spLocks noGrp="1"/>
+          </p:cNvSpPr>
+          <p:nvPr>
+            <p:ph type="title"/>
+          </p:nvPr>
+        </p:nvSpPr>
+        <p:spPr>
+          <a:xfrm>
+            <a:off x="841249" y="941832"/>
+            <a:ext cx="10506456" cy="2057400"/>
+          </a:xfrm>
+        </p:spPr>
+        <p:txBody>
+          <a:bodyPr anchor="b">
+            <a:normAutofit/>
+          </a:bodyPr>
+          <a:lstStyle/>
+          <a:p>
+            <a:r>
+              <a:rPr lang="es-MX" sz="5000" dirty="0">
+                <a:solidFill>
+                  <a:schemeClr val="bg1"/>
+                </a:solidFill>
+              </a:rPr>
+              <a:t>Objetivos específicos: </a:t>
+            </a:r>
+            <a:endParaRPr lang="en-US" sz="5000" dirty="0">
+              <a:solidFill>
+                <a:schemeClr val="bg1"/>
+              </a:solidFill>
+            </a:endParaRPr>
+          </a:p>
+        </p:txBody>
+      </p:sp>
+      <p:sp>
+        <p:nvSpPr>
+          <p:cNvPr id="2057" name="Rectangle 2056">
+            <a:extLst>
+              <a:ext uri="{FF2B5EF4-FFF2-40B4-BE49-F238E27FC236}">
+                <a16:creationId xmlns:a16="http://schemas.microsoft.com/office/drawing/2014/main" id="{C51695F2-4A5C-34D9-0DD5-6CB6EC46761F}"/>
+              </a:ext>
+              <a:ext uri="{C183D7F6-B498-43B3-948B-1728B52AA6E4}">
+                <adec:decorative xmlns:adec="http://schemas.microsoft.com/office/drawing/2017/decorative" val="1"/>
+              </a:ext>
+            </a:extLst>
+          </p:cNvPr>
+          <p:cNvSpPr>
+            <a:spLocks noGrp="1" noRot="1" noChangeAspect="1" noMove="1" noResize="1" noEditPoints="1" noAdjustHandles="1" noChangeArrowheads="1" noChangeShapeType="1" noTextEdit="1"/>
+          </p:cNvSpPr>
+          <p:nvPr>
+            <p:extLst>
+              <p:ext uri="{386F3935-93C4-4BCD-93E2-E3B085C9AB24}">
+                <p16:designElem xmlns:p16="http://schemas.microsoft.com/office/powerpoint/2015/main" val="1"/>
+              </p:ext>
+            </p:extLst>
+          </p:nvPr>
+        </p:nvSpPr>
+        <p:spPr>
+          <a:xfrm rot="5400000">
+            <a:off x="1120140" y="346791"/>
+            <a:ext cx="146304" cy="704088"/>
+          </a:xfrm>
+          <a:prstGeom prst="rect">
+            <a:avLst/>
+          </a:prstGeom>
+          <a:solidFill>
+            <a:schemeClr val="accent2"/>
+          </a:solidFill>
+          <a:ln>
+            <a:noFill/>
+          </a:ln>
+        </p:spPr>
+        <p:style>
+          <a:lnRef idx="2">
+            <a:schemeClr val="accent1">
+              <a:shade val="50000"/>
+            </a:schemeClr>
+          </a:lnRef>
+          <a:fillRef idx="1">
+            <a:schemeClr val="accent1"/>
+          </a:fillRef>
+          <a:effectRef idx="0">
+            <a:schemeClr val="accent1"/>
+          </a:effectRef>
+          <a:fontRef idx="minor">
+            <a:schemeClr val="lt1"/>
+          </a:fontRef>
+        </p:style>
+        <p:txBody>
+          <a:bodyPr rtlCol="0" anchor="ctr"/>
+          <a:lstStyle/>
+          <a:p>
+            <a:pPr algn="ctr"/>
+            <a:endParaRPr lang="en-US" dirty="0">
+              <a:solidFill>
+                <a:prstClr val="white"/>
+              </a:solidFill>
+              <a:latin typeface="Calibri" panose="020F0502020204030204"/>
+            </a:endParaRPr>
+          </a:p>
+        </p:txBody>
+      </p:sp>
+      <p:sp>
+        <p:nvSpPr>
+          <p:cNvPr id="2059" name="Rectangle 2058">
+            <a:extLst>
+              <a:ext uri="{FF2B5EF4-FFF2-40B4-BE49-F238E27FC236}">
+                <a16:creationId xmlns:a16="http://schemas.microsoft.com/office/drawing/2014/main" id="{11F93BB6-4647-153C-4BA2-02B5AA23F63C}"/>
+              </a:ext>
+              <a:ext uri="{C183D7F6-B498-43B3-948B-1728B52AA6E4}">
+                <adec:decorative xmlns:adec="http://schemas.microsoft.com/office/drawing/2017/decorative" val="1"/>
+              </a:ext>
+            </a:extLst>
+          </p:cNvPr>
+          <p:cNvSpPr>
+            <a:spLocks noGrp="1" noRot="1" noChangeAspect="1" noMove="1" noResize="1" noEditPoints="1" noAdjustHandles="1" noChangeArrowheads="1" noChangeShapeType="1" noTextEdit="1"/>
+          </p:cNvSpPr>
+          <p:nvPr>
+            <p:extLst>
+              <p:ext uri="{386F3935-93C4-4BCD-93E2-E3B085C9AB24}">
+                <p16:designElem xmlns:p16="http://schemas.microsoft.com/office/powerpoint/2015/main" val="1"/>
+              </p:ext>
+            </p:extLst>
+          </p:nvPr>
+        </p:nvSpPr>
+        <p:spPr>
+          <a:xfrm>
+            <a:off x="841248" y="3241202"/>
+            <a:ext cx="10506456" cy="18288"/>
+          </a:xfrm>
+          <a:prstGeom prst="rect">
+            <a:avLst/>
+          </a:prstGeom>
+          <a:solidFill>
+            <a:schemeClr val="bg1"/>
+          </a:solidFill>
+          <a:ln w="3175">
+            <a:noFill/>
+          </a:ln>
+          <a:effectLst/>
+        </p:spPr>
+        <p:style>
+          <a:lnRef idx="2">
+            <a:schemeClr val="accent1">
+              <a:shade val="50000"/>
+            </a:schemeClr>
+          </a:lnRef>
+          <a:fillRef idx="1">
+            <a:schemeClr val="accent1"/>
+          </a:fillRef>
+          <a:effectRef idx="0">
+            <a:schemeClr val="accent1"/>
+          </a:effectRef>
+          <a:fontRef idx="minor">
+            <a:schemeClr val="lt1"/>
+          </a:fontRef>
+        </p:style>
+        <p:txBody>
+          <a:bodyPr rtlCol="0" anchor="ctr"/>
+          <a:lstStyle/>
+          <a:p>
+            <a:pPr marL="0" marR="0" lvl="0" indent="0" algn="ctr" defTabSz="914400" rtl="0" eaLnBrk="1" fontAlgn="auto" latinLnBrk="0" hangingPunct="1">
+              <a:lnSpc>
+                <a:spcPct val="100000"/>
+              </a:lnSpc>
+              <a:spcBef>
+                <a:spcPts val="0"/>
+              </a:spcBef>
+              <a:spcAft>
+                <a:spcPts val="0"/>
+              </a:spcAft>
+              <a:buClrTx/>
+              <a:buSzTx/>
+              <a:buFontTx/>
+              <a:buNone/>
+              <a:tabLst/>
+              <a:defRPr/>
+            </a:pPr>
+            <a:endParaRPr kumimoji="0" lang="en-US" sz="1800" b="0" i="0" u="none" strike="noStrike" kern="1200" cap="none" spc="0" normalizeH="0" baseline="0" noProof="0" dirty="0">
+              <a:ln>
+                <a:noFill/>
+              </a:ln>
+              <a:solidFill>
+                <a:prstClr val="white"/>
+              </a:solidFill>
+              <a:effectLst/>
+              <a:uLnTx/>
+              <a:uFillTx/>
+              <a:latin typeface="Calibri" panose="020F0502020204030204"/>
+              <a:ea typeface="+mn-ea"/>
+              <a:cs typeface="+mn-cs"/>
+            </a:endParaRPr>
+          </a:p>
+        </p:txBody>
+      </p:sp>
+      <p:sp>
+        <p:nvSpPr>
+          <p:cNvPr id="3" name="Content Placeholder 2">
+            <a:extLst>
+              <a:ext uri="{FF2B5EF4-FFF2-40B4-BE49-F238E27FC236}">
+                <a16:creationId xmlns:a16="http://schemas.microsoft.com/office/drawing/2014/main" id="{8317A457-D778-66D9-CD4B-66EA59EA48B2}"/>
+              </a:ext>
+            </a:extLst>
+          </p:cNvPr>
+          <p:cNvSpPr>
+            <a:spLocks noGrp="1"/>
+          </p:cNvSpPr>
+          <p:nvPr>
+            <p:ph idx="1"/>
+          </p:nvPr>
+        </p:nvSpPr>
+        <p:spPr>
+          <a:xfrm>
+            <a:off x="841248" y="3502152"/>
+            <a:ext cx="10506456" cy="2670048"/>
+          </a:xfrm>
+        </p:spPr>
+        <p:txBody>
+          <a:bodyPr>
+            <a:normAutofit/>
+          </a:bodyPr>
+          <a:lstStyle/>
+          <a:p>
+            <a:r>
+              <a:rPr lang="es-ES" sz="2000" b="1" i="0" dirty="0">
+                <a:solidFill>
+                  <a:schemeClr val="bg1"/>
+                </a:solidFill>
+                <a:effectLst/>
+                <a:latin typeface="system-ui"/>
+              </a:rPr>
+              <a:t>1-. Implementar una simulación para modelar </a:t>
+            </a:r>
+            <a:r>
+              <a:rPr lang="es-ES" sz="2000" i="0" dirty="0">
+                <a:solidFill>
+                  <a:schemeClr val="bg1"/>
+                </a:solidFill>
+                <a:effectLst/>
+                <a:latin typeface="system-ui"/>
+              </a:rPr>
+              <a:t>la variabilidad de los costos principales del proyecto (materiales, mano de obra, equipo, etc.).</a:t>
+            </a:r>
+          </a:p>
+          <a:p>
+            <a:r>
+              <a:rPr lang="es-ES" sz="2000" b="1" i="0" dirty="0">
+                <a:solidFill>
+                  <a:schemeClr val="bg1"/>
+                </a:solidFill>
+                <a:effectLst/>
+                <a:latin typeface="system-ui"/>
+              </a:rPr>
+              <a:t>2-. Simular múltiples escenarios </a:t>
+            </a:r>
+            <a:r>
+              <a:rPr lang="es-ES" sz="2000" i="0" dirty="0">
+                <a:solidFill>
+                  <a:schemeClr val="bg1"/>
+                </a:solidFill>
+                <a:effectLst/>
+                <a:latin typeface="system-ui"/>
+              </a:rPr>
+              <a:t>para obtener una distribución del costo total del proyecto</a:t>
+            </a:r>
+            <a:r>
+              <a:rPr lang="es-ES" sz="2000" b="1" dirty="0">
+                <a:solidFill>
+                  <a:schemeClr val="bg1"/>
+                </a:solidFill>
+                <a:latin typeface="system-ui"/>
+              </a:rPr>
+              <a:t>.</a:t>
+            </a:r>
+            <a:endParaRPr lang="es-ES" sz="2000" b="1" i="0" dirty="0">
+              <a:solidFill>
+                <a:schemeClr val="bg1"/>
+              </a:solidFill>
+              <a:effectLst/>
+              <a:latin typeface="system-ui"/>
+            </a:endParaRPr>
+          </a:p>
+          <a:p>
+            <a:r>
+              <a:rPr lang="es-ES" sz="2000" b="1" i="0" dirty="0">
+                <a:solidFill>
+                  <a:schemeClr val="bg1"/>
+                </a:solidFill>
+                <a:effectLst/>
+                <a:latin typeface="system-ui"/>
+              </a:rPr>
+              <a:t>3-. </a:t>
+            </a:r>
+            <a:r>
+              <a:rPr lang="es-ES" sz="2000" i="0" dirty="0">
+                <a:solidFill>
+                  <a:schemeClr val="bg1"/>
+                </a:solidFill>
+                <a:effectLst/>
+                <a:latin typeface="system-ui"/>
+              </a:rPr>
+              <a:t>Determinar la probabilidad de que el costo total</a:t>
+            </a:r>
+            <a:r>
+              <a:rPr lang="es-ES" sz="2000" b="1" i="0" dirty="0">
+                <a:solidFill>
+                  <a:schemeClr val="bg1"/>
+                </a:solidFill>
+                <a:effectLst/>
+                <a:latin typeface="system-ui"/>
+              </a:rPr>
+              <a:t> </a:t>
+            </a:r>
+            <a:r>
+              <a:rPr lang="es-ES" sz="2000" i="0" dirty="0">
+                <a:solidFill>
+                  <a:schemeClr val="bg1"/>
+                </a:solidFill>
+                <a:effectLst/>
+                <a:latin typeface="system-ui"/>
+              </a:rPr>
+              <a:t>se mantenga dentro de un presupuesto específico, previamente definido.</a:t>
+            </a:r>
+            <a:endParaRPr lang="en-US" sz="2000" dirty="0">
+              <a:solidFill>
+                <a:schemeClr val="bg1"/>
+              </a:solidFill>
+            </a:endParaRPr>
+          </a:p>
+        </p:txBody>
+      </p:sp>
+    </p:spTree>
+    <p:extLst>
+      <p:ext uri="{BB962C8B-B14F-4D97-AF65-F5344CB8AC3E}">
+        <p14:creationId xmlns:p14="http://schemas.microsoft.com/office/powerpoint/2010/main" val="266378119"/>
+      </p:ext>
+    </p:extLst>
+  </p:cSld>
+  <p:clrMapOvr>
+    <a:masterClrMapping/>
+  </p:clrMapOvr>
+</p:sld>
+</file>
+
+<file path=ppt/slides/slide6.xml><?xml version="1.0" encoding="utf-8"?>
+<p:sld xmlns:a="http://schemas.openxmlformats.org/drawingml/2006/main" xmlns:r="http://schemas.openxmlformats.org/officeDocument/2006/relationships" xmlns:p="http://schemas.openxmlformats.org/presentationml/2006/main">
+  <p:cSld>
+    <p:spTree>
+      <p:nvGrpSpPr>
+        <p:cNvPr id="1" name="">
+          <a:extLst>
+            <a:ext uri="{FF2B5EF4-FFF2-40B4-BE49-F238E27FC236}">
+              <a16:creationId xmlns:a16="http://schemas.microsoft.com/office/drawing/2014/main" id="{CA7B9E88-9002-F9E0-337F-AA9AB11083DE}"/>
+            </a:ext>
+          </a:extLst>
+        </p:cNvPr>
         <p:cNvGrpSpPr/>
         <p:nvPr/>
       </p:nvGrpSpPr>
@@ -9168,7 +10080,7 @@
           <p:cNvPr id="2" name="Title 1">
             <a:extLst>
               <a:ext uri="{FF2B5EF4-FFF2-40B4-BE49-F238E27FC236}">
-                <a16:creationId xmlns:a16="http://schemas.microsoft.com/office/drawing/2014/main" id="{B76D17AE-D36E-B8D1-2555-2600DEFFCC7A}"/>
+                <a16:creationId xmlns:a16="http://schemas.microsoft.com/office/drawing/2014/main" id="{56559AE1-F8EB-235A-878A-B3B72E2ACFCC}"/>
               </a:ext>
             </a:extLst>
           </p:cNvPr>
@@ -9186,7 +10098,7 @@
           <a:p>
             <a:r>
               <a:rPr lang="es-MX" dirty="0"/>
-              <a:t>Objetivos específicos: </a:t>
+              <a:t>Modelo que representa el problema</a:t>
             </a:r>
             <a:endParaRPr lang="en-US" dirty="0"/>
           </a:p>
@@ -9194,10 +10106,10 @@
       </p:sp>
       <p:sp>
         <p:nvSpPr>
-          <p:cNvPr id="3" name="Content Placeholder 2">
+          <p:cNvPr id="9" name="Content Placeholder 2">
             <a:extLst>
               <a:ext uri="{FF2B5EF4-FFF2-40B4-BE49-F238E27FC236}">
-                <a16:creationId xmlns:a16="http://schemas.microsoft.com/office/drawing/2014/main" id="{E68A4226-D5E7-B030-2AC3-1785F2F323A4}"/>
+                <a16:creationId xmlns:a16="http://schemas.microsoft.com/office/drawing/2014/main" id="{BD2F769E-BC19-7DA7-4A4C-26DA40893213}"/>
               </a:ext>
             </a:extLst>
           </p:cNvPr>
@@ -9208,19 +10120,128 @@
             <p:ph idx="1"/>
           </p:nvPr>
         </p:nvSpPr>
-        <p:spPr/>
+        <p:spPr>
+          <a:xfrm>
+            <a:off x="101600" y="1690688"/>
+            <a:ext cx="11246104" cy="4481512"/>
+          </a:xfrm>
+        </p:spPr>
         <p:txBody>
-          <a:bodyPr/>
+          <a:bodyPr>
+            <a:normAutofit fontScale="92500" lnSpcReduction="10000"/>
+          </a:bodyPr>
           <a:lstStyle/>
           <a:p>
-            <a:endParaRPr lang="en-US"/>
+            <a:r>
+              <a:rPr lang="es-ES" b="1" i="0" dirty="0">
+                <a:effectLst/>
+                <a:latin typeface="system-ui"/>
+              </a:rPr>
+              <a:t>Función:</a:t>
+            </a:r>
+          </a:p>
+          <a:p>
+            <a:r>
+              <a:rPr lang="es-ES" b="1" i="0" dirty="0">
+                <a:effectLst/>
+                <a:latin typeface="system-ui"/>
+              </a:rPr>
+              <a:t>Costos totales del proyecto </a:t>
+            </a:r>
+          </a:p>
+          <a:p>
+            <a:pPr lvl="1"/>
+            <a:r>
+              <a:rPr lang="es-ES" b="1" i="0" dirty="0">
+                <a:effectLst/>
+                <a:latin typeface="system-ui"/>
+              </a:rPr>
+              <a:t>Costos totales = materiales + mano de obra + maquinaria + imprevistos </a:t>
+            </a:r>
+          </a:p>
+          <a:p>
+            <a:r>
+              <a:rPr lang="es-ES" b="1" i="0" dirty="0">
+                <a:effectLst/>
+                <a:latin typeface="system-ui"/>
+              </a:rPr>
+              <a:t>Costos de Materiales: </a:t>
+            </a:r>
+          </a:p>
+          <a:p>
+            <a:pPr lvl="1"/>
+            <a:r>
+              <a:rPr lang="es-ES" b="1" i="0" dirty="0">
+                <a:effectLst/>
+                <a:latin typeface="system-ui"/>
+              </a:rPr>
+              <a:t>Materiales = acero + concreto + grava + tepetate</a:t>
+            </a:r>
+          </a:p>
+          <a:p>
+            <a:r>
+              <a:rPr lang="es-ES" b="1" i="0" dirty="0">
+                <a:effectLst/>
+                <a:latin typeface="system-ui"/>
+              </a:rPr>
+              <a:t>Costos de mano de obra: </a:t>
+            </a:r>
+          </a:p>
+          <a:p>
+            <a:pPr lvl="1"/>
+            <a:r>
+              <a:rPr lang="es-ES" b="1" i="0" dirty="0">
+                <a:effectLst/>
+                <a:latin typeface="system-ui"/>
+              </a:rPr>
+              <a:t>Mano de obra = (obrero + supervisor + ingeniero) * días trabajados</a:t>
+            </a:r>
+          </a:p>
+          <a:p>
+            <a:r>
+              <a:rPr lang="es-ES" b="1" i="0" dirty="0">
+                <a:effectLst/>
+                <a:latin typeface="system-ui"/>
+              </a:rPr>
+              <a:t>Costo de equipos: </a:t>
+            </a:r>
+          </a:p>
+          <a:p>
+            <a:pPr lvl="1"/>
+            <a:r>
+              <a:rPr lang="es-ES" b="1" i="0" dirty="0">
+                <a:effectLst/>
+                <a:latin typeface="system-ui"/>
+              </a:rPr>
+              <a:t>Suma total de la maquinaria = compactadora + retro + camión de volteo </a:t>
+            </a:r>
+          </a:p>
+          <a:p>
+            <a:r>
+              <a:rPr lang="es-ES" b="1" i="0" dirty="0">
+                <a:effectLst/>
+                <a:latin typeface="system-ui"/>
+              </a:rPr>
+              <a:t>Gastos imprevistos: </a:t>
+            </a:r>
+          </a:p>
+          <a:p>
+            <a:pPr lvl="1"/>
+            <a:r>
+              <a:rPr lang="es-ES" b="1" i="0" dirty="0">
+                <a:effectLst/>
+                <a:latin typeface="system-ui"/>
+              </a:rPr>
+              <a:t>Costo final = costo total del proyecto * imprevistos</a:t>
+            </a:r>
+            <a:endParaRPr lang="en-US" dirty="0"/>
           </a:p>
         </p:txBody>
       </p:sp>
     </p:spTree>
     <p:extLst>
       <p:ext uri="{BB962C8B-B14F-4D97-AF65-F5344CB8AC3E}">
-        <p14:creationId xmlns:p14="http://schemas.microsoft.com/office/powerpoint/2010/main" val="2190066534"/>
+        <p14:creationId xmlns:p14="http://schemas.microsoft.com/office/powerpoint/2010/main" val="558703498"/>
       </p:ext>
     </p:extLst>
   </p:cSld>
@@ -9230,7 +10251,206 @@
 </p:sld>
 </file>
 
-<file path=ppt/slides/slide6.xml><?xml version="1.0" encoding="utf-8"?>
+<file path=ppt/slides/slide7.xml><?xml version="1.0" encoding="utf-8"?>
+<p:sld xmlns:a="http://schemas.openxmlformats.org/drawingml/2006/main" xmlns:r="http://schemas.openxmlformats.org/officeDocument/2006/relationships" xmlns:p="http://schemas.openxmlformats.org/presentationml/2006/main">
+  <p:cSld>
+    <p:spTree>
+      <p:nvGrpSpPr>
+        <p:cNvPr id="1" name="">
+          <a:extLst>
+            <a:ext uri="{FF2B5EF4-FFF2-40B4-BE49-F238E27FC236}">
+              <a16:creationId xmlns:a16="http://schemas.microsoft.com/office/drawing/2014/main" id="{C59DD5D2-13E5-78D9-2128-51AFAE22AC38}"/>
+            </a:ext>
+          </a:extLst>
+        </p:cNvPr>
+        <p:cNvGrpSpPr/>
+        <p:nvPr/>
+      </p:nvGrpSpPr>
+      <p:grpSpPr>
+        <a:xfrm>
+          <a:off x="0" y="0"/>
+          <a:ext cx="0" cy="0"/>
+          <a:chOff x="0" y="0"/>
+          <a:chExt cx="0" cy="0"/>
+        </a:xfrm>
+      </p:grpSpPr>
+      <p:sp>
+        <p:nvSpPr>
+          <p:cNvPr id="2" name="Title 1">
+            <a:extLst>
+              <a:ext uri="{FF2B5EF4-FFF2-40B4-BE49-F238E27FC236}">
+                <a16:creationId xmlns:a16="http://schemas.microsoft.com/office/drawing/2014/main" id="{809E4145-7535-EF3C-A4F0-2E99AAF10547}"/>
+              </a:ext>
+            </a:extLst>
+          </p:cNvPr>
+          <p:cNvSpPr>
+            <a:spLocks noGrp="1"/>
+          </p:cNvSpPr>
+          <p:nvPr>
+            <p:ph type="title"/>
+          </p:nvPr>
+        </p:nvSpPr>
+        <p:spPr/>
+        <p:txBody>
+          <a:bodyPr/>
+          <a:lstStyle/>
+          <a:p>
+            <a:r>
+              <a:rPr lang="es-MX" dirty="0"/>
+              <a:t>Función objetivo</a:t>
+            </a:r>
+            <a:endParaRPr lang="en-US" dirty="0"/>
+          </a:p>
+        </p:txBody>
+      </p:sp>
+      <p:sp>
+        <p:nvSpPr>
+          <p:cNvPr id="9" name="Content Placeholder 2">
+            <a:extLst>
+              <a:ext uri="{FF2B5EF4-FFF2-40B4-BE49-F238E27FC236}">
+                <a16:creationId xmlns:a16="http://schemas.microsoft.com/office/drawing/2014/main" id="{4C2DA1B5-27FC-EDBC-9DB8-59FB68326D1E}"/>
+              </a:ext>
+            </a:extLst>
+          </p:cNvPr>
+          <p:cNvSpPr>
+            <a:spLocks noGrp="1"/>
+          </p:cNvSpPr>
+          <p:nvPr>
+            <p:ph idx="1"/>
+          </p:nvPr>
+        </p:nvSpPr>
+        <p:spPr>
+          <a:xfrm>
+            <a:off x="101600" y="1690688"/>
+            <a:ext cx="11246104" cy="4481512"/>
+          </a:xfrm>
+        </p:spPr>
+        <p:txBody>
+          <a:bodyPr>
+            <a:normAutofit fontScale="92500" lnSpcReduction="10000"/>
+          </a:bodyPr>
+          <a:lstStyle/>
+          <a:p>
+            <a:r>
+              <a:rPr lang="es-ES" b="1" i="0" dirty="0">
+                <a:effectLst/>
+                <a:latin typeface="system-ui"/>
+              </a:rPr>
+              <a:t>Función:</a:t>
+            </a:r>
+          </a:p>
+          <a:p>
+            <a:r>
+              <a:rPr lang="es-ES" b="1" i="0" dirty="0">
+                <a:effectLst/>
+                <a:latin typeface="system-ui"/>
+              </a:rPr>
+              <a:t>Costos totales del proyecto </a:t>
+            </a:r>
+          </a:p>
+          <a:p>
+            <a:pPr lvl="1"/>
+            <a:r>
+              <a:rPr lang="es-ES" b="1" i="0" dirty="0">
+                <a:effectLst/>
+                <a:latin typeface="system-ui"/>
+              </a:rPr>
+              <a:t>Costos totales = materiales + mano de obra + maquinaria + imprevistos </a:t>
+            </a:r>
+          </a:p>
+          <a:p>
+            <a:r>
+              <a:rPr lang="es-ES" b="1" i="0" dirty="0">
+                <a:effectLst/>
+                <a:latin typeface="system-ui"/>
+              </a:rPr>
+              <a:t>Costos de Materiales: </a:t>
+            </a:r>
+          </a:p>
+          <a:p>
+            <a:pPr lvl="1"/>
+            <a:r>
+              <a:rPr lang="es-ES" b="1" i="0" dirty="0">
+                <a:effectLst/>
+                <a:latin typeface="system-ui"/>
+              </a:rPr>
+              <a:t>Materiales = acero + concreto + grava + tepetate</a:t>
+            </a:r>
+          </a:p>
+          <a:p>
+            <a:r>
+              <a:rPr lang="es-ES" b="1" i="0" dirty="0">
+                <a:effectLst/>
+                <a:latin typeface="system-ui"/>
+              </a:rPr>
+              <a:t>Costos de mano de obra: </a:t>
+            </a:r>
+          </a:p>
+          <a:p>
+            <a:pPr lvl="1"/>
+            <a:r>
+              <a:rPr lang="es-ES" b="1" i="0" dirty="0">
+                <a:effectLst/>
+                <a:latin typeface="system-ui"/>
+              </a:rPr>
+              <a:t>Mano de obra = (obrero + supervisor + ingeniero) * días trabajados</a:t>
+            </a:r>
+          </a:p>
+          <a:p>
+            <a:r>
+              <a:rPr lang="es-ES" b="1" i="0" dirty="0">
+                <a:effectLst/>
+                <a:latin typeface="system-ui"/>
+              </a:rPr>
+              <a:t>Costo de equipos: </a:t>
+            </a:r>
+          </a:p>
+          <a:p>
+            <a:pPr lvl="1"/>
+            <a:r>
+              <a:rPr lang="es-ES" b="1" i="0" dirty="0">
+                <a:effectLst/>
+                <a:latin typeface="system-ui"/>
+              </a:rPr>
+              <a:t>Suma total de la maquinaria = compactadora + retro + camión de volteo </a:t>
+            </a:r>
+          </a:p>
+          <a:p>
+            <a:r>
+              <a:rPr lang="es-ES" b="1" i="0" dirty="0">
+                <a:effectLst/>
+                <a:latin typeface="system-ui"/>
+              </a:rPr>
+              <a:t>Gastos imprevistos: </a:t>
+            </a:r>
+          </a:p>
+          <a:p>
+            <a:pPr lvl="1"/>
+            <a:r>
+              <a:rPr lang="es-ES" b="1" i="0" dirty="0">
+                <a:effectLst/>
+                <a:latin typeface="system-ui"/>
+              </a:rPr>
+              <a:t>Costo final = costo total del proyecto * imprevistos</a:t>
+            </a:r>
+            <a:endParaRPr lang="en-US" dirty="0"/>
+          </a:p>
+        </p:txBody>
+      </p:sp>
+    </p:spTree>
+    <p:extLst>
+      <p:ext uri="{BB962C8B-B14F-4D97-AF65-F5344CB8AC3E}">
+        <p14:creationId xmlns:p14="http://schemas.microsoft.com/office/powerpoint/2010/main" val="705755219"/>
+      </p:ext>
+    </p:extLst>
+  </p:cSld>
+  <p:clrMapOvr>
+    <a:masterClrMapping/>
+  </p:clrMapOvr>
+</p:sld>
+</file>
+
+<file path=ppt/slides/slide8.xml><?xml version="1.0" encoding="utf-8"?>
 <p:sld xmlns:a="http://schemas.openxmlformats.org/drawingml/2006/main" xmlns:r="http://schemas.openxmlformats.org/officeDocument/2006/relationships" xmlns:p="http://schemas.openxmlformats.org/presentationml/2006/main">
   <p:cSld>
     <p:bg>
@@ -9311,7 +10531,7 @@
           <a:lstStyle/>
           <a:p>
             <a:pPr algn="ctr"/>
-            <a:endParaRPr lang="en-US"/>
+            <a:endParaRPr lang="en-US" dirty="0"/>
           </a:p>
         </p:txBody>
       </p:sp>
@@ -10619,7 +11839,7 @@
           </a:bodyPr>
           <a:lstStyle/>
           <a:p>
-            <a:endParaRPr lang="en-US"/>
+            <a:endParaRPr lang="en-US" dirty="0"/>
           </a:p>
         </p:txBody>
       </p:sp>
@@ -10728,12 +11948,8 @@
           <a:p>
             <a:pPr lvl="0"/>
             <a:r>
-              <a:rPr lang="en-US" sz="2400" dirty="0" err="1"/>
-              <a:t>Concreto</a:t>
-            </a:r>
-            <a:r>
               <a:rPr lang="en-US" sz="2400" dirty="0"/>
-              <a:t>:  525 m3</a:t>
+              <a:t>Concreto:  525 m3</a:t>
             </a:r>
           </a:p>
           <a:p>
@@ -10832,12 +12048,18 @@
 </p:sld>
 </file>
 
-<file path=ppt/slides/slide7.xml><?xml version="1.0" encoding="utf-8"?>
+<file path=ppt/slides/slide9.xml><?xml version="1.0" encoding="utf-8"?>
 <p:sld xmlns:a="http://schemas.openxmlformats.org/drawingml/2006/main" xmlns:r="http://schemas.openxmlformats.org/officeDocument/2006/relationships" xmlns:p="http://schemas.openxmlformats.org/presentationml/2006/main">
   <p:cSld>
     <p:spTree>
       <p:nvGrpSpPr>
-        <p:cNvPr id="1" name=""/>
+        <p:cNvPr id="1" name="">
+          <a:extLst>
+            <a:ext uri="{FF2B5EF4-FFF2-40B4-BE49-F238E27FC236}">
+              <a16:creationId xmlns:a16="http://schemas.microsoft.com/office/drawing/2014/main" id="{B10619FD-B271-8AC9-CA91-3D62BBF0245C}"/>
+            </a:ext>
+          </a:extLst>
+        </p:cNvPr>
         <p:cNvGrpSpPr/>
         <p:nvPr/>
       </p:nvGrpSpPr>
@@ -10854,7 +12076,7 @@
           <p:cNvPr id="2" name="Title 1">
             <a:extLst>
               <a:ext uri="{FF2B5EF4-FFF2-40B4-BE49-F238E27FC236}">
-                <a16:creationId xmlns:a16="http://schemas.microsoft.com/office/drawing/2014/main" id="{A2F255B4-E3AD-F94D-7EF4-D70CCC5A3BEB}"/>
+                <a16:creationId xmlns:a16="http://schemas.microsoft.com/office/drawing/2014/main" id="{4E55EE00-8989-7604-912A-202CC4EA7318}"/>
               </a:ext>
             </a:extLst>
           </p:cNvPr>
@@ -10872,76 +12094,150 @@
           <a:p>
             <a:r>
               <a:rPr lang="es-MX" dirty="0"/>
-              <a:t>Identificación de costos.</a:t>
+              <a:t>Variables de decisión</a:t>
             </a:r>
             <a:endParaRPr lang="en-US" dirty="0"/>
           </a:p>
         </p:txBody>
       </p:sp>
-      <p:pic>
-        <p:nvPicPr>
-          <p:cNvPr id="5" name="Picture 4">
+      <p:sp>
+        <p:nvSpPr>
+          <p:cNvPr id="9" name="Content Placeholder 2">
             <a:extLst>
               <a:ext uri="{FF2B5EF4-FFF2-40B4-BE49-F238E27FC236}">
-                <a16:creationId xmlns:a16="http://schemas.microsoft.com/office/drawing/2014/main" id="{E99D6867-A433-9FCF-2DE5-1F05947ABE1F}"/>
+                <a16:creationId xmlns:a16="http://schemas.microsoft.com/office/drawing/2014/main" id="{3BCAA50A-E16A-6793-F35A-F2035D5A86F7}"/>
               </a:ext>
             </a:extLst>
           </p:cNvPr>
-          <p:cNvPicPr>
-            <a:picLocks noChangeAspect="1"/>
-          </p:cNvPicPr>
-          <p:nvPr/>
-        </p:nvPicPr>
-        <p:blipFill>
-          <a:blip r:embed="rId2"/>
-          <a:stretch>
-            <a:fillRect/>
-          </a:stretch>
-        </p:blipFill>
+          <p:cNvSpPr>
+            <a:spLocks noGrp="1"/>
+          </p:cNvSpPr>
+          <p:nvPr>
+            <p:ph idx="1"/>
+          </p:nvPr>
+        </p:nvSpPr>
         <p:spPr>
           <a:xfrm>
-            <a:off x="652075" y="2161211"/>
-            <a:ext cx="2995797" cy="919288"/>
+            <a:off x="101600" y="1690688"/>
+            <a:ext cx="11246104" cy="4481512"/>
           </a:xfrm>
-          <a:prstGeom prst="rect">
-            <a:avLst/>
-          </a:prstGeom>
         </p:spPr>
-      </p:pic>
-      <p:pic>
-        <p:nvPicPr>
-          <p:cNvPr id="7" name="Picture 6">
-            <a:extLst>
-              <a:ext uri="{FF2B5EF4-FFF2-40B4-BE49-F238E27FC236}">
-                <a16:creationId xmlns:a16="http://schemas.microsoft.com/office/drawing/2014/main" id="{2B4F9ABB-B05F-E556-0260-938BD284B754}"/>
-              </a:ext>
-            </a:extLst>
-          </p:cNvPr>
-          <p:cNvPicPr>
-            <a:picLocks noChangeAspect="1"/>
-          </p:cNvPicPr>
-          <p:nvPr/>
-        </p:nvPicPr>
-        <p:blipFill>
-          <a:blip r:embed="rId3"/>
-          <a:stretch>
-            <a:fillRect/>
-          </a:stretch>
-        </p:blipFill>
-        <p:spPr>
-          <a:xfrm>
-            <a:off x="652075" y="3946267"/>
-            <a:ext cx="2995797" cy="2107213"/>
-          </a:xfrm>
-          <a:prstGeom prst="rect">
-            <a:avLst/>
-          </a:prstGeom>
-        </p:spPr>
-      </p:pic>
+        <p:txBody>
+          <a:bodyPr>
+            <a:normAutofit fontScale="92500" lnSpcReduction="10000"/>
+          </a:bodyPr>
+          <a:lstStyle/>
+          <a:p>
+            <a:r>
+              <a:rPr lang="es-ES" b="1" i="0" dirty="0">
+                <a:effectLst/>
+                <a:latin typeface="system-ui"/>
+              </a:rPr>
+              <a:t>Función:</a:t>
+            </a:r>
+          </a:p>
+          <a:p>
+            <a:r>
+              <a:rPr lang="es-ES" b="1" i="0" dirty="0">
+                <a:effectLst/>
+                <a:latin typeface="system-ui"/>
+              </a:rPr>
+              <a:t>Costos totales del proyecto </a:t>
+            </a:r>
+          </a:p>
+          <a:p>
+            <a:pPr lvl="1"/>
+            <a:r>
+              <a:rPr lang="es-ES" b="1" i="0" dirty="0">
+                <a:effectLst/>
+                <a:latin typeface="system-ui"/>
+              </a:rPr>
+              <a:t>Costos totales = materiales + mano de obra + maquinaria + imprevistos </a:t>
+            </a:r>
+          </a:p>
+          <a:p>
+            <a:r>
+              <a:rPr lang="es-ES" b="1" i="0" dirty="0">
+                <a:effectLst/>
+                <a:latin typeface="system-ui"/>
+              </a:rPr>
+              <a:t>Costos de Materiales: </a:t>
+            </a:r>
+          </a:p>
+          <a:p>
+            <a:pPr lvl="1"/>
+            <a:r>
+              <a:rPr lang="es-ES" b="1" i="0" dirty="0">
+                <a:effectLst/>
+                <a:latin typeface="system-ui"/>
+              </a:rPr>
+              <a:t>Materiales = acero + concreto + grava + tepetate</a:t>
+            </a:r>
+          </a:p>
+          <a:p>
+            <a:r>
+              <a:rPr lang="es-ES" b="1" i="0" dirty="0">
+                <a:effectLst/>
+                <a:latin typeface="system-ui"/>
+              </a:rPr>
+              <a:t>Costos de mano de obra: </a:t>
+            </a:r>
+          </a:p>
+          <a:p>
+            <a:pPr lvl="1"/>
+            <a:r>
+              <a:rPr lang="es-ES" b="1" i="0" dirty="0">
+                <a:effectLst/>
+                <a:latin typeface="system-ui"/>
+              </a:rPr>
+              <a:t>Mano de obra = (obrero + supervisor + ingeniero) * días trabajados</a:t>
+            </a:r>
+          </a:p>
+          <a:p>
+            <a:r>
+              <a:rPr lang="es-ES" b="1" i="0" dirty="0">
+                <a:effectLst/>
+                <a:latin typeface="system-ui"/>
+              </a:rPr>
+              <a:t>Costo de equipos: </a:t>
+            </a:r>
+          </a:p>
+          <a:p>
+            <a:pPr lvl="1"/>
+            <a:r>
+              <a:rPr lang="es-ES" b="1" i="0" dirty="0">
+                <a:effectLst/>
+                <a:latin typeface="system-ui"/>
+              </a:rPr>
+              <a:t>Suma total de la maquinaria = compactadora + retro + camión de volteo </a:t>
+            </a:r>
+          </a:p>
+          <a:p>
+            <a:r>
+              <a:rPr lang="es-ES" b="1" i="0" dirty="0">
+                <a:effectLst/>
+                <a:latin typeface="system-ui"/>
+              </a:rPr>
+              <a:t>Gastos imprevistos: </a:t>
+            </a:r>
+          </a:p>
+          <a:p>
+            <a:pPr lvl="1"/>
+            <a:r>
+              <a:rPr lang="es-ES" b="1" i="0" dirty="0">
+                <a:effectLst/>
+                <a:latin typeface="system-ui"/>
+              </a:rPr>
+              <a:t>Costo final = costo total del proyecto * imprevistos</a:t>
+            </a:r>
+            <a:endParaRPr lang="en-US" dirty="0"/>
+          </a:p>
+        </p:txBody>
+      </p:sp>
     </p:spTree>
     <p:extLst>
       <p:ext uri="{BB962C8B-B14F-4D97-AF65-F5344CB8AC3E}">
-        <p14:creationId xmlns:p14="http://schemas.microsoft.com/office/powerpoint/2010/main" val="3391700722"/>
+        <p14:creationId xmlns:p14="http://schemas.microsoft.com/office/powerpoint/2010/main" val="433467017"/>
       </p:ext>
     </p:extLst>
   </p:cSld>
